--- a/presentations/unit_2_types_collections.pptx
+++ b/presentations/unit_2_types_collections.pptx
@@ -5502,27 +5502,445 @@
           <a:bodyPr/>
           <a:lstStyle/>
           <a:p>
-            <a:r>
-              <a:rPr lang="de-DE" b="0" dirty="0">
-                <a:solidFill>
-                  <a:srgbClr val="D4D4D4"/>
-                </a:solidFill>
-                <a:effectLst/>
-                <a:latin typeface="Fira Code" panose="020B0809050000020004" pitchFamily="49" charset="0"/>
-              </a:rPr>
-              <a:t>Schreibe ein Programm, dass zwei Strings konkateniert und ausgibt. Was passiert wenn man string1 += string2 berechnet und ausgeben lässt?</a:t>
-            </a:r>
-          </a:p>
-          <a:p>
-            <a:r>
-              <a:rPr lang="de-DE" b="0" dirty="0">
-                <a:solidFill>
-                  <a:srgbClr val="D4D4D4"/>
-                </a:solidFill>
-                <a:effectLst/>
-                <a:latin typeface="Fira Code" panose="020B0809050000020004" pitchFamily="49" charset="0"/>
-              </a:rPr>
-              <a:t>Definiere dir einen String und probiere aus, was die Funktionen </a:t>
+            <a:pPr>
+              <a:buFont typeface="+mj-lt"/>
+              <a:buAutoNum type="arabicPeriod"/>
+            </a:pPr>
+            <a:r>
+              <a:rPr lang="de-DE" b="0" dirty="0">
+                <a:solidFill>
+                  <a:srgbClr val="D4D4D4"/>
+                </a:solidFill>
+                <a:effectLst/>
+                <a:latin typeface="Fira Code" panose="020B0809050000020004" pitchFamily="49" charset="0"/>
+              </a:rPr>
+              <a:t>Write a </a:t>
+            </a:r>
+            <a:r>
+              <a:rPr lang="de-DE" b="0" dirty="0" err="1">
+                <a:solidFill>
+                  <a:srgbClr val="D4D4D4"/>
+                </a:solidFill>
+                <a:effectLst/>
+                <a:latin typeface="Fira Code" panose="020B0809050000020004" pitchFamily="49" charset="0"/>
+              </a:rPr>
+              <a:t>program</a:t>
+            </a:r>
+            <a:r>
+              <a:rPr lang="de-DE" b="0" dirty="0">
+                <a:solidFill>
+                  <a:srgbClr val="D4D4D4"/>
+                </a:solidFill>
+                <a:effectLst/>
+                <a:latin typeface="Fira Code" panose="020B0809050000020004" pitchFamily="49" charset="0"/>
+              </a:rPr>
+              <a:t> </a:t>
+            </a:r>
+            <a:r>
+              <a:rPr lang="de-DE" b="0" dirty="0" err="1">
+                <a:solidFill>
+                  <a:srgbClr val="D4D4D4"/>
+                </a:solidFill>
+                <a:effectLst/>
+                <a:latin typeface="Fira Code" panose="020B0809050000020004" pitchFamily="49" charset="0"/>
+              </a:rPr>
+              <a:t>that</a:t>
+            </a:r>
+            <a:r>
+              <a:rPr lang="de-DE" b="0" dirty="0">
+                <a:solidFill>
+                  <a:srgbClr val="D4D4D4"/>
+                </a:solidFill>
+                <a:effectLst/>
+                <a:latin typeface="Fira Code" panose="020B0809050000020004" pitchFamily="49" charset="0"/>
+              </a:rPr>
+              <a:t> </a:t>
+            </a:r>
+            <a:r>
+              <a:rPr lang="de-DE" b="0" dirty="0" err="1">
+                <a:solidFill>
+                  <a:srgbClr val="D4D4D4"/>
+                </a:solidFill>
+                <a:effectLst/>
+                <a:latin typeface="Fira Code" panose="020B0809050000020004" pitchFamily="49" charset="0"/>
+              </a:rPr>
+              <a:t>concatenates</a:t>
+            </a:r>
+            <a:r>
+              <a:rPr lang="de-DE" b="0" dirty="0">
+                <a:solidFill>
+                  <a:srgbClr val="D4D4D4"/>
+                </a:solidFill>
+                <a:effectLst/>
+                <a:latin typeface="Fira Code" panose="020B0809050000020004" pitchFamily="49" charset="0"/>
+              </a:rPr>
+              <a:t> </a:t>
+            </a:r>
+            <a:r>
+              <a:rPr lang="de-DE" b="0" dirty="0" err="1">
+                <a:solidFill>
+                  <a:srgbClr val="D4D4D4"/>
+                </a:solidFill>
+                <a:effectLst/>
+                <a:latin typeface="Fira Code" panose="020B0809050000020004" pitchFamily="49" charset="0"/>
+              </a:rPr>
+              <a:t>two</a:t>
+            </a:r>
+            <a:r>
+              <a:rPr lang="de-DE" b="0" dirty="0">
+                <a:solidFill>
+                  <a:srgbClr val="D4D4D4"/>
+                </a:solidFill>
+                <a:effectLst/>
+                <a:latin typeface="Fira Code" panose="020B0809050000020004" pitchFamily="49" charset="0"/>
+              </a:rPr>
+              <a:t> </a:t>
+            </a:r>
+            <a:r>
+              <a:rPr lang="de-DE" b="0" dirty="0" err="1">
+                <a:solidFill>
+                  <a:srgbClr val="D4D4D4"/>
+                </a:solidFill>
+                <a:effectLst/>
+                <a:latin typeface="Fira Code" panose="020B0809050000020004" pitchFamily="49" charset="0"/>
+              </a:rPr>
+              <a:t>strings</a:t>
+            </a:r>
+            <a:r>
+              <a:rPr lang="de-DE" b="0" dirty="0">
+                <a:solidFill>
+                  <a:srgbClr val="D4D4D4"/>
+                </a:solidFill>
+                <a:effectLst/>
+                <a:latin typeface="Fira Code" panose="020B0809050000020004" pitchFamily="49" charset="0"/>
+              </a:rPr>
+              <a:t> and </a:t>
+            </a:r>
+            <a:r>
+              <a:rPr lang="de-DE" b="0" dirty="0" err="1">
+                <a:solidFill>
+                  <a:srgbClr val="D4D4D4"/>
+                </a:solidFill>
+                <a:effectLst/>
+                <a:latin typeface="Fira Code" panose="020B0809050000020004" pitchFamily="49" charset="0"/>
+              </a:rPr>
+              <a:t>displays</a:t>
+            </a:r>
+            <a:r>
+              <a:rPr lang="de-DE" b="0" dirty="0">
+                <a:solidFill>
+                  <a:srgbClr val="D4D4D4"/>
+                </a:solidFill>
+                <a:effectLst/>
+                <a:latin typeface="Fira Code" panose="020B0809050000020004" pitchFamily="49" charset="0"/>
+              </a:rPr>
+              <a:t> </a:t>
+            </a:r>
+            <a:r>
+              <a:rPr lang="de-DE" b="0" dirty="0" err="1">
+                <a:solidFill>
+                  <a:srgbClr val="D4D4D4"/>
+                </a:solidFill>
+                <a:effectLst/>
+                <a:latin typeface="Fira Code" panose="020B0809050000020004" pitchFamily="49" charset="0"/>
+              </a:rPr>
+              <a:t>them</a:t>
+            </a:r>
+            <a:r>
+              <a:rPr lang="de-DE" b="0" dirty="0">
+                <a:solidFill>
+                  <a:srgbClr val="D4D4D4"/>
+                </a:solidFill>
+                <a:effectLst/>
+                <a:latin typeface="Fira Code" panose="020B0809050000020004" pitchFamily="49" charset="0"/>
+              </a:rPr>
+              <a:t>. </a:t>
+            </a:r>
+            <a:r>
+              <a:rPr lang="de-DE" b="0" dirty="0" err="1">
+                <a:solidFill>
+                  <a:srgbClr val="D4D4D4"/>
+                </a:solidFill>
+                <a:effectLst/>
+                <a:latin typeface="Fira Code" panose="020B0809050000020004" pitchFamily="49" charset="0"/>
+              </a:rPr>
+              <a:t>What</a:t>
+            </a:r>
+            <a:r>
+              <a:rPr lang="de-DE" b="0" dirty="0">
+                <a:solidFill>
+                  <a:srgbClr val="D4D4D4"/>
+                </a:solidFill>
+                <a:effectLst/>
+                <a:latin typeface="Fira Code" panose="020B0809050000020004" pitchFamily="49" charset="0"/>
+              </a:rPr>
+              <a:t> </a:t>
+            </a:r>
+            <a:r>
+              <a:rPr lang="de-DE" b="0" dirty="0" err="1">
+                <a:solidFill>
+                  <a:srgbClr val="D4D4D4"/>
+                </a:solidFill>
+                <a:effectLst/>
+                <a:latin typeface="Fira Code" panose="020B0809050000020004" pitchFamily="49" charset="0"/>
+              </a:rPr>
+              <a:t>happens</a:t>
+            </a:r>
+            <a:r>
+              <a:rPr lang="de-DE" b="0" dirty="0">
+                <a:solidFill>
+                  <a:srgbClr val="D4D4D4"/>
+                </a:solidFill>
+                <a:effectLst/>
+                <a:latin typeface="Fira Code" panose="020B0809050000020004" pitchFamily="49" charset="0"/>
+              </a:rPr>
+              <a:t> </a:t>
+            </a:r>
+            <a:r>
+              <a:rPr lang="de-DE" b="0" dirty="0" err="1">
+                <a:solidFill>
+                  <a:srgbClr val="D4D4D4"/>
+                </a:solidFill>
+                <a:effectLst/>
+                <a:latin typeface="Fira Code" panose="020B0809050000020004" pitchFamily="49" charset="0"/>
+              </a:rPr>
+              <a:t>if</a:t>
+            </a:r>
+            <a:r>
+              <a:rPr lang="de-DE" b="0" dirty="0">
+                <a:solidFill>
+                  <a:srgbClr val="D4D4D4"/>
+                </a:solidFill>
+                <a:effectLst/>
+                <a:latin typeface="Fira Code" panose="020B0809050000020004" pitchFamily="49" charset="0"/>
+              </a:rPr>
+              <a:t> </a:t>
+            </a:r>
+            <a:r>
+              <a:rPr lang="de-DE" b="0" dirty="0" err="1">
+                <a:solidFill>
+                  <a:srgbClr val="D4D4D4"/>
+                </a:solidFill>
+                <a:effectLst/>
+                <a:latin typeface="Fira Code" panose="020B0809050000020004" pitchFamily="49" charset="0"/>
+              </a:rPr>
+              <a:t>you</a:t>
+            </a:r>
+            <a:r>
+              <a:rPr lang="de-DE" b="0" dirty="0">
+                <a:solidFill>
+                  <a:srgbClr val="D4D4D4"/>
+                </a:solidFill>
+                <a:effectLst/>
+                <a:latin typeface="Fira Code" panose="020B0809050000020004" pitchFamily="49" charset="0"/>
+              </a:rPr>
+              <a:t> </a:t>
+            </a:r>
+            <a:r>
+              <a:rPr lang="de-DE" b="0" dirty="0" err="1">
+                <a:solidFill>
+                  <a:srgbClr val="D4D4D4"/>
+                </a:solidFill>
+                <a:effectLst/>
+                <a:latin typeface="Fira Code" panose="020B0809050000020004" pitchFamily="49" charset="0"/>
+              </a:rPr>
+              <a:t>calculate</a:t>
+            </a:r>
+            <a:r>
+              <a:rPr lang="de-DE" b="0" dirty="0">
+                <a:solidFill>
+                  <a:srgbClr val="D4D4D4"/>
+                </a:solidFill>
+                <a:effectLst/>
+                <a:latin typeface="Fira Code" panose="020B0809050000020004" pitchFamily="49" charset="0"/>
+              </a:rPr>
+              <a:t> string1 += string2 and </a:t>
+            </a:r>
+            <a:r>
+              <a:rPr lang="de-DE" b="0" dirty="0" err="1">
+                <a:solidFill>
+                  <a:srgbClr val="D4D4D4"/>
+                </a:solidFill>
+                <a:effectLst/>
+                <a:latin typeface="Fira Code" panose="020B0809050000020004" pitchFamily="49" charset="0"/>
+              </a:rPr>
+              <a:t>display</a:t>
+            </a:r>
+            <a:r>
+              <a:rPr lang="de-DE" b="0" dirty="0">
+                <a:solidFill>
+                  <a:srgbClr val="D4D4D4"/>
+                </a:solidFill>
+                <a:effectLst/>
+                <a:latin typeface="Fira Code" panose="020B0809050000020004" pitchFamily="49" charset="0"/>
+              </a:rPr>
+              <a:t> </a:t>
+            </a:r>
+            <a:r>
+              <a:rPr lang="de-DE" b="0" dirty="0" err="1">
+                <a:solidFill>
+                  <a:srgbClr val="D4D4D4"/>
+                </a:solidFill>
+                <a:effectLst/>
+                <a:latin typeface="Fira Code" panose="020B0809050000020004" pitchFamily="49" charset="0"/>
+              </a:rPr>
+              <a:t>it</a:t>
+            </a:r>
+            <a:r>
+              <a:rPr lang="de-DE" b="0" dirty="0">
+                <a:solidFill>
+                  <a:srgbClr val="D4D4D4"/>
+                </a:solidFill>
+                <a:effectLst/>
+                <a:latin typeface="Fira Code" panose="020B0809050000020004" pitchFamily="49" charset="0"/>
+              </a:rPr>
+              <a:t>?</a:t>
+            </a:r>
+          </a:p>
+          <a:p>
+            <a:pPr>
+              <a:buFont typeface="+mj-lt"/>
+              <a:buAutoNum type="arabicPeriod"/>
+            </a:pPr>
+            <a:r>
+              <a:rPr lang="de-DE" b="0" dirty="0" err="1">
+                <a:solidFill>
+                  <a:srgbClr val="D4D4D4"/>
+                </a:solidFill>
+                <a:effectLst/>
+                <a:latin typeface="Fira Code" panose="020B0809050000020004" pitchFamily="49" charset="0"/>
+              </a:rPr>
+              <a:t>Define</a:t>
+            </a:r>
+            <a:r>
+              <a:rPr lang="de-DE" b="0" dirty="0">
+                <a:solidFill>
+                  <a:srgbClr val="D4D4D4"/>
+                </a:solidFill>
+                <a:effectLst/>
+                <a:latin typeface="Fira Code" panose="020B0809050000020004" pitchFamily="49" charset="0"/>
+              </a:rPr>
+              <a:t> </a:t>
+            </a:r>
+            <a:r>
+              <a:rPr lang="de-DE" b="0" dirty="0" err="1">
+                <a:solidFill>
+                  <a:srgbClr val="D4D4D4"/>
+                </a:solidFill>
+                <a:effectLst/>
+                <a:latin typeface="Fira Code" panose="020B0809050000020004" pitchFamily="49" charset="0"/>
+              </a:rPr>
+              <a:t>yourself</a:t>
+            </a:r>
+            <a:r>
+              <a:rPr lang="de-DE" b="0" dirty="0">
+                <a:solidFill>
+                  <a:srgbClr val="D4D4D4"/>
+                </a:solidFill>
+                <a:effectLst/>
+                <a:latin typeface="Fira Code" panose="020B0809050000020004" pitchFamily="49" charset="0"/>
+              </a:rPr>
+              <a:t> a </a:t>
+            </a:r>
+            <a:r>
+              <a:rPr lang="de-DE" b="0" dirty="0" err="1">
+                <a:solidFill>
+                  <a:srgbClr val="D4D4D4"/>
+                </a:solidFill>
+                <a:effectLst/>
+                <a:latin typeface="Fira Code" panose="020B0809050000020004" pitchFamily="49" charset="0"/>
+              </a:rPr>
+              <a:t>string</a:t>
+            </a:r>
+            <a:r>
+              <a:rPr lang="de-DE" b="0" dirty="0">
+                <a:solidFill>
+                  <a:srgbClr val="D4D4D4"/>
+                </a:solidFill>
+                <a:effectLst/>
+                <a:latin typeface="Fira Code" panose="020B0809050000020004" pitchFamily="49" charset="0"/>
+              </a:rPr>
+              <a:t> and </a:t>
+            </a:r>
+            <a:r>
+              <a:rPr lang="de-DE" b="0" dirty="0" err="1">
+                <a:solidFill>
+                  <a:srgbClr val="D4D4D4"/>
+                </a:solidFill>
+                <a:effectLst/>
+                <a:latin typeface="Fira Code" panose="020B0809050000020004" pitchFamily="49" charset="0"/>
+              </a:rPr>
+              <a:t>try</a:t>
+            </a:r>
+            <a:r>
+              <a:rPr lang="de-DE" b="0" dirty="0">
+                <a:solidFill>
+                  <a:srgbClr val="D4D4D4"/>
+                </a:solidFill>
+                <a:effectLst/>
+                <a:latin typeface="Fira Code" panose="020B0809050000020004" pitchFamily="49" charset="0"/>
+              </a:rPr>
+              <a:t> out </a:t>
+            </a:r>
+            <a:r>
+              <a:rPr lang="de-DE" b="0" dirty="0" err="1">
+                <a:solidFill>
+                  <a:srgbClr val="D4D4D4"/>
+                </a:solidFill>
+                <a:effectLst/>
+                <a:latin typeface="Fira Code" panose="020B0809050000020004" pitchFamily="49" charset="0"/>
+              </a:rPr>
+              <a:t>what</a:t>
+            </a:r>
+            <a:r>
+              <a:rPr lang="de-DE" b="0" dirty="0">
+                <a:solidFill>
+                  <a:srgbClr val="D4D4D4"/>
+                </a:solidFill>
+                <a:effectLst/>
+                <a:latin typeface="Fira Code" panose="020B0809050000020004" pitchFamily="49" charset="0"/>
+              </a:rPr>
+              <a:t> </a:t>
+            </a:r>
+            <a:r>
+              <a:rPr lang="de-DE" b="0" dirty="0" err="1">
+                <a:solidFill>
+                  <a:srgbClr val="D4D4D4"/>
+                </a:solidFill>
+                <a:effectLst/>
+                <a:latin typeface="Fira Code" panose="020B0809050000020004" pitchFamily="49" charset="0"/>
+              </a:rPr>
+              <a:t>the</a:t>
+            </a:r>
+            <a:r>
+              <a:rPr lang="de-DE" b="0" dirty="0">
+                <a:solidFill>
+                  <a:srgbClr val="D4D4D4"/>
+                </a:solidFill>
+                <a:effectLst/>
+                <a:latin typeface="Fira Code" panose="020B0809050000020004" pitchFamily="49" charset="0"/>
+              </a:rPr>
+              <a:t> </a:t>
+            </a:r>
+            <a:r>
+              <a:rPr lang="de-DE" b="0" dirty="0" err="1">
+                <a:solidFill>
+                  <a:srgbClr val="D4D4D4"/>
+                </a:solidFill>
+                <a:effectLst/>
+                <a:latin typeface="Fira Code" panose="020B0809050000020004" pitchFamily="49" charset="0"/>
+              </a:rPr>
+              <a:t>functions</a:t>
+            </a:r>
+            <a:r>
+              <a:rPr lang="de-DE" b="0" dirty="0">
+                <a:solidFill>
+                  <a:srgbClr val="D4D4D4"/>
+                </a:solidFill>
+                <a:effectLst/>
+                <a:latin typeface="Fira Code" panose="020B0809050000020004" pitchFamily="49" charset="0"/>
+              </a:rPr>
+              <a:t> </a:t>
             </a:r>
             <a:r>
               <a:rPr lang="de-DE" b="0" dirty="0" err="1">
@@ -5602,10 +6020,8 @@
                 <a:effectLst/>
                 <a:latin typeface="Fira Code" panose="020B0809050000020004" pitchFamily="49" charset="0"/>
               </a:rPr>
-              <a:t>() tun!</a:t>
-            </a:r>
-          </a:p>
-          <a:p>
+              <a:t>() do!</a:t>
+            </a:r>
             <a:endParaRPr lang="de-DE" dirty="0"/>
           </a:p>
         </p:txBody>
@@ -5693,50 +6109,855 @@
           <a:bodyPr/>
           <a:lstStyle/>
           <a:p>
-            <a:r>
-              <a:rPr lang="de-DE" b="0" dirty="0">
-                <a:solidFill>
-                  <a:srgbClr val="D4D4D4"/>
-                </a:solidFill>
-                <a:effectLst/>
-                <a:latin typeface="Fira Code" panose="020B0809050000020004" pitchFamily="49" charset="0"/>
-              </a:rPr>
-              <a:t>Schreibe eine Liste und füge alle Module hinzu, die du in diesem Semester belegst. Gib danach das </a:t>
-            </a:r>
-            <a:r>
-              <a:rPr lang="de-DE" b="0" dirty="0" err="1">
-                <a:solidFill>
-                  <a:srgbClr val="D4D4D4"/>
-                </a:solidFill>
-                <a:effectLst/>
-                <a:latin typeface="Fira Code" panose="020B0809050000020004" pitchFamily="49" charset="0"/>
-              </a:rPr>
-              <a:t>letze</a:t>
-            </a:r>
-            <a:r>
-              <a:rPr lang="de-DE" b="0" dirty="0">
-                <a:solidFill>
-                  <a:srgbClr val="D4D4D4"/>
-                </a:solidFill>
-                <a:effectLst/>
-                <a:latin typeface="Fira Code" panose="020B0809050000020004" pitchFamily="49" charset="0"/>
-              </a:rPr>
-              <a:t> Modul aus, welches du der Liste hinzugefügt hast. Gib auch die Anzahl aller Listenelemente aus.</a:t>
-            </a:r>
-          </a:p>
-          <a:p>
-            <a:r>
-              <a:rPr lang="de-DE" b="0" dirty="0">
-                <a:solidFill>
-                  <a:srgbClr val="D4D4D4"/>
-                </a:solidFill>
-                <a:effectLst/>
-                <a:latin typeface="Fira Code" panose="020B0809050000020004" pitchFamily="49" charset="0"/>
-              </a:rPr>
-              <a:t>Erstelle eine Liste aus mindestens 4 verschieden Datentypen. Gib für 2 Listenelemente den Typ aus. Wie kannst du auf Listenelemente zugreifen?</a:t>
-            </a:r>
-          </a:p>
-          <a:p>
+            <a:pPr>
+              <a:buFont typeface="+mj-lt"/>
+              <a:buAutoNum type="arabicPeriod"/>
+            </a:pPr>
+            <a:r>
+              <a:rPr lang="de-DE" b="0" dirty="0">
+                <a:solidFill>
+                  <a:srgbClr val="D4D4D4"/>
+                </a:solidFill>
+                <a:effectLst/>
+                <a:latin typeface="Fira Code" panose="020B0809050000020004" pitchFamily="49" charset="0"/>
+              </a:rPr>
+              <a:t>Write a </a:t>
+            </a:r>
+            <a:r>
+              <a:rPr lang="de-DE" b="0" dirty="0" err="1">
+                <a:solidFill>
+                  <a:srgbClr val="D4D4D4"/>
+                </a:solidFill>
+                <a:effectLst/>
+                <a:latin typeface="Fira Code" panose="020B0809050000020004" pitchFamily="49" charset="0"/>
+              </a:rPr>
+              <a:t>list</a:t>
+            </a:r>
+            <a:r>
+              <a:rPr lang="de-DE" b="0" dirty="0">
+                <a:solidFill>
+                  <a:srgbClr val="D4D4D4"/>
+                </a:solidFill>
+                <a:effectLst/>
+                <a:latin typeface="Fira Code" panose="020B0809050000020004" pitchFamily="49" charset="0"/>
+              </a:rPr>
+              <a:t> and </a:t>
+            </a:r>
+            <a:r>
+              <a:rPr lang="de-DE" b="0" dirty="0" err="1">
+                <a:solidFill>
+                  <a:srgbClr val="D4D4D4"/>
+                </a:solidFill>
+                <a:effectLst/>
+                <a:latin typeface="Fira Code" panose="020B0809050000020004" pitchFamily="49" charset="0"/>
+              </a:rPr>
+              <a:t>add</a:t>
+            </a:r>
+            <a:r>
+              <a:rPr lang="de-DE" b="0" dirty="0">
+                <a:solidFill>
+                  <a:srgbClr val="D4D4D4"/>
+                </a:solidFill>
+                <a:effectLst/>
+                <a:latin typeface="Fira Code" panose="020B0809050000020004" pitchFamily="49" charset="0"/>
+              </a:rPr>
+              <a:t> all </a:t>
+            </a:r>
+            <a:r>
+              <a:rPr lang="de-DE" b="0" dirty="0" err="1">
+                <a:solidFill>
+                  <a:srgbClr val="D4D4D4"/>
+                </a:solidFill>
+                <a:effectLst/>
+                <a:latin typeface="Fira Code" panose="020B0809050000020004" pitchFamily="49" charset="0"/>
+              </a:rPr>
+              <a:t>the</a:t>
+            </a:r>
+            <a:r>
+              <a:rPr lang="de-DE" b="0" dirty="0">
+                <a:solidFill>
+                  <a:srgbClr val="D4D4D4"/>
+                </a:solidFill>
+                <a:effectLst/>
+                <a:latin typeface="Fira Code" panose="020B0809050000020004" pitchFamily="49" charset="0"/>
+              </a:rPr>
+              <a:t> </a:t>
+            </a:r>
+            <a:r>
+              <a:rPr lang="de-DE" b="0" dirty="0" err="1">
+                <a:solidFill>
+                  <a:srgbClr val="D4D4D4"/>
+                </a:solidFill>
+                <a:effectLst/>
+                <a:latin typeface="Fira Code" panose="020B0809050000020004" pitchFamily="49" charset="0"/>
+              </a:rPr>
+              <a:t>modules</a:t>
+            </a:r>
+            <a:r>
+              <a:rPr lang="de-DE" b="0" dirty="0">
+                <a:solidFill>
+                  <a:srgbClr val="D4D4D4"/>
+                </a:solidFill>
+                <a:effectLst/>
+                <a:latin typeface="Fira Code" panose="020B0809050000020004" pitchFamily="49" charset="0"/>
+              </a:rPr>
+              <a:t> </a:t>
+            </a:r>
+            <a:r>
+              <a:rPr lang="de-DE" b="0" dirty="0" err="1">
+                <a:solidFill>
+                  <a:srgbClr val="D4D4D4"/>
+                </a:solidFill>
+                <a:effectLst/>
+                <a:latin typeface="Fira Code" panose="020B0809050000020004" pitchFamily="49" charset="0"/>
+              </a:rPr>
+              <a:t>you</a:t>
+            </a:r>
+            <a:r>
+              <a:rPr lang="de-DE" b="0" dirty="0">
+                <a:solidFill>
+                  <a:srgbClr val="D4D4D4"/>
+                </a:solidFill>
+                <a:effectLst/>
+                <a:latin typeface="Fira Code" panose="020B0809050000020004" pitchFamily="49" charset="0"/>
+              </a:rPr>
+              <a:t> </a:t>
+            </a:r>
+            <a:r>
+              <a:rPr lang="de-DE" b="0" dirty="0" err="1">
+                <a:solidFill>
+                  <a:srgbClr val="D4D4D4"/>
+                </a:solidFill>
+                <a:effectLst/>
+                <a:latin typeface="Fira Code" panose="020B0809050000020004" pitchFamily="49" charset="0"/>
+              </a:rPr>
+              <a:t>are</a:t>
+            </a:r>
+            <a:r>
+              <a:rPr lang="de-DE" b="0" dirty="0">
+                <a:solidFill>
+                  <a:srgbClr val="D4D4D4"/>
+                </a:solidFill>
+                <a:effectLst/>
+                <a:latin typeface="Fira Code" panose="020B0809050000020004" pitchFamily="49" charset="0"/>
+              </a:rPr>
+              <a:t> </a:t>
+            </a:r>
+            <a:r>
+              <a:rPr lang="de-DE" b="0" dirty="0" err="1">
+                <a:solidFill>
+                  <a:srgbClr val="D4D4D4"/>
+                </a:solidFill>
+                <a:effectLst/>
+                <a:latin typeface="Fira Code" panose="020B0809050000020004" pitchFamily="49" charset="0"/>
+              </a:rPr>
+              <a:t>taking</a:t>
+            </a:r>
+            <a:r>
+              <a:rPr lang="de-DE" b="0" dirty="0">
+                <a:solidFill>
+                  <a:srgbClr val="D4D4D4"/>
+                </a:solidFill>
+                <a:effectLst/>
+                <a:latin typeface="Fira Code" panose="020B0809050000020004" pitchFamily="49" charset="0"/>
+              </a:rPr>
+              <a:t> </a:t>
+            </a:r>
+            <a:r>
+              <a:rPr lang="de-DE" b="0" dirty="0" err="1">
+                <a:solidFill>
+                  <a:srgbClr val="D4D4D4"/>
+                </a:solidFill>
+                <a:effectLst/>
+                <a:latin typeface="Fira Code" panose="020B0809050000020004" pitchFamily="49" charset="0"/>
+              </a:rPr>
+              <a:t>this</a:t>
+            </a:r>
+            <a:r>
+              <a:rPr lang="de-DE" b="0" dirty="0">
+                <a:solidFill>
+                  <a:srgbClr val="D4D4D4"/>
+                </a:solidFill>
+                <a:effectLst/>
+                <a:latin typeface="Fira Code" panose="020B0809050000020004" pitchFamily="49" charset="0"/>
+              </a:rPr>
+              <a:t> </a:t>
+            </a:r>
+            <a:r>
+              <a:rPr lang="de-DE" b="0" dirty="0" err="1">
+                <a:solidFill>
+                  <a:srgbClr val="D4D4D4"/>
+                </a:solidFill>
+                <a:effectLst/>
+                <a:latin typeface="Fira Code" panose="020B0809050000020004" pitchFamily="49" charset="0"/>
+              </a:rPr>
+              <a:t>semester</a:t>
+            </a:r>
+            <a:r>
+              <a:rPr lang="de-DE" b="0" dirty="0">
+                <a:solidFill>
+                  <a:srgbClr val="D4D4D4"/>
+                </a:solidFill>
+                <a:effectLst/>
+                <a:latin typeface="Fira Code" panose="020B0809050000020004" pitchFamily="49" charset="0"/>
+              </a:rPr>
+              <a:t>. After </a:t>
+            </a:r>
+            <a:r>
+              <a:rPr lang="de-DE" b="0" dirty="0" err="1">
+                <a:solidFill>
+                  <a:srgbClr val="D4D4D4"/>
+                </a:solidFill>
+                <a:effectLst/>
+                <a:latin typeface="Fira Code" panose="020B0809050000020004" pitchFamily="49" charset="0"/>
+              </a:rPr>
+              <a:t>that</a:t>
+            </a:r>
+            <a:r>
+              <a:rPr lang="de-DE" b="0" dirty="0">
+                <a:solidFill>
+                  <a:srgbClr val="D4D4D4"/>
+                </a:solidFill>
+                <a:effectLst/>
+                <a:latin typeface="Fira Code" panose="020B0809050000020004" pitchFamily="49" charset="0"/>
+              </a:rPr>
+              <a:t>, </a:t>
+            </a:r>
+            <a:r>
+              <a:rPr lang="de-DE" b="0" dirty="0" err="1">
+                <a:solidFill>
+                  <a:srgbClr val="D4D4D4"/>
+                </a:solidFill>
+                <a:effectLst/>
+                <a:latin typeface="Fira Code" panose="020B0809050000020004" pitchFamily="49" charset="0"/>
+              </a:rPr>
+              <a:t>output</a:t>
+            </a:r>
+            <a:r>
+              <a:rPr lang="de-DE" b="0" dirty="0">
+                <a:solidFill>
+                  <a:srgbClr val="D4D4D4"/>
+                </a:solidFill>
+                <a:effectLst/>
+                <a:latin typeface="Fira Code" panose="020B0809050000020004" pitchFamily="49" charset="0"/>
+              </a:rPr>
+              <a:t> </a:t>
+            </a:r>
+            <a:r>
+              <a:rPr lang="de-DE" b="0" dirty="0" err="1">
+                <a:solidFill>
+                  <a:srgbClr val="D4D4D4"/>
+                </a:solidFill>
+                <a:effectLst/>
+                <a:latin typeface="Fira Code" panose="020B0809050000020004" pitchFamily="49" charset="0"/>
+              </a:rPr>
+              <a:t>the</a:t>
+            </a:r>
+            <a:r>
+              <a:rPr lang="de-DE" b="0" dirty="0">
+                <a:solidFill>
+                  <a:srgbClr val="D4D4D4"/>
+                </a:solidFill>
+                <a:effectLst/>
+                <a:latin typeface="Fira Code" panose="020B0809050000020004" pitchFamily="49" charset="0"/>
+              </a:rPr>
+              <a:t> last </a:t>
+            </a:r>
+            <a:r>
+              <a:rPr lang="de-DE" b="0" dirty="0" err="1">
+                <a:solidFill>
+                  <a:srgbClr val="D4D4D4"/>
+                </a:solidFill>
+                <a:effectLst/>
+                <a:latin typeface="Fira Code" panose="020B0809050000020004" pitchFamily="49" charset="0"/>
+              </a:rPr>
+              <a:t>module</a:t>
+            </a:r>
+            <a:r>
+              <a:rPr lang="de-DE" b="0" dirty="0">
+                <a:solidFill>
+                  <a:srgbClr val="D4D4D4"/>
+                </a:solidFill>
+                <a:effectLst/>
+                <a:latin typeface="Fira Code" panose="020B0809050000020004" pitchFamily="49" charset="0"/>
+              </a:rPr>
+              <a:t> </a:t>
+            </a:r>
+            <a:r>
+              <a:rPr lang="de-DE" b="0" dirty="0" err="1">
+                <a:solidFill>
+                  <a:srgbClr val="D4D4D4"/>
+                </a:solidFill>
+                <a:effectLst/>
+                <a:latin typeface="Fira Code" panose="020B0809050000020004" pitchFamily="49" charset="0"/>
+              </a:rPr>
+              <a:t>you</a:t>
+            </a:r>
+            <a:r>
+              <a:rPr lang="de-DE" b="0" dirty="0">
+                <a:solidFill>
+                  <a:srgbClr val="D4D4D4"/>
+                </a:solidFill>
+                <a:effectLst/>
+                <a:latin typeface="Fira Code" panose="020B0809050000020004" pitchFamily="49" charset="0"/>
+              </a:rPr>
+              <a:t> </a:t>
+            </a:r>
+            <a:r>
+              <a:rPr lang="de-DE" b="0" dirty="0" err="1">
+                <a:solidFill>
+                  <a:srgbClr val="D4D4D4"/>
+                </a:solidFill>
+                <a:effectLst/>
+                <a:latin typeface="Fira Code" panose="020B0809050000020004" pitchFamily="49" charset="0"/>
+              </a:rPr>
+              <a:t>added</a:t>
+            </a:r>
+            <a:r>
+              <a:rPr lang="de-DE" b="0" dirty="0">
+                <a:solidFill>
+                  <a:srgbClr val="D4D4D4"/>
+                </a:solidFill>
+                <a:effectLst/>
+                <a:latin typeface="Fira Code" panose="020B0809050000020004" pitchFamily="49" charset="0"/>
+              </a:rPr>
+              <a:t> </a:t>
+            </a:r>
+            <a:r>
+              <a:rPr lang="de-DE" b="0" dirty="0" err="1">
+                <a:solidFill>
+                  <a:srgbClr val="D4D4D4"/>
+                </a:solidFill>
+                <a:effectLst/>
+                <a:latin typeface="Fira Code" panose="020B0809050000020004" pitchFamily="49" charset="0"/>
+              </a:rPr>
+              <a:t>to</a:t>
+            </a:r>
+            <a:r>
+              <a:rPr lang="de-DE" b="0" dirty="0">
+                <a:solidFill>
+                  <a:srgbClr val="D4D4D4"/>
+                </a:solidFill>
+                <a:effectLst/>
+                <a:latin typeface="Fira Code" panose="020B0809050000020004" pitchFamily="49" charset="0"/>
+              </a:rPr>
+              <a:t> </a:t>
+            </a:r>
+            <a:r>
+              <a:rPr lang="de-DE" b="0" dirty="0" err="1">
+                <a:solidFill>
+                  <a:srgbClr val="D4D4D4"/>
+                </a:solidFill>
+                <a:effectLst/>
+                <a:latin typeface="Fira Code" panose="020B0809050000020004" pitchFamily="49" charset="0"/>
+              </a:rPr>
+              <a:t>the</a:t>
+            </a:r>
+            <a:r>
+              <a:rPr lang="de-DE" b="0" dirty="0">
+                <a:solidFill>
+                  <a:srgbClr val="D4D4D4"/>
+                </a:solidFill>
+                <a:effectLst/>
+                <a:latin typeface="Fira Code" panose="020B0809050000020004" pitchFamily="49" charset="0"/>
+              </a:rPr>
+              <a:t> </a:t>
+            </a:r>
+            <a:r>
+              <a:rPr lang="de-DE" b="0" dirty="0" err="1">
+                <a:solidFill>
+                  <a:srgbClr val="D4D4D4"/>
+                </a:solidFill>
+                <a:effectLst/>
+                <a:latin typeface="Fira Code" panose="020B0809050000020004" pitchFamily="49" charset="0"/>
+              </a:rPr>
+              <a:t>list</a:t>
+            </a:r>
+            <a:r>
+              <a:rPr lang="de-DE" b="0" dirty="0">
+                <a:solidFill>
+                  <a:srgbClr val="D4D4D4"/>
+                </a:solidFill>
+                <a:effectLst/>
+                <a:latin typeface="Fira Code" panose="020B0809050000020004" pitchFamily="49" charset="0"/>
+              </a:rPr>
+              <a:t>. Also </a:t>
+            </a:r>
+            <a:r>
+              <a:rPr lang="de-DE" b="0" dirty="0" err="1">
+                <a:solidFill>
+                  <a:srgbClr val="D4D4D4"/>
+                </a:solidFill>
+                <a:effectLst/>
+                <a:latin typeface="Fira Code" panose="020B0809050000020004" pitchFamily="49" charset="0"/>
+              </a:rPr>
+              <a:t>display</a:t>
+            </a:r>
+            <a:r>
+              <a:rPr lang="de-DE" b="0" dirty="0">
+                <a:solidFill>
+                  <a:srgbClr val="D4D4D4"/>
+                </a:solidFill>
+                <a:effectLst/>
+                <a:latin typeface="Fira Code" panose="020B0809050000020004" pitchFamily="49" charset="0"/>
+              </a:rPr>
+              <a:t> </a:t>
+            </a:r>
+            <a:r>
+              <a:rPr lang="de-DE" b="0" dirty="0" err="1">
+                <a:solidFill>
+                  <a:srgbClr val="D4D4D4"/>
+                </a:solidFill>
+                <a:effectLst/>
+                <a:latin typeface="Fira Code" panose="020B0809050000020004" pitchFamily="49" charset="0"/>
+              </a:rPr>
+              <a:t>the</a:t>
+            </a:r>
+            <a:r>
+              <a:rPr lang="de-DE" b="0" dirty="0">
+                <a:solidFill>
+                  <a:srgbClr val="D4D4D4"/>
+                </a:solidFill>
+                <a:effectLst/>
+                <a:latin typeface="Fira Code" panose="020B0809050000020004" pitchFamily="49" charset="0"/>
+              </a:rPr>
+              <a:t> </a:t>
+            </a:r>
+            <a:r>
+              <a:rPr lang="de-DE" b="0" dirty="0" err="1">
+                <a:solidFill>
+                  <a:srgbClr val="D4D4D4"/>
+                </a:solidFill>
+                <a:effectLst/>
+                <a:latin typeface="Fira Code" panose="020B0809050000020004" pitchFamily="49" charset="0"/>
+              </a:rPr>
+              <a:t>number</a:t>
+            </a:r>
+            <a:r>
+              <a:rPr lang="de-DE" b="0" dirty="0">
+                <a:solidFill>
+                  <a:srgbClr val="D4D4D4"/>
+                </a:solidFill>
+                <a:effectLst/>
+                <a:latin typeface="Fira Code" panose="020B0809050000020004" pitchFamily="49" charset="0"/>
+              </a:rPr>
+              <a:t> </a:t>
+            </a:r>
+            <a:r>
+              <a:rPr lang="de-DE" b="0" dirty="0" err="1">
+                <a:solidFill>
+                  <a:srgbClr val="D4D4D4"/>
+                </a:solidFill>
+                <a:effectLst/>
+                <a:latin typeface="Fira Code" panose="020B0809050000020004" pitchFamily="49" charset="0"/>
+              </a:rPr>
+              <a:t>of</a:t>
+            </a:r>
+            <a:r>
+              <a:rPr lang="de-DE" b="0" dirty="0">
+                <a:solidFill>
+                  <a:srgbClr val="D4D4D4"/>
+                </a:solidFill>
+                <a:effectLst/>
+                <a:latin typeface="Fira Code" panose="020B0809050000020004" pitchFamily="49" charset="0"/>
+              </a:rPr>
+              <a:t> all </a:t>
+            </a:r>
+            <a:r>
+              <a:rPr lang="de-DE" b="0" dirty="0" err="1">
+                <a:solidFill>
+                  <a:srgbClr val="D4D4D4"/>
+                </a:solidFill>
+                <a:effectLst/>
+                <a:latin typeface="Fira Code" panose="020B0809050000020004" pitchFamily="49" charset="0"/>
+              </a:rPr>
+              <a:t>list</a:t>
+            </a:r>
+            <a:r>
+              <a:rPr lang="de-DE" b="0" dirty="0">
+                <a:solidFill>
+                  <a:srgbClr val="D4D4D4"/>
+                </a:solidFill>
+                <a:effectLst/>
+                <a:latin typeface="Fira Code" panose="020B0809050000020004" pitchFamily="49" charset="0"/>
+              </a:rPr>
+              <a:t> </a:t>
+            </a:r>
+            <a:r>
+              <a:rPr lang="de-DE" b="0" dirty="0" err="1">
+                <a:solidFill>
+                  <a:srgbClr val="D4D4D4"/>
+                </a:solidFill>
+                <a:effectLst/>
+                <a:latin typeface="Fira Code" panose="020B0809050000020004" pitchFamily="49" charset="0"/>
+              </a:rPr>
+              <a:t>items</a:t>
+            </a:r>
+            <a:r>
+              <a:rPr lang="de-DE" b="0" dirty="0">
+                <a:solidFill>
+                  <a:srgbClr val="D4D4D4"/>
+                </a:solidFill>
+                <a:effectLst/>
+                <a:latin typeface="Fira Code" panose="020B0809050000020004" pitchFamily="49" charset="0"/>
+              </a:rPr>
+              <a:t>.</a:t>
+            </a:r>
+          </a:p>
+          <a:p>
+            <a:pPr>
+              <a:buFont typeface="+mj-lt"/>
+              <a:buAutoNum type="arabicPeriod"/>
+            </a:pPr>
+            <a:r>
+              <a:rPr lang="de-DE" b="0" dirty="0">
+                <a:solidFill>
+                  <a:srgbClr val="D4D4D4"/>
+                </a:solidFill>
+                <a:effectLst/>
+                <a:latin typeface="Fira Code" panose="020B0809050000020004" pitchFamily="49" charset="0"/>
+              </a:rPr>
+              <a:t>Create a </a:t>
+            </a:r>
+            <a:r>
+              <a:rPr lang="de-DE" b="0" dirty="0" err="1">
+                <a:solidFill>
+                  <a:srgbClr val="D4D4D4"/>
+                </a:solidFill>
+                <a:effectLst/>
+                <a:latin typeface="Fira Code" panose="020B0809050000020004" pitchFamily="49" charset="0"/>
+              </a:rPr>
+              <a:t>list</a:t>
+            </a:r>
+            <a:r>
+              <a:rPr lang="de-DE" b="0" dirty="0">
+                <a:solidFill>
+                  <a:srgbClr val="D4D4D4"/>
+                </a:solidFill>
+                <a:effectLst/>
+                <a:latin typeface="Fira Code" panose="020B0809050000020004" pitchFamily="49" charset="0"/>
+              </a:rPr>
+              <a:t> </a:t>
+            </a:r>
+            <a:r>
+              <a:rPr lang="de-DE" b="0" dirty="0" err="1">
+                <a:solidFill>
+                  <a:srgbClr val="D4D4D4"/>
+                </a:solidFill>
+                <a:effectLst/>
+                <a:latin typeface="Fira Code" panose="020B0809050000020004" pitchFamily="49" charset="0"/>
+              </a:rPr>
+              <a:t>with</a:t>
+            </a:r>
+            <a:r>
+              <a:rPr lang="de-DE" b="0" dirty="0">
+                <a:solidFill>
+                  <a:srgbClr val="D4D4D4"/>
+                </a:solidFill>
+                <a:effectLst/>
+                <a:latin typeface="Fira Code" panose="020B0809050000020004" pitchFamily="49" charset="0"/>
+              </a:rPr>
+              <a:t> </a:t>
+            </a:r>
+            <a:r>
+              <a:rPr lang="de-DE" b="0" dirty="0" err="1">
+                <a:solidFill>
+                  <a:srgbClr val="D4D4D4"/>
+                </a:solidFill>
+                <a:effectLst/>
+                <a:latin typeface="Fira Code" panose="020B0809050000020004" pitchFamily="49" charset="0"/>
+              </a:rPr>
+              <a:t>items</a:t>
+            </a:r>
+            <a:r>
+              <a:rPr lang="de-DE" b="0" dirty="0">
+                <a:solidFill>
+                  <a:srgbClr val="D4D4D4"/>
+                </a:solidFill>
+                <a:effectLst/>
+                <a:latin typeface="Fira Code" panose="020B0809050000020004" pitchFamily="49" charset="0"/>
+              </a:rPr>
+              <a:t> </a:t>
+            </a:r>
+            <a:r>
+              <a:rPr lang="de-DE" b="0" dirty="0" err="1">
+                <a:solidFill>
+                  <a:srgbClr val="D4D4D4"/>
+                </a:solidFill>
+                <a:effectLst/>
+                <a:latin typeface="Fira Code" panose="020B0809050000020004" pitchFamily="49" charset="0"/>
+              </a:rPr>
+              <a:t>of</a:t>
+            </a:r>
+            <a:r>
+              <a:rPr lang="de-DE" b="0" dirty="0">
+                <a:solidFill>
+                  <a:srgbClr val="D4D4D4"/>
+                </a:solidFill>
+                <a:effectLst/>
+                <a:latin typeface="Fira Code" panose="020B0809050000020004" pitchFamily="49" charset="0"/>
+              </a:rPr>
+              <a:t> at least 4 different </a:t>
+            </a:r>
+            <a:r>
+              <a:rPr lang="de-DE" b="0" dirty="0" err="1">
+                <a:solidFill>
+                  <a:srgbClr val="D4D4D4"/>
+                </a:solidFill>
+                <a:effectLst/>
+                <a:latin typeface="Fira Code" panose="020B0809050000020004" pitchFamily="49" charset="0"/>
+              </a:rPr>
+              <a:t>data</a:t>
+            </a:r>
+            <a:r>
+              <a:rPr lang="de-DE" b="0" dirty="0">
+                <a:solidFill>
+                  <a:srgbClr val="D4D4D4"/>
+                </a:solidFill>
+                <a:effectLst/>
+                <a:latin typeface="Fira Code" panose="020B0809050000020004" pitchFamily="49" charset="0"/>
+              </a:rPr>
+              <a:t> </a:t>
+            </a:r>
+            <a:r>
+              <a:rPr lang="de-DE" b="0" dirty="0" err="1">
+                <a:solidFill>
+                  <a:srgbClr val="D4D4D4"/>
+                </a:solidFill>
+                <a:effectLst/>
+                <a:latin typeface="Fira Code" panose="020B0809050000020004" pitchFamily="49" charset="0"/>
+              </a:rPr>
+              <a:t>types</a:t>
+            </a:r>
+            <a:r>
+              <a:rPr lang="de-DE" b="0" dirty="0">
+                <a:solidFill>
+                  <a:srgbClr val="D4D4D4"/>
+                </a:solidFill>
+                <a:effectLst/>
+                <a:latin typeface="Fira Code" panose="020B0809050000020004" pitchFamily="49" charset="0"/>
+              </a:rPr>
+              <a:t>. </a:t>
+            </a:r>
+            <a:r>
+              <a:rPr lang="de-DE" dirty="0">
+                <a:solidFill>
+                  <a:srgbClr val="D4D4D4"/>
+                </a:solidFill>
+                <a:latin typeface="Fira Code" panose="020B0809050000020004" pitchFamily="49" charset="0"/>
+              </a:rPr>
+              <a:t>Output</a:t>
+            </a:r>
+            <a:r>
+              <a:rPr lang="de-DE" b="0" dirty="0">
+                <a:solidFill>
+                  <a:srgbClr val="D4D4D4"/>
+                </a:solidFill>
+                <a:effectLst/>
+                <a:latin typeface="Fira Code" panose="020B0809050000020004" pitchFamily="49" charset="0"/>
+              </a:rPr>
+              <a:t> </a:t>
+            </a:r>
+            <a:r>
+              <a:rPr lang="de-DE" b="0" dirty="0" err="1">
+                <a:solidFill>
+                  <a:srgbClr val="D4D4D4"/>
+                </a:solidFill>
+                <a:effectLst/>
+                <a:latin typeface="Fira Code" panose="020B0809050000020004" pitchFamily="49" charset="0"/>
+              </a:rPr>
+              <a:t>the</a:t>
+            </a:r>
+            <a:r>
+              <a:rPr lang="de-DE" b="0" dirty="0">
+                <a:solidFill>
+                  <a:srgbClr val="D4D4D4"/>
+                </a:solidFill>
+                <a:effectLst/>
+                <a:latin typeface="Fira Code" panose="020B0809050000020004" pitchFamily="49" charset="0"/>
+              </a:rPr>
+              <a:t> type </a:t>
+            </a:r>
+            <a:r>
+              <a:rPr lang="de-DE" b="0" dirty="0" err="1">
+                <a:solidFill>
+                  <a:srgbClr val="D4D4D4"/>
+                </a:solidFill>
+                <a:effectLst/>
+                <a:latin typeface="Fira Code" panose="020B0809050000020004" pitchFamily="49" charset="0"/>
+              </a:rPr>
+              <a:t>for</a:t>
+            </a:r>
+            <a:r>
+              <a:rPr lang="de-DE" b="0" dirty="0">
+                <a:solidFill>
+                  <a:srgbClr val="D4D4D4"/>
+                </a:solidFill>
+                <a:effectLst/>
+                <a:latin typeface="Fira Code" panose="020B0809050000020004" pitchFamily="49" charset="0"/>
+              </a:rPr>
+              <a:t> 2 </a:t>
+            </a:r>
+            <a:r>
+              <a:rPr lang="de-DE" b="0" dirty="0" err="1">
+                <a:solidFill>
+                  <a:srgbClr val="D4D4D4"/>
+                </a:solidFill>
+                <a:effectLst/>
+                <a:latin typeface="Fira Code" panose="020B0809050000020004" pitchFamily="49" charset="0"/>
+              </a:rPr>
+              <a:t>list</a:t>
+            </a:r>
+            <a:r>
+              <a:rPr lang="de-DE" b="0" dirty="0">
+                <a:solidFill>
+                  <a:srgbClr val="D4D4D4"/>
+                </a:solidFill>
+                <a:effectLst/>
+                <a:latin typeface="Fira Code" panose="020B0809050000020004" pitchFamily="49" charset="0"/>
+              </a:rPr>
+              <a:t> </a:t>
+            </a:r>
+            <a:r>
+              <a:rPr lang="de-DE" b="0" dirty="0" err="1">
+                <a:solidFill>
+                  <a:srgbClr val="D4D4D4"/>
+                </a:solidFill>
+                <a:effectLst/>
+                <a:latin typeface="Fira Code" panose="020B0809050000020004" pitchFamily="49" charset="0"/>
+              </a:rPr>
+              <a:t>elements</a:t>
+            </a:r>
+            <a:r>
+              <a:rPr lang="de-DE" b="0" dirty="0">
+                <a:solidFill>
+                  <a:srgbClr val="D4D4D4"/>
+                </a:solidFill>
+                <a:effectLst/>
+                <a:latin typeface="Fira Code" panose="020B0809050000020004" pitchFamily="49" charset="0"/>
+              </a:rPr>
+              <a:t>. </a:t>
+            </a:r>
+            <a:r>
+              <a:rPr lang="de-DE" b="0" dirty="0" err="1">
+                <a:solidFill>
+                  <a:srgbClr val="D4D4D4"/>
+                </a:solidFill>
+                <a:effectLst/>
+                <a:latin typeface="Fira Code" panose="020B0809050000020004" pitchFamily="49" charset="0"/>
+              </a:rPr>
+              <a:t>How</a:t>
+            </a:r>
+            <a:r>
+              <a:rPr lang="de-DE" b="0" dirty="0">
+                <a:solidFill>
+                  <a:srgbClr val="D4D4D4"/>
+                </a:solidFill>
+                <a:effectLst/>
+                <a:latin typeface="Fira Code" panose="020B0809050000020004" pitchFamily="49" charset="0"/>
+              </a:rPr>
+              <a:t> </a:t>
+            </a:r>
+            <a:r>
+              <a:rPr lang="de-DE" b="0" dirty="0" err="1">
+                <a:solidFill>
+                  <a:srgbClr val="D4D4D4"/>
+                </a:solidFill>
+                <a:effectLst/>
+                <a:latin typeface="Fira Code" panose="020B0809050000020004" pitchFamily="49" charset="0"/>
+              </a:rPr>
+              <a:t>can</a:t>
+            </a:r>
+            <a:r>
+              <a:rPr lang="de-DE" b="0" dirty="0">
+                <a:solidFill>
+                  <a:srgbClr val="D4D4D4"/>
+                </a:solidFill>
+                <a:effectLst/>
+                <a:latin typeface="Fira Code" panose="020B0809050000020004" pitchFamily="49" charset="0"/>
+              </a:rPr>
+              <a:t> </a:t>
+            </a:r>
+            <a:r>
+              <a:rPr lang="de-DE" b="0" dirty="0" err="1">
+                <a:solidFill>
+                  <a:srgbClr val="D4D4D4"/>
+                </a:solidFill>
+                <a:effectLst/>
+                <a:latin typeface="Fira Code" panose="020B0809050000020004" pitchFamily="49" charset="0"/>
+              </a:rPr>
+              <a:t>you</a:t>
+            </a:r>
+            <a:r>
+              <a:rPr lang="de-DE" b="0" dirty="0">
+                <a:solidFill>
+                  <a:srgbClr val="D4D4D4"/>
+                </a:solidFill>
+                <a:effectLst/>
+                <a:latin typeface="Fira Code" panose="020B0809050000020004" pitchFamily="49" charset="0"/>
+              </a:rPr>
+              <a:t> </a:t>
+            </a:r>
+            <a:r>
+              <a:rPr lang="de-DE" b="0" dirty="0" err="1">
+                <a:solidFill>
+                  <a:srgbClr val="D4D4D4"/>
+                </a:solidFill>
+                <a:effectLst/>
+                <a:latin typeface="Fira Code" panose="020B0809050000020004" pitchFamily="49" charset="0"/>
+              </a:rPr>
+              <a:t>access</a:t>
+            </a:r>
+            <a:r>
+              <a:rPr lang="de-DE" b="0" dirty="0">
+                <a:solidFill>
+                  <a:srgbClr val="D4D4D4"/>
+                </a:solidFill>
+                <a:effectLst/>
+                <a:latin typeface="Fira Code" panose="020B0809050000020004" pitchFamily="49" charset="0"/>
+              </a:rPr>
+              <a:t> </a:t>
+            </a:r>
+            <a:r>
+              <a:rPr lang="de-DE" b="0" dirty="0" err="1">
+                <a:solidFill>
+                  <a:srgbClr val="D4D4D4"/>
+                </a:solidFill>
+                <a:effectLst/>
+                <a:latin typeface="Fira Code" panose="020B0809050000020004" pitchFamily="49" charset="0"/>
+              </a:rPr>
+              <a:t>list</a:t>
+            </a:r>
+            <a:r>
+              <a:rPr lang="de-DE" b="0" dirty="0">
+                <a:solidFill>
+                  <a:srgbClr val="D4D4D4"/>
+                </a:solidFill>
+                <a:effectLst/>
+                <a:latin typeface="Fira Code" panose="020B0809050000020004" pitchFamily="49" charset="0"/>
+              </a:rPr>
+              <a:t> </a:t>
+            </a:r>
+            <a:r>
+              <a:rPr lang="de-DE" b="0" dirty="0" err="1">
+                <a:solidFill>
+                  <a:srgbClr val="D4D4D4"/>
+                </a:solidFill>
+                <a:effectLst/>
+                <a:latin typeface="Fira Code" panose="020B0809050000020004" pitchFamily="49" charset="0"/>
+              </a:rPr>
+              <a:t>elements</a:t>
+            </a:r>
+            <a:r>
+              <a:rPr lang="de-DE" b="0" dirty="0">
+                <a:solidFill>
+                  <a:srgbClr val="D4D4D4"/>
+                </a:solidFill>
+                <a:effectLst/>
+                <a:latin typeface="Fira Code" panose="020B0809050000020004" pitchFamily="49" charset="0"/>
+              </a:rPr>
+              <a:t>?</a:t>
+            </a:r>
             <a:endParaRPr lang="de-DE" dirty="0"/>
           </a:p>
         </p:txBody>
@@ -5829,25 +7050,595 @@
           <a:bodyPr/>
           <a:lstStyle/>
           <a:p>
-            <a:r>
-              <a:rPr lang="de-DE" b="0" dirty="0">
-                <a:solidFill>
-                  <a:srgbClr val="D4D4D4"/>
-                </a:solidFill>
-                <a:effectLst/>
-                <a:latin typeface="Fira Code" panose="020B0809050000020004" pitchFamily="49" charset="0"/>
-              </a:rPr>
-              <a:t>Erstelle ein Tupel mit 3 Einträgen und versuche einen Eintrag zu verändern. Ist dies möglich? Was gibt der Interpreter aus? Erstelle nun ein Tupel ohne es mit Werten zu initialisieren, wie kann man das </a:t>
-            </a:r>
-            <a:r>
-              <a:rPr lang="de-DE" b="0" dirty="0" err="1">
-                <a:solidFill>
-                  <a:srgbClr val="D4D4D4"/>
-                </a:solidFill>
-                <a:effectLst/>
-                <a:latin typeface="Fira Code" panose="020B0809050000020004" pitchFamily="49" charset="0"/>
-              </a:rPr>
-              <a:t>realisiren</a:t>
+            <a:pPr>
+              <a:buFont typeface="+mj-lt"/>
+              <a:buAutoNum type="arabicPeriod"/>
+            </a:pPr>
+            <a:r>
+              <a:rPr lang="de-DE" b="0" dirty="0">
+                <a:solidFill>
+                  <a:srgbClr val="D4D4D4"/>
+                </a:solidFill>
+                <a:effectLst/>
+                <a:latin typeface="Fira Code" panose="020B0809050000020004" pitchFamily="49" charset="0"/>
+              </a:rPr>
+              <a:t>Create a </a:t>
+            </a:r>
+            <a:r>
+              <a:rPr lang="de-DE" b="0" dirty="0" err="1">
+                <a:solidFill>
+                  <a:srgbClr val="D4D4D4"/>
+                </a:solidFill>
+                <a:effectLst/>
+                <a:latin typeface="Fira Code" panose="020B0809050000020004" pitchFamily="49" charset="0"/>
+              </a:rPr>
+              <a:t>tuple</a:t>
+            </a:r>
+            <a:r>
+              <a:rPr lang="de-DE" b="0" dirty="0">
+                <a:solidFill>
+                  <a:srgbClr val="D4D4D4"/>
+                </a:solidFill>
+                <a:effectLst/>
+                <a:latin typeface="Fira Code" panose="020B0809050000020004" pitchFamily="49" charset="0"/>
+              </a:rPr>
+              <a:t> </a:t>
+            </a:r>
+            <a:r>
+              <a:rPr lang="de-DE" b="0" dirty="0" err="1">
+                <a:solidFill>
+                  <a:srgbClr val="D4D4D4"/>
+                </a:solidFill>
+                <a:effectLst/>
+                <a:latin typeface="Fira Code" panose="020B0809050000020004" pitchFamily="49" charset="0"/>
+              </a:rPr>
+              <a:t>with</a:t>
+            </a:r>
+            <a:r>
+              <a:rPr lang="de-DE" b="0" dirty="0">
+                <a:solidFill>
+                  <a:srgbClr val="D4D4D4"/>
+                </a:solidFill>
+                <a:effectLst/>
+                <a:latin typeface="Fira Code" panose="020B0809050000020004" pitchFamily="49" charset="0"/>
+              </a:rPr>
+              <a:t> 3 </a:t>
+            </a:r>
+            <a:r>
+              <a:rPr lang="de-DE" b="0" dirty="0" err="1">
+                <a:solidFill>
+                  <a:srgbClr val="D4D4D4"/>
+                </a:solidFill>
+                <a:effectLst/>
+                <a:latin typeface="Fira Code" panose="020B0809050000020004" pitchFamily="49" charset="0"/>
+              </a:rPr>
+              <a:t>entries</a:t>
+            </a:r>
+            <a:r>
+              <a:rPr lang="de-DE" b="0" dirty="0">
+                <a:solidFill>
+                  <a:srgbClr val="D4D4D4"/>
+                </a:solidFill>
+                <a:effectLst/>
+                <a:latin typeface="Fira Code" panose="020B0809050000020004" pitchFamily="49" charset="0"/>
+              </a:rPr>
+              <a:t> and </a:t>
+            </a:r>
+            <a:r>
+              <a:rPr lang="de-DE" b="0" dirty="0" err="1">
+                <a:solidFill>
+                  <a:srgbClr val="D4D4D4"/>
+                </a:solidFill>
+                <a:effectLst/>
+                <a:latin typeface="Fira Code" panose="020B0809050000020004" pitchFamily="49" charset="0"/>
+              </a:rPr>
+              <a:t>try</a:t>
+            </a:r>
+            <a:r>
+              <a:rPr lang="de-DE" b="0" dirty="0">
+                <a:solidFill>
+                  <a:srgbClr val="D4D4D4"/>
+                </a:solidFill>
+                <a:effectLst/>
+                <a:latin typeface="Fira Code" panose="020B0809050000020004" pitchFamily="49" charset="0"/>
+              </a:rPr>
+              <a:t> </a:t>
+            </a:r>
+            <a:r>
+              <a:rPr lang="de-DE" b="0" dirty="0" err="1">
+                <a:solidFill>
+                  <a:srgbClr val="D4D4D4"/>
+                </a:solidFill>
+                <a:effectLst/>
+                <a:latin typeface="Fira Code" panose="020B0809050000020004" pitchFamily="49" charset="0"/>
+              </a:rPr>
+              <a:t>to</a:t>
+            </a:r>
+            <a:r>
+              <a:rPr lang="de-DE" b="0" dirty="0">
+                <a:solidFill>
+                  <a:srgbClr val="D4D4D4"/>
+                </a:solidFill>
+                <a:effectLst/>
+                <a:latin typeface="Fira Code" panose="020B0809050000020004" pitchFamily="49" charset="0"/>
+              </a:rPr>
+              <a:t> </a:t>
+            </a:r>
+            <a:r>
+              <a:rPr lang="de-DE" b="0" dirty="0" err="1">
+                <a:solidFill>
+                  <a:srgbClr val="D4D4D4"/>
+                </a:solidFill>
+                <a:effectLst/>
+                <a:latin typeface="Fira Code" panose="020B0809050000020004" pitchFamily="49" charset="0"/>
+              </a:rPr>
+              <a:t>change</a:t>
+            </a:r>
+            <a:r>
+              <a:rPr lang="de-DE" b="0" dirty="0">
+                <a:solidFill>
+                  <a:srgbClr val="D4D4D4"/>
+                </a:solidFill>
+                <a:effectLst/>
+                <a:latin typeface="Fira Code" panose="020B0809050000020004" pitchFamily="49" charset="0"/>
+              </a:rPr>
+              <a:t> </a:t>
+            </a:r>
+            <a:r>
+              <a:rPr lang="de-DE" b="0" dirty="0" err="1">
+                <a:solidFill>
+                  <a:srgbClr val="D4D4D4"/>
+                </a:solidFill>
+                <a:effectLst/>
+                <a:latin typeface="Fira Code" panose="020B0809050000020004" pitchFamily="49" charset="0"/>
+              </a:rPr>
+              <a:t>one</a:t>
+            </a:r>
+            <a:r>
+              <a:rPr lang="de-DE" b="0" dirty="0">
+                <a:solidFill>
+                  <a:srgbClr val="D4D4D4"/>
+                </a:solidFill>
+                <a:effectLst/>
+                <a:latin typeface="Fira Code" panose="020B0809050000020004" pitchFamily="49" charset="0"/>
+              </a:rPr>
+              <a:t> </a:t>
+            </a:r>
+            <a:r>
+              <a:rPr lang="de-DE" b="0" dirty="0" err="1">
+                <a:solidFill>
+                  <a:srgbClr val="D4D4D4"/>
+                </a:solidFill>
+                <a:effectLst/>
+                <a:latin typeface="Fira Code" panose="020B0809050000020004" pitchFamily="49" charset="0"/>
+              </a:rPr>
+              <a:t>of</a:t>
+            </a:r>
+            <a:r>
+              <a:rPr lang="de-DE" b="0" dirty="0">
+                <a:solidFill>
+                  <a:srgbClr val="D4D4D4"/>
+                </a:solidFill>
+                <a:effectLst/>
+                <a:latin typeface="Fira Code" panose="020B0809050000020004" pitchFamily="49" charset="0"/>
+              </a:rPr>
+              <a:t> </a:t>
+            </a:r>
+            <a:r>
+              <a:rPr lang="de-DE" b="0" dirty="0" err="1">
+                <a:solidFill>
+                  <a:srgbClr val="D4D4D4"/>
+                </a:solidFill>
+                <a:effectLst/>
+                <a:latin typeface="Fira Code" panose="020B0809050000020004" pitchFamily="49" charset="0"/>
+              </a:rPr>
+              <a:t>them</a:t>
+            </a:r>
+            <a:r>
+              <a:rPr lang="de-DE" b="0" dirty="0">
+                <a:solidFill>
+                  <a:srgbClr val="D4D4D4"/>
+                </a:solidFill>
+                <a:effectLst/>
+                <a:latin typeface="Fira Code" panose="020B0809050000020004" pitchFamily="49" charset="0"/>
+              </a:rPr>
+              <a:t>. </a:t>
+            </a:r>
+            <a:r>
+              <a:rPr lang="de-DE" b="0" dirty="0" err="1">
+                <a:solidFill>
+                  <a:srgbClr val="D4D4D4"/>
+                </a:solidFill>
+                <a:effectLst/>
+                <a:latin typeface="Fira Code" panose="020B0809050000020004" pitchFamily="49" charset="0"/>
+              </a:rPr>
+              <a:t>Is</a:t>
+            </a:r>
+            <a:r>
+              <a:rPr lang="de-DE" b="0" dirty="0">
+                <a:solidFill>
+                  <a:srgbClr val="D4D4D4"/>
+                </a:solidFill>
+                <a:effectLst/>
+                <a:latin typeface="Fira Code" panose="020B0809050000020004" pitchFamily="49" charset="0"/>
+              </a:rPr>
+              <a:t> </a:t>
+            </a:r>
+            <a:r>
+              <a:rPr lang="de-DE" b="0" dirty="0" err="1">
+                <a:solidFill>
+                  <a:srgbClr val="D4D4D4"/>
+                </a:solidFill>
+                <a:effectLst/>
+                <a:latin typeface="Fira Code" panose="020B0809050000020004" pitchFamily="49" charset="0"/>
+              </a:rPr>
+              <a:t>this</a:t>
+            </a:r>
+            <a:r>
+              <a:rPr lang="de-DE" b="0" dirty="0">
+                <a:solidFill>
+                  <a:srgbClr val="D4D4D4"/>
+                </a:solidFill>
+                <a:effectLst/>
+                <a:latin typeface="Fira Code" panose="020B0809050000020004" pitchFamily="49" charset="0"/>
+              </a:rPr>
+              <a:t> possible? </a:t>
+            </a:r>
+            <a:r>
+              <a:rPr lang="de-DE" b="0" dirty="0" err="1">
+                <a:solidFill>
+                  <a:srgbClr val="D4D4D4"/>
+                </a:solidFill>
+                <a:effectLst/>
+                <a:latin typeface="Fira Code" panose="020B0809050000020004" pitchFamily="49" charset="0"/>
+              </a:rPr>
+              <a:t>What</a:t>
+            </a:r>
+            <a:r>
+              <a:rPr lang="de-DE" b="0" dirty="0">
+                <a:solidFill>
+                  <a:srgbClr val="D4D4D4"/>
+                </a:solidFill>
+                <a:effectLst/>
+                <a:latin typeface="Fira Code" panose="020B0809050000020004" pitchFamily="49" charset="0"/>
+              </a:rPr>
+              <a:t> </a:t>
+            </a:r>
+            <a:r>
+              <a:rPr lang="de-DE" b="0" dirty="0" err="1">
+                <a:solidFill>
+                  <a:srgbClr val="D4D4D4"/>
+                </a:solidFill>
+                <a:effectLst/>
+                <a:latin typeface="Fira Code" panose="020B0809050000020004" pitchFamily="49" charset="0"/>
+              </a:rPr>
+              <a:t>does</a:t>
+            </a:r>
+            <a:r>
+              <a:rPr lang="de-DE" b="0" dirty="0">
+                <a:solidFill>
+                  <a:srgbClr val="D4D4D4"/>
+                </a:solidFill>
+                <a:effectLst/>
+                <a:latin typeface="Fira Code" panose="020B0809050000020004" pitchFamily="49" charset="0"/>
+              </a:rPr>
+              <a:t> </a:t>
+            </a:r>
+            <a:r>
+              <a:rPr lang="de-DE" b="0" dirty="0" err="1">
+                <a:solidFill>
+                  <a:srgbClr val="D4D4D4"/>
+                </a:solidFill>
+                <a:effectLst/>
+                <a:latin typeface="Fira Code" panose="020B0809050000020004" pitchFamily="49" charset="0"/>
+              </a:rPr>
+              <a:t>the</a:t>
+            </a:r>
+            <a:r>
+              <a:rPr lang="de-DE" b="0" dirty="0">
+                <a:solidFill>
+                  <a:srgbClr val="D4D4D4"/>
+                </a:solidFill>
+                <a:effectLst/>
+                <a:latin typeface="Fira Code" panose="020B0809050000020004" pitchFamily="49" charset="0"/>
+              </a:rPr>
+              <a:t> </a:t>
+            </a:r>
+            <a:r>
+              <a:rPr lang="de-DE" b="0" dirty="0" err="1">
+                <a:solidFill>
+                  <a:srgbClr val="D4D4D4"/>
+                </a:solidFill>
+                <a:effectLst/>
+                <a:latin typeface="Fira Code" panose="020B0809050000020004" pitchFamily="49" charset="0"/>
+              </a:rPr>
+              <a:t>interpreter</a:t>
+            </a:r>
+            <a:r>
+              <a:rPr lang="de-DE" b="0" dirty="0">
+                <a:solidFill>
+                  <a:srgbClr val="D4D4D4"/>
+                </a:solidFill>
+                <a:effectLst/>
+                <a:latin typeface="Fira Code" panose="020B0809050000020004" pitchFamily="49" charset="0"/>
+              </a:rPr>
+              <a:t> </a:t>
+            </a:r>
+            <a:r>
+              <a:rPr lang="de-DE" b="0" dirty="0" err="1">
+                <a:solidFill>
+                  <a:srgbClr val="D4D4D4"/>
+                </a:solidFill>
+                <a:effectLst/>
+                <a:latin typeface="Fira Code" panose="020B0809050000020004" pitchFamily="49" charset="0"/>
+              </a:rPr>
+              <a:t>output</a:t>
+            </a:r>
+            <a:r>
+              <a:rPr lang="de-DE" b="0" dirty="0">
+                <a:solidFill>
+                  <a:srgbClr val="D4D4D4"/>
+                </a:solidFill>
+                <a:effectLst/>
+                <a:latin typeface="Fira Code" panose="020B0809050000020004" pitchFamily="49" charset="0"/>
+              </a:rPr>
+              <a:t>? </a:t>
+            </a:r>
+          </a:p>
+          <a:p>
+            <a:pPr>
+              <a:buFont typeface="+mj-lt"/>
+              <a:buAutoNum type="arabicPeriod"/>
+            </a:pPr>
+            <a:r>
+              <a:rPr lang="de-DE" b="0" dirty="0" err="1">
+                <a:solidFill>
+                  <a:srgbClr val="D4D4D4"/>
+                </a:solidFill>
+                <a:effectLst/>
+                <a:latin typeface="Fira Code" panose="020B0809050000020004" pitchFamily="49" charset="0"/>
+              </a:rPr>
+              <a:t>Now</a:t>
+            </a:r>
+            <a:r>
+              <a:rPr lang="de-DE" b="0" dirty="0">
+                <a:solidFill>
+                  <a:srgbClr val="D4D4D4"/>
+                </a:solidFill>
+                <a:effectLst/>
+                <a:latin typeface="Fira Code" panose="020B0809050000020004" pitchFamily="49" charset="0"/>
+              </a:rPr>
+              <a:t> </a:t>
+            </a:r>
+            <a:r>
+              <a:rPr lang="de-DE" b="0" dirty="0" err="1">
+                <a:solidFill>
+                  <a:srgbClr val="D4D4D4"/>
+                </a:solidFill>
+                <a:effectLst/>
+                <a:latin typeface="Fira Code" panose="020B0809050000020004" pitchFamily="49" charset="0"/>
+              </a:rPr>
+              <a:t>create</a:t>
+            </a:r>
+            <a:r>
+              <a:rPr lang="de-DE" b="0" dirty="0">
+                <a:solidFill>
+                  <a:srgbClr val="D4D4D4"/>
+                </a:solidFill>
+                <a:effectLst/>
+                <a:latin typeface="Fira Code" panose="020B0809050000020004" pitchFamily="49" charset="0"/>
+              </a:rPr>
+              <a:t> a </a:t>
+            </a:r>
+            <a:r>
+              <a:rPr lang="de-DE" b="0" dirty="0" err="1">
+                <a:solidFill>
+                  <a:srgbClr val="D4D4D4"/>
+                </a:solidFill>
+                <a:effectLst/>
+                <a:latin typeface="Fira Code" panose="020B0809050000020004" pitchFamily="49" charset="0"/>
+              </a:rPr>
+              <a:t>tuple</a:t>
+            </a:r>
+            <a:r>
+              <a:rPr lang="de-DE" b="0" dirty="0">
+                <a:solidFill>
+                  <a:srgbClr val="D4D4D4"/>
+                </a:solidFill>
+                <a:effectLst/>
+                <a:latin typeface="Fira Code" panose="020B0809050000020004" pitchFamily="49" charset="0"/>
+              </a:rPr>
+              <a:t> </a:t>
+            </a:r>
+            <a:r>
+              <a:rPr lang="de-DE" b="0" dirty="0" err="1">
+                <a:solidFill>
+                  <a:srgbClr val="D4D4D4"/>
+                </a:solidFill>
+                <a:effectLst/>
+                <a:latin typeface="Fira Code" panose="020B0809050000020004" pitchFamily="49" charset="0"/>
+              </a:rPr>
+              <a:t>without</a:t>
+            </a:r>
+            <a:r>
+              <a:rPr lang="de-DE" b="0" dirty="0">
+                <a:solidFill>
+                  <a:srgbClr val="D4D4D4"/>
+                </a:solidFill>
+                <a:effectLst/>
+                <a:latin typeface="Fira Code" panose="020B0809050000020004" pitchFamily="49" charset="0"/>
+              </a:rPr>
+              <a:t> </a:t>
+            </a:r>
+            <a:r>
+              <a:rPr lang="de-DE" b="0" dirty="0" err="1">
+                <a:solidFill>
+                  <a:srgbClr val="D4D4D4"/>
+                </a:solidFill>
+                <a:effectLst/>
+                <a:latin typeface="Fira Code" panose="020B0809050000020004" pitchFamily="49" charset="0"/>
+              </a:rPr>
+              <a:t>initializing</a:t>
+            </a:r>
+            <a:r>
+              <a:rPr lang="de-DE" b="0" dirty="0">
+                <a:solidFill>
+                  <a:srgbClr val="D4D4D4"/>
+                </a:solidFill>
+                <a:effectLst/>
+                <a:latin typeface="Fira Code" panose="020B0809050000020004" pitchFamily="49" charset="0"/>
+              </a:rPr>
+              <a:t> </a:t>
+            </a:r>
+            <a:r>
+              <a:rPr lang="de-DE" b="0" dirty="0" err="1">
+                <a:solidFill>
+                  <a:srgbClr val="D4D4D4"/>
+                </a:solidFill>
+                <a:effectLst/>
+                <a:latin typeface="Fira Code" panose="020B0809050000020004" pitchFamily="49" charset="0"/>
+              </a:rPr>
+              <a:t>it</a:t>
+            </a:r>
+            <a:r>
+              <a:rPr lang="de-DE" b="0" dirty="0">
+                <a:solidFill>
+                  <a:srgbClr val="D4D4D4"/>
+                </a:solidFill>
+                <a:effectLst/>
+                <a:latin typeface="Fira Code" panose="020B0809050000020004" pitchFamily="49" charset="0"/>
+              </a:rPr>
+              <a:t> </a:t>
+            </a:r>
+            <a:r>
+              <a:rPr lang="de-DE" b="0" dirty="0" err="1">
+                <a:solidFill>
+                  <a:srgbClr val="D4D4D4"/>
+                </a:solidFill>
+                <a:effectLst/>
+                <a:latin typeface="Fira Code" panose="020B0809050000020004" pitchFamily="49" charset="0"/>
+              </a:rPr>
+              <a:t>with</a:t>
+            </a:r>
+            <a:r>
+              <a:rPr lang="de-DE" b="0" dirty="0">
+                <a:solidFill>
+                  <a:srgbClr val="D4D4D4"/>
+                </a:solidFill>
+                <a:effectLst/>
+                <a:latin typeface="Fira Code" panose="020B0809050000020004" pitchFamily="49" charset="0"/>
+              </a:rPr>
+              <a:t> </a:t>
+            </a:r>
+            <a:r>
+              <a:rPr lang="de-DE" b="0" dirty="0" err="1">
+                <a:solidFill>
+                  <a:srgbClr val="D4D4D4"/>
+                </a:solidFill>
+                <a:effectLst/>
+                <a:latin typeface="Fira Code" panose="020B0809050000020004" pitchFamily="49" charset="0"/>
+              </a:rPr>
+              <a:t>values</a:t>
+            </a:r>
+            <a:r>
+              <a:rPr lang="de-DE" b="0" dirty="0">
+                <a:solidFill>
+                  <a:srgbClr val="D4D4D4"/>
+                </a:solidFill>
+                <a:effectLst/>
+                <a:latin typeface="Fira Code" panose="020B0809050000020004" pitchFamily="49" charset="0"/>
+              </a:rPr>
+              <a:t>, </a:t>
+            </a:r>
+            <a:r>
+              <a:rPr lang="de-DE" b="0" dirty="0" err="1">
+                <a:solidFill>
+                  <a:srgbClr val="D4D4D4"/>
+                </a:solidFill>
+                <a:effectLst/>
+                <a:latin typeface="Fira Code" panose="020B0809050000020004" pitchFamily="49" charset="0"/>
+              </a:rPr>
+              <a:t>how</a:t>
+            </a:r>
+            <a:r>
+              <a:rPr lang="de-DE" b="0" dirty="0">
+                <a:solidFill>
+                  <a:srgbClr val="D4D4D4"/>
+                </a:solidFill>
+                <a:effectLst/>
+                <a:latin typeface="Fira Code" panose="020B0809050000020004" pitchFamily="49" charset="0"/>
+              </a:rPr>
+              <a:t> </a:t>
+            </a:r>
+            <a:r>
+              <a:rPr lang="de-DE" b="0" dirty="0" err="1">
+                <a:solidFill>
+                  <a:srgbClr val="D4D4D4"/>
+                </a:solidFill>
+                <a:effectLst/>
+                <a:latin typeface="Fira Code" panose="020B0809050000020004" pitchFamily="49" charset="0"/>
+              </a:rPr>
+              <a:t>can</a:t>
+            </a:r>
+            <a:r>
+              <a:rPr lang="de-DE" b="0" dirty="0">
+                <a:solidFill>
+                  <a:srgbClr val="D4D4D4"/>
+                </a:solidFill>
+                <a:effectLst/>
+                <a:latin typeface="Fira Code" panose="020B0809050000020004" pitchFamily="49" charset="0"/>
+              </a:rPr>
+              <a:t> </a:t>
+            </a:r>
+            <a:r>
+              <a:rPr lang="de-DE" b="0" dirty="0" err="1">
+                <a:solidFill>
+                  <a:srgbClr val="D4D4D4"/>
+                </a:solidFill>
+                <a:effectLst/>
+                <a:latin typeface="Fira Code" panose="020B0809050000020004" pitchFamily="49" charset="0"/>
+              </a:rPr>
+              <a:t>this</a:t>
+            </a:r>
+            <a:r>
+              <a:rPr lang="de-DE" b="0" dirty="0">
+                <a:solidFill>
+                  <a:srgbClr val="D4D4D4"/>
+                </a:solidFill>
+                <a:effectLst/>
+                <a:latin typeface="Fira Code" panose="020B0809050000020004" pitchFamily="49" charset="0"/>
+              </a:rPr>
+              <a:t> </a:t>
+            </a:r>
+            <a:r>
+              <a:rPr lang="de-DE" b="0" dirty="0" err="1">
+                <a:solidFill>
+                  <a:srgbClr val="D4D4D4"/>
+                </a:solidFill>
+                <a:effectLst/>
+                <a:latin typeface="Fira Code" panose="020B0809050000020004" pitchFamily="49" charset="0"/>
+              </a:rPr>
+              <a:t>be</a:t>
+            </a:r>
+            <a:r>
+              <a:rPr lang="de-DE" b="0" dirty="0">
+                <a:solidFill>
+                  <a:srgbClr val="D4D4D4"/>
+                </a:solidFill>
+                <a:effectLst/>
+                <a:latin typeface="Fira Code" panose="020B0809050000020004" pitchFamily="49" charset="0"/>
+              </a:rPr>
+              <a:t> </a:t>
+            </a:r>
+            <a:r>
+              <a:rPr lang="de-DE" b="0" dirty="0" err="1">
+                <a:solidFill>
+                  <a:srgbClr val="D4D4D4"/>
+                </a:solidFill>
+                <a:effectLst/>
+                <a:latin typeface="Fira Code" panose="020B0809050000020004" pitchFamily="49" charset="0"/>
+              </a:rPr>
+              <a:t>done</a:t>
             </a:r>
             <a:r>
               <a:rPr lang="de-DE" b="0" dirty="0">
@@ -5859,8 +7650,6 @@
               </a:rPr>
               <a:t>?</a:t>
             </a:r>
-          </a:p>
-          <a:p>
             <a:endParaRPr lang="de-DE" dirty="0"/>
           </a:p>
         </p:txBody>
@@ -5948,30 +7737,956 @@
           <a:bodyPr/>
           <a:lstStyle/>
           <a:p>
-            <a:r>
-              <a:rPr lang="de-DE" b="0" dirty="0">
-                <a:solidFill>
-                  <a:srgbClr val="D4D4D4"/>
-                </a:solidFill>
-                <a:effectLst/>
-                <a:latin typeface="Fira Code" panose="020B0809050000020004" pitchFamily="49" charset="0"/>
-              </a:rPr>
-              <a:t>Versuche aus einer von dir neu angelegten oder bereits vorhanden Liste ein Set zu extrahieren. Worin besteht der Unterschied zu einer List?</a:t>
-            </a:r>
-          </a:p>
-          <a:p>
-            <a:r>
-              <a:rPr lang="de-DE" b="0" dirty="0">
-                <a:solidFill>
-                  <a:srgbClr val="D4D4D4"/>
-                </a:solidFill>
-                <a:effectLst/>
-                <a:latin typeface="Fira Code" panose="020B0809050000020004" pitchFamily="49" charset="0"/>
-              </a:rPr>
-              <a:t>Gebe dir die Anzahl an Einträgen des Sets aus, füge dann ein Element hinzu, welches schon vorhanden ist (recherchiere, wie das geht) und gib erneut die Länge aus, was passiert?	Füge nun ein neues Element hinzu, was beobachtest du jetzt?</a:t>
-            </a:r>
-          </a:p>
-          <a:p>
+            <a:pPr>
+              <a:buFont typeface="+mj-lt"/>
+              <a:buAutoNum type="arabicPeriod"/>
+            </a:pPr>
+            <a:r>
+              <a:rPr lang="de-DE" b="0" dirty="0">
+                <a:solidFill>
+                  <a:srgbClr val="D4D4D4"/>
+                </a:solidFill>
+                <a:effectLst/>
+                <a:latin typeface="Fira Code" panose="020B0809050000020004" pitchFamily="49" charset="0"/>
+              </a:rPr>
+              <a:t>Try </a:t>
+            </a:r>
+            <a:r>
+              <a:rPr lang="de-DE" b="0" dirty="0" err="1">
+                <a:solidFill>
+                  <a:srgbClr val="D4D4D4"/>
+                </a:solidFill>
+                <a:effectLst/>
+                <a:latin typeface="Fira Code" panose="020B0809050000020004" pitchFamily="49" charset="0"/>
+              </a:rPr>
+              <a:t>to</a:t>
+            </a:r>
+            <a:r>
+              <a:rPr lang="de-DE" b="0" dirty="0">
+                <a:solidFill>
+                  <a:srgbClr val="D4D4D4"/>
+                </a:solidFill>
+                <a:effectLst/>
+                <a:latin typeface="Fira Code" panose="020B0809050000020004" pitchFamily="49" charset="0"/>
+              </a:rPr>
+              <a:t> </a:t>
+            </a:r>
+            <a:r>
+              <a:rPr lang="de-DE" b="0" dirty="0" err="1">
+                <a:solidFill>
+                  <a:srgbClr val="D4D4D4"/>
+                </a:solidFill>
+                <a:effectLst/>
+                <a:latin typeface="Fira Code" panose="020B0809050000020004" pitchFamily="49" charset="0"/>
+              </a:rPr>
+              <a:t>create</a:t>
+            </a:r>
+            <a:r>
+              <a:rPr lang="de-DE" b="0" dirty="0">
+                <a:solidFill>
+                  <a:srgbClr val="D4D4D4"/>
+                </a:solidFill>
+                <a:effectLst/>
+                <a:latin typeface="Fira Code" panose="020B0809050000020004" pitchFamily="49" charset="0"/>
+              </a:rPr>
+              <a:t> a </a:t>
+            </a:r>
+            <a:r>
+              <a:rPr lang="de-DE" b="0" dirty="0" err="1">
+                <a:solidFill>
+                  <a:srgbClr val="D4D4D4"/>
+                </a:solidFill>
+                <a:effectLst/>
+                <a:latin typeface="Fira Code" panose="020B0809050000020004" pitchFamily="49" charset="0"/>
+              </a:rPr>
+              <a:t>set</a:t>
+            </a:r>
+            <a:r>
+              <a:rPr lang="de-DE" b="0" dirty="0">
+                <a:solidFill>
+                  <a:srgbClr val="D4D4D4"/>
+                </a:solidFill>
+                <a:effectLst/>
+                <a:latin typeface="Fira Code" panose="020B0809050000020004" pitchFamily="49" charset="0"/>
+              </a:rPr>
+              <a:t> </a:t>
+            </a:r>
+            <a:r>
+              <a:rPr lang="de-DE" b="0" dirty="0" err="1">
+                <a:solidFill>
+                  <a:srgbClr val="D4D4D4"/>
+                </a:solidFill>
+                <a:effectLst/>
+                <a:latin typeface="Fira Code" panose="020B0809050000020004" pitchFamily="49" charset="0"/>
+              </a:rPr>
+              <a:t>from</a:t>
+            </a:r>
+            <a:r>
+              <a:rPr lang="de-DE" b="0" dirty="0">
+                <a:solidFill>
+                  <a:srgbClr val="D4D4D4"/>
+                </a:solidFill>
+                <a:effectLst/>
+                <a:latin typeface="Fira Code" panose="020B0809050000020004" pitchFamily="49" charset="0"/>
+              </a:rPr>
+              <a:t> a </a:t>
+            </a:r>
+            <a:r>
+              <a:rPr lang="de-DE" b="0" dirty="0" err="1">
+                <a:solidFill>
+                  <a:srgbClr val="D4D4D4"/>
+                </a:solidFill>
+                <a:effectLst/>
+                <a:latin typeface="Fira Code" panose="020B0809050000020004" pitchFamily="49" charset="0"/>
+              </a:rPr>
+              <a:t>new</a:t>
+            </a:r>
+            <a:r>
+              <a:rPr lang="de-DE" b="0" dirty="0">
+                <a:solidFill>
+                  <a:srgbClr val="D4D4D4"/>
+                </a:solidFill>
+                <a:effectLst/>
+                <a:latin typeface="Fira Code" panose="020B0809050000020004" pitchFamily="49" charset="0"/>
+              </a:rPr>
+              <a:t> </a:t>
+            </a:r>
+            <a:r>
+              <a:rPr lang="de-DE" b="0" dirty="0" err="1">
+                <a:solidFill>
+                  <a:srgbClr val="D4D4D4"/>
+                </a:solidFill>
+                <a:effectLst/>
+                <a:latin typeface="Fira Code" panose="020B0809050000020004" pitchFamily="49" charset="0"/>
+              </a:rPr>
+              <a:t>or</a:t>
+            </a:r>
+            <a:r>
+              <a:rPr lang="de-DE" b="0" dirty="0">
+                <a:solidFill>
+                  <a:srgbClr val="D4D4D4"/>
+                </a:solidFill>
+                <a:effectLst/>
+                <a:latin typeface="Fira Code" panose="020B0809050000020004" pitchFamily="49" charset="0"/>
+              </a:rPr>
+              <a:t> </a:t>
+            </a:r>
+            <a:r>
+              <a:rPr lang="de-DE" b="0" dirty="0" err="1">
+                <a:solidFill>
+                  <a:srgbClr val="D4D4D4"/>
+                </a:solidFill>
+                <a:effectLst/>
+                <a:latin typeface="Fira Code" panose="020B0809050000020004" pitchFamily="49" charset="0"/>
+              </a:rPr>
+              <a:t>existing</a:t>
+            </a:r>
+            <a:r>
+              <a:rPr lang="de-DE" b="0" dirty="0">
+                <a:solidFill>
+                  <a:srgbClr val="D4D4D4"/>
+                </a:solidFill>
+                <a:effectLst/>
+                <a:latin typeface="Fira Code" panose="020B0809050000020004" pitchFamily="49" charset="0"/>
+              </a:rPr>
+              <a:t> </a:t>
+            </a:r>
+            <a:r>
+              <a:rPr lang="de-DE" b="0" dirty="0" err="1">
+                <a:solidFill>
+                  <a:srgbClr val="D4D4D4"/>
+                </a:solidFill>
+                <a:effectLst/>
+                <a:latin typeface="Fira Code" panose="020B0809050000020004" pitchFamily="49" charset="0"/>
+              </a:rPr>
+              <a:t>list</a:t>
+            </a:r>
+            <a:r>
+              <a:rPr lang="de-DE" b="0" dirty="0">
+                <a:solidFill>
+                  <a:srgbClr val="D4D4D4"/>
+                </a:solidFill>
+                <a:effectLst/>
+                <a:latin typeface="Fira Code" panose="020B0809050000020004" pitchFamily="49" charset="0"/>
+              </a:rPr>
+              <a:t>. </a:t>
+            </a:r>
+            <a:r>
+              <a:rPr lang="de-DE" b="0" dirty="0" err="1">
+                <a:solidFill>
+                  <a:srgbClr val="D4D4D4"/>
+                </a:solidFill>
+                <a:effectLst/>
+                <a:latin typeface="Fira Code" panose="020B0809050000020004" pitchFamily="49" charset="0"/>
+              </a:rPr>
+              <a:t>What</a:t>
+            </a:r>
+            <a:r>
+              <a:rPr lang="de-DE" b="0" dirty="0">
+                <a:solidFill>
+                  <a:srgbClr val="D4D4D4"/>
+                </a:solidFill>
+                <a:effectLst/>
+                <a:latin typeface="Fira Code" panose="020B0809050000020004" pitchFamily="49" charset="0"/>
+              </a:rPr>
+              <a:t> </a:t>
+            </a:r>
+            <a:r>
+              <a:rPr lang="de-DE" b="0" dirty="0" err="1">
+                <a:solidFill>
+                  <a:srgbClr val="D4D4D4"/>
+                </a:solidFill>
+                <a:effectLst/>
+                <a:latin typeface="Fira Code" panose="020B0809050000020004" pitchFamily="49" charset="0"/>
+              </a:rPr>
+              <a:t>is</a:t>
+            </a:r>
+            <a:r>
+              <a:rPr lang="de-DE" b="0" dirty="0">
+                <a:solidFill>
+                  <a:srgbClr val="D4D4D4"/>
+                </a:solidFill>
+                <a:effectLst/>
+                <a:latin typeface="Fira Code" panose="020B0809050000020004" pitchFamily="49" charset="0"/>
+              </a:rPr>
+              <a:t> </a:t>
+            </a:r>
+            <a:r>
+              <a:rPr lang="de-DE" b="0" dirty="0" err="1">
+                <a:solidFill>
+                  <a:srgbClr val="D4D4D4"/>
+                </a:solidFill>
+                <a:effectLst/>
+                <a:latin typeface="Fira Code" panose="020B0809050000020004" pitchFamily="49" charset="0"/>
+              </a:rPr>
+              <a:t>the</a:t>
+            </a:r>
+            <a:r>
+              <a:rPr lang="de-DE" b="0" dirty="0">
+                <a:solidFill>
+                  <a:srgbClr val="D4D4D4"/>
+                </a:solidFill>
+                <a:effectLst/>
+                <a:latin typeface="Fira Code" panose="020B0809050000020004" pitchFamily="49" charset="0"/>
+              </a:rPr>
+              <a:t> </a:t>
+            </a:r>
+            <a:r>
+              <a:rPr lang="de-DE" b="0" dirty="0" err="1">
+                <a:solidFill>
+                  <a:srgbClr val="D4D4D4"/>
+                </a:solidFill>
+                <a:effectLst/>
+                <a:latin typeface="Fira Code" panose="020B0809050000020004" pitchFamily="49" charset="0"/>
+              </a:rPr>
+              <a:t>difference</a:t>
+            </a:r>
+            <a:r>
+              <a:rPr lang="de-DE" b="0" dirty="0">
+                <a:solidFill>
+                  <a:srgbClr val="D4D4D4"/>
+                </a:solidFill>
+                <a:effectLst/>
+                <a:latin typeface="Fira Code" panose="020B0809050000020004" pitchFamily="49" charset="0"/>
+              </a:rPr>
+              <a:t> </a:t>
+            </a:r>
+            <a:r>
+              <a:rPr lang="de-DE" b="0" dirty="0" err="1">
+                <a:solidFill>
+                  <a:srgbClr val="D4D4D4"/>
+                </a:solidFill>
+                <a:effectLst/>
+                <a:latin typeface="Fira Code" panose="020B0809050000020004" pitchFamily="49" charset="0"/>
+              </a:rPr>
+              <a:t>between</a:t>
+            </a:r>
+            <a:r>
+              <a:rPr lang="de-DE" b="0" dirty="0">
+                <a:solidFill>
+                  <a:srgbClr val="D4D4D4"/>
+                </a:solidFill>
+                <a:effectLst/>
+                <a:latin typeface="Fira Code" panose="020B0809050000020004" pitchFamily="49" charset="0"/>
+              </a:rPr>
+              <a:t> </a:t>
+            </a:r>
+            <a:r>
+              <a:rPr lang="de-DE" b="0" dirty="0" err="1">
+                <a:solidFill>
+                  <a:srgbClr val="D4D4D4"/>
+                </a:solidFill>
+                <a:effectLst/>
+                <a:latin typeface="Fira Code" panose="020B0809050000020004" pitchFamily="49" charset="0"/>
+              </a:rPr>
+              <a:t>lists</a:t>
+            </a:r>
+            <a:r>
+              <a:rPr lang="de-DE" b="0" dirty="0">
+                <a:solidFill>
+                  <a:srgbClr val="D4D4D4"/>
+                </a:solidFill>
+                <a:effectLst/>
+                <a:latin typeface="Fira Code" panose="020B0809050000020004" pitchFamily="49" charset="0"/>
+              </a:rPr>
+              <a:t> and </a:t>
+            </a:r>
+            <a:r>
+              <a:rPr lang="de-DE" b="0" dirty="0" err="1">
+                <a:solidFill>
+                  <a:srgbClr val="D4D4D4"/>
+                </a:solidFill>
+                <a:effectLst/>
+                <a:latin typeface="Fira Code" panose="020B0809050000020004" pitchFamily="49" charset="0"/>
+              </a:rPr>
+              <a:t>sets</a:t>
+            </a:r>
+            <a:r>
+              <a:rPr lang="de-DE" b="0" dirty="0">
+                <a:solidFill>
+                  <a:srgbClr val="D4D4D4"/>
+                </a:solidFill>
+                <a:effectLst/>
+                <a:latin typeface="Fira Code" panose="020B0809050000020004" pitchFamily="49" charset="0"/>
+              </a:rPr>
+              <a:t>?</a:t>
+            </a:r>
+          </a:p>
+          <a:p>
+            <a:pPr>
+              <a:buFont typeface="+mj-lt"/>
+              <a:buAutoNum type="arabicPeriod"/>
+            </a:pPr>
+            <a:r>
+              <a:rPr lang="de-DE" b="0" dirty="0">
+                <a:solidFill>
+                  <a:srgbClr val="D4D4D4"/>
+                </a:solidFill>
+                <a:effectLst/>
+                <a:latin typeface="Fira Code" panose="020B0809050000020004" pitchFamily="49" charset="0"/>
+              </a:rPr>
+              <a:t>Output </a:t>
+            </a:r>
+            <a:r>
+              <a:rPr lang="de-DE" b="0" dirty="0" err="1">
+                <a:solidFill>
+                  <a:srgbClr val="D4D4D4"/>
+                </a:solidFill>
+                <a:effectLst/>
+                <a:latin typeface="Fira Code" panose="020B0809050000020004" pitchFamily="49" charset="0"/>
+              </a:rPr>
+              <a:t>the</a:t>
+            </a:r>
+            <a:r>
+              <a:rPr lang="de-DE" b="0" dirty="0">
+                <a:solidFill>
+                  <a:srgbClr val="D4D4D4"/>
+                </a:solidFill>
+                <a:effectLst/>
+                <a:latin typeface="Fira Code" panose="020B0809050000020004" pitchFamily="49" charset="0"/>
+              </a:rPr>
+              <a:t> </a:t>
+            </a:r>
+            <a:r>
+              <a:rPr lang="de-DE" b="0" dirty="0" err="1">
+                <a:solidFill>
+                  <a:srgbClr val="D4D4D4"/>
+                </a:solidFill>
+                <a:effectLst/>
+                <a:latin typeface="Fira Code" panose="020B0809050000020004" pitchFamily="49" charset="0"/>
+              </a:rPr>
+              <a:t>number</a:t>
+            </a:r>
+            <a:r>
+              <a:rPr lang="de-DE" b="0" dirty="0">
+                <a:solidFill>
+                  <a:srgbClr val="D4D4D4"/>
+                </a:solidFill>
+                <a:effectLst/>
+                <a:latin typeface="Fira Code" panose="020B0809050000020004" pitchFamily="49" charset="0"/>
+              </a:rPr>
+              <a:t> </a:t>
+            </a:r>
+            <a:r>
+              <a:rPr lang="de-DE" b="0" dirty="0" err="1">
+                <a:solidFill>
+                  <a:srgbClr val="D4D4D4"/>
+                </a:solidFill>
+                <a:effectLst/>
+                <a:latin typeface="Fira Code" panose="020B0809050000020004" pitchFamily="49" charset="0"/>
+              </a:rPr>
+              <a:t>of</a:t>
+            </a:r>
+            <a:r>
+              <a:rPr lang="de-DE" b="0" dirty="0">
+                <a:solidFill>
+                  <a:srgbClr val="D4D4D4"/>
+                </a:solidFill>
+                <a:effectLst/>
+                <a:latin typeface="Fira Code" panose="020B0809050000020004" pitchFamily="49" charset="0"/>
+              </a:rPr>
+              <a:t> </a:t>
+            </a:r>
+            <a:r>
+              <a:rPr lang="de-DE" b="0" dirty="0" err="1">
+                <a:solidFill>
+                  <a:srgbClr val="D4D4D4"/>
+                </a:solidFill>
+                <a:effectLst/>
+                <a:latin typeface="Fira Code" panose="020B0809050000020004" pitchFamily="49" charset="0"/>
+              </a:rPr>
+              <a:t>entries</a:t>
+            </a:r>
+            <a:r>
+              <a:rPr lang="de-DE" b="0" dirty="0">
+                <a:solidFill>
+                  <a:srgbClr val="D4D4D4"/>
+                </a:solidFill>
+                <a:effectLst/>
+                <a:latin typeface="Fira Code" panose="020B0809050000020004" pitchFamily="49" charset="0"/>
+              </a:rPr>
+              <a:t> </a:t>
+            </a:r>
+            <a:r>
+              <a:rPr lang="de-DE" b="0" dirty="0" err="1">
+                <a:solidFill>
+                  <a:srgbClr val="D4D4D4"/>
+                </a:solidFill>
+                <a:effectLst/>
+                <a:latin typeface="Fira Code" panose="020B0809050000020004" pitchFamily="49" charset="0"/>
+              </a:rPr>
+              <a:t>of</a:t>
+            </a:r>
+            <a:r>
+              <a:rPr lang="de-DE" b="0" dirty="0">
+                <a:solidFill>
+                  <a:srgbClr val="D4D4D4"/>
+                </a:solidFill>
+                <a:effectLst/>
+                <a:latin typeface="Fira Code" panose="020B0809050000020004" pitchFamily="49" charset="0"/>
+              </a:rPr>
+              <a:t> </a:t>
+            </a:r>
+            <a:r>
+              <a:rPr lang="de-DE" b="0" dirty="0" err="1">
+                <a:solidFill>
+                  <a:srgbClr val="D4D4D4"/>
+                </a:solidFill>
+                <a:effectLst/>
+                <a:latin typeface="Fira Code" panose="020B0809050000020004" pitchFamily="49" charset="0"/>
+              </a:rPr>
+              <a:t>the</a:t>
+            </a:r>
+            <a:r>
+              <a:rPr lang="de-DE" b="0" dirty="0">
+                <a:solidFill>
+                  <a:srgbClr val="D4D4D4"/>
+                </a:solidFill>
+                <a:effectLst/>
+                <a:latin typeface="Fira Code" panose="020B0809050000020004" pitchFamily="49" charset="0"/>
+              </a:rPr>
+              <a:t> </a:t>
+            </a:r>
+            <a:r>
+              <a:rPr lang="de-DE" b="0" dirty="0" err="1">
+                <a:solidFill>
+                  <a:srgbClr val="D4D4D4"/>
+                </a:solidFill>
+                <a:effectLst/>
+                <a:latin typeface="Fira Code" panose="020B0809050000020004" pitchFamily="49" charset="0"/>
+              </a:rPr>
+              <a:t>set</a:t>
+            </a:r>
+            <a:r>
+              <a:rPr lang="de-DE" b="0" dirty="0">
+                <a:solidFill>
+                  <a:srgbClr val="D4D4D4"/>
+                </a:solidFill>
+                <a:effectLst/>
+                <a:latin typeface="Fira Code" panose="020B0809050000020004" pitchFamily="49" charset="0"/>
+              </a:rPr>
+              <a:t>, </a:t>
+            </a:r>
+            <a:r>
+              <a:rPr lang="de-DE" b="0" dirty="0" err="1">
+                <a:solidFill>
+                  <a:srgbClr val="D4D4D4"/>
+                </a:solidFill>
+                <a:effectLst/>
+                <a:latin typeface="Fira Code" panose="020B0809050000020004" pitchFamily="49" charset="0"/>
+              </a:rPr>
+              <a:t>then</a:t>
+            </a:r>
+            <a:r>
+              <a:rPr lang="de-DE" b="0" dirty="0">
+                <a:solidFill>
+                  <a:srgbClr val="D4D4D4"/>
+                </a:solidFill>
+                <a:effectLst/>
+                <a:latin typeface="Fira Code" panose="020B0809050000020004" pitchFamily="49" charset="0"/>
+              </a:rPr>
+              <a:t> </a:t>
+            </a:r>
+            <a:r>
+              <a:rPr lang="de-DE" b="0" dirty="0" err="1">
+                <a:solidFill>
+                  <a:srgbClr val="D4D4D4"/>
+                </a:solidFill>
+                <a:effectLst/>
+                <a:latin typeface="Fira Code" panose="020B0809050000020004" pitchFamily="49" charset="0"/>
+              </a:rPr>
+              <a:t>add</a:t>
+            </a:r>
+            <a:r>
+              <a:rPr lang="de-DE" b="0" dirty="0">
+                <a:solidFill>
+                  <a:srgbClr val="D4D4D4"/>
+                </a:solidFill>
+                <a:effectLst/>
+                <a:latin typeface="Fira Code" panose="020B0809050000020004" pitchFamily="49" charset="0"/>
+              </a:rPr>
+              <a:t> an </a:t>
+            </a:r>
+            <a:r>
+              <a:rPr lang="de-DE" b="0" dirty="0" err="1">
+                <a:solidFill>
+                  <a:srgbClr val="D4D4D4"/>
+                </a:solidFill>
+                <a:effectLst/>
+                <a:latin typeface="Fira Code" panose="020B0809050000020004" pitchFamily="49" charset="0"/>
+              </a:rPr>
+              <a:t>element</a:t>
+            </a:r>
+            <a:r>
+              <a:rPr lang="de-DE" b="0" dirty="0">
+                <a:solidFill>
+                  <a:srgbClr val="D4D4D4"/>
+                </a:solidFill>
+                <a:effectLst/>
+                <a:latin typeface="Fira Code" panose="020B0809050000020004" pitchFamily="49" charset="0"/>
+              </a:rPr>
+              <a:t> </a:t>
+            </a:r>
+            <a:r>
+              <a:rPr lang="de-DE" b="0" dirty="0" err="1">
+                <a:solidFill>
+                  <a:srgbClr val="D4D4D4"/>
+                </a:solidFill>
+                <a:effectLst/>
+                <a:latin typeface="Fira Code" panose="020B0809050000020004" pitchFamily="49" charset="0"/>
+              </a:rPr>
+              <a:t>that</a:t>
+            </a:r>
+            <a:r>
+              <a:rPr lang="de-DE" b="0" dirty="0">
+                <a:solidFill>
+                  <a:srgbClr val="D4D4D4"/>
+                </a:solidFill>
+                <a:effectLst/>
+                <a:latin typeface="Fira Code" panose="020B0809050000020004" pitchFamily="49" charset="0"/>
+              </a:rPr>
+              <a:t> </a:t>
+            </a:r>
+            <a:r>
+              <a:rPr lang="de-DE" b="0" dirty="0" err="1">
+                <a:solidFill>
+                  <a:srgbClr val="D4D4D4"/>
+                </a:solidFill>
+                <a:effectLst/>
+                <a:latin typeface="Fira Code" panose="020B0809050000020004" pitchFamily="49" charset="0"/>
+              </a:rPr>
+              <a:t>already</a:t>
+            </a:r>
+            <a:r>
+              <a:rPr lang="de-DE" b="0" dirty="0">
+                <a:solidFill>
+                  <a:srgbClr val="D4D4D4"/>
+                </a:solidFill>
+                <a:effectLst/>
+                <a:latin typeface="Fira Code" panose="020B0809050000020004" pitchFamily="49" charset="0"/>
+              </a:rPr>
+              <a:t> </a:t>
+            </a:r>
+            <a:r>
+              <a:rPr lang="de-DE" b="0" dirty="0" err="1">
+                <a:solidFill>
+                  <a:srgbClr val="D4D4D4"/>
+                </a:solidFill>
+                <a:effectLst/>
+                <a:latin typeface="Fira Code" panose="020B0809050000020004" pitchFamily="49" charset="0"/>
+              </a:rPr>
+              <a:t>exists</a:t>
+            </a:r>
+            <a:r>
+              <a:rPr lang="de-DE" b="0" dirty="0">
+                <a:solidFill>
+                  <a:srgbClr val="D4D4D4"/>
+                </a:solidFill>
+                <a:effectLst/>
+                <a:latin typeface="Fira Code" panose="020B0809050000020004" pitchFamily="49" charset="0"/>
+              </a:rPr>
+              <a:t> (</a:t>
+            </a:r>
+            <a:r>
+              <a:rPr lang="de-DE" b="0" dirty="0" err="1">
+                <a:solidFill>
+                  <a:srgbClr val="D4D4D4"/>
+                </a:solidFill>
+                <a:effectLst/>
+                <a:latin typeface="Fira Code" panose="020B0809050000020004" pitchFamily="49" charset="0"/>
+              </a:rPr>
+              <a:t>research</a:t>
+            </a:r>
+            <a:r>
+              <a:rPr lang="de-DE" b="0" dirty="0">
+                <a:solidFill>
+                  <a:srgbClr val="D4D4D4"/>
+                </a:solidFill>
+                <a:effectLst/>
+                <a:latin typeface="Fira Code" panose="020B0809050000020004" pitchFamily="49" charset="0"/>
+              </a:rPr>
+              <a:t> </a:t>
+            </a:r>
+            <a:r>
+              <a:rPr lang="de-DE" b="0" dirty="0" err="1">
+                <a:solidFill>
+                  <a:srgbClr val="D4D4D4"/>
+                </a:solidFill>
+                <a:effectLst/>
+                <a:latin typeface="Fira Code" panose="020B0809050000020004" pitchFamily="49" charset="0"/>
+              </a:rPr>
+              <a:t>how</a:t>
+            </a:r>
+            <a:r>
+              <a:rPr lang="de-DE" b="0" dirty="0">
+                <a:solidFill>
+                  <a:srgbClr val="D4D4D4"/>
+                </a:solidFill>
+                <a:effectLst/>
+                <a:latin typeface="Fira Code" panose="020B0809050000020004" pitchFamily="49" charset="0"/>
+              </a:rPr>
+              <a:t> </a:t>
+            </a:r>
+            <a:r>
+              <a:rPr lang="de-DE" b="0" dirty="0" err="1">
+                <a:solidFill>
+                  <a:srgbClr val="D4D4D4"/>
+                </a:solidFill>
+                <a:effectLst/>
+                <a:latin typeface="Fira Code" panose="020B0809050000020004" pitchFamily="49" charset="0"/>
+              </a:rPr>
+              <a:t>to</a:t>
+            </a:r>
+            <a:r>
+              <a:rPr lang="de-DE" b="0" dirty="0">
+                <a:solidFill>
+                  <a:srgbClr val="D4D4D4"/>
+                </a:solidFill>
+                <a:effectLst/>
+                <a:latin typeface="Fira Code" panose="020B0809050000020004" pitchFamily="49" charset="0"/>
+              </a:rPr>
+              <a:t> do </a:t>
+            </a:r>
+            <a:r>
+              <a:rPr lang="de-DE" b="0" dirty="0" err="1">
+                <a:solidFill>
+                  <a:srgbClr val="D4D4D4"/>
+                </a:solidFill>
+                <a:effectLst/>
+                <a:latin typeface="Fira Code" panose="020B0809050000020004" pitchFamily="49" charset="0"/>
+              </a:rPr>
+              <a:t>this</a:t>
+            </a:r>
+            <a:r>
+              <a:rPr lang="de-DE" b="0" dirty="0">
+                <a:solidFill>
+                  <a:srgbClr val="D4D4D4"/>
+                </a:solidFill>
+                <a:effectLst/>
+                <a:latin typeface="Fira Code" panose="020B0809050000020004" pitchFamily="49" charset="0"/>
+              </a:rPr>
+              <a:t>) and </a:t>
+            </a:r>
+            <a:r>
+              <a:rPr lang="de-DE" b="0" dirty="0" err="1">
+                <a:solidFill>
+                  <a:srgbClr val="D4D4D4"/>
+                </a:solidFill>
+                <a:effectLst/>
+                <a:latin typeface="Fira Code" panose="020B0809050000020004" pitchFamily="49" charset="0"/>
+              </a:rPr>
+              <a:t>give</a:t>
+            </a:r>
+            <a:r>
+              <a:rPr lang="de-DE" b="0" dirty="0">
+                <a:solidFill>
+                  <a:srgbClr val="D4D4D4"/>
+                </a:solidFill>
+                <a:effectLst/>
+                <a:latin typeface="Fira Code" panose="020B0809050000020004" pitchFamily="49" charset="0"/>
+              </a:rPr>
+              <a:t> </a:t>
+            </a:r>
+            <a:r>
+              <a:rPr lang="de-DE" b="0" dirty="0" err="1">
+                <a:solidFill>
+                  <a:srgbClr val="D4D4D4"/>
+                </a:solidFill>
+                <a:effectLst/>
+                <a:latin typeface="Fira Code" panose="020B0809050000020004" pitchFamily="49" charset="0"/>
+              </a:rPr>
+              <a:t>the</a:t>
+            </a:r>
+            <a:r>
+              <a:rPr lang="de-DE" b="0" dirty="0">
+                <a:solidFill>
+                  <a:srgbClr val="D4D4D4"/>
+                </a:solidFill>
+                <a:effectLst/>
+                <a:latin typeface="Fira Code" panose="020B0809050000020004" pitchFamily="49" charset="0"/>
+              </a:rPr>
+              <a:t> </a:t>
+            </a:r>
+            <a:r>
+              <a:rPr lang="de-DE" b="0" dirty="0" err="1">
+                <a:solidFill>
+                  <a:srgbClr val="D4D4D4"/>
+                </a:solidFill>
+                <a:effectLst/>
+                <a:latin typeface="Fira Code" panose="020B0809050000020004" pitchFamily="49" charset="0"/>
+              </a:rPr>
+              <a:t>length</a:t>
+            </a:r>
+            <a:r>
+              <a:rPr lang="de-DE" b="0" dirty="0">
+                <a:solidFill>
+                  <a:srgbClr val="D4D4D4"/>
+                </a:solidFill>
+                <a:effectLst/>
+                <a:latin typeface="Fira Code" panose="020B0809050000020004" pitchFamily="49" charset="0"/>
+              </a:rPr>
+              <a:t> </a:t>
+            </a:r>
+            <a:r>
+              <a:rPr lang="de-DE" b="0" dirty="0" err="1">
+                <a:solidFill>
+                  <a:srgbClr val="D4D4D4"/>
+                </a:solidFill>
+                <a:effectLst/>
+                <a:latin typeface="Fira Code" panose="020B0809050000020004" pitchFamily="49" charset="0"/>
+              </a:rPr>
+              <a:t>again</a:t>
+            </a:r>
+            <a:r>
+              <a:rPr lang="de-DE" b="0" dirty="0">
+                <a:solidFill>
+                  <a:srgbClr val="D4D4D4"/>
+                </a:solidFill>
+                <a:effectLst/>
+                <a:latin typeface="Fira Code" panose="020B0809050000020004" pitchFamily="49" charset="0"/>
+              </a:rPr>
+              <a:t>, </a:t>
+            </a:r>
+            <a:r>
+              <a:rPr lang="de-DE" b="0" dirty="0" err="1">
+                <a:solidFill>
+                  <a:srgbClr val="D4D4D4"/>
+                </a:solidFill>
+                <a:effectLst/>
+                <a:latin typeface="Fira Code" panose="020B0809050000020004" pitchFamily="49" charset="0"/>
+              </a:rPr>
+              <a:t>what</a:t>
+            </a:r>
+            <a:r>
+              <a:rPr lang="de-DE" b="0" dirty="0">
+                <a:solidFill>
+                  <a:srgbClr val="D4D4D4"/>
+                </a:solidFill>
+                <a:effectLst/>
+                <a:latin typeface="Fira Code" panose="020B0809050000020004" pitchFamily="49" charset="0"/>
+              </a:rPr>
+              <a:t> </a:t>
+            </a:r>
+            <a:r>
+              <a:rPr lang="de-DE" b="0" dirty="0" err="1">
+                <a:solidFill>
+                  <a:srgbClr val="D4D4D4"/>
+                </a:solidFill>
+                <a:effectLst/>
+                <a:latin typeface="Fira Code" panose="020B0809050000020004" pitchFamily="49" charset="0"/>
+              </a:rPr>
+              <a:t>happens</a:t>
+            </a:r>
+            <a:r>
+              <a:rPr lang="de-DE" b="0" dirty="0">
+                <a:solidFill>
+                  <a:srgbClr val="D4D4D4"/>
+                </a:solidFill>
+                <a:effectLst/>
+                <a:latin typeface="Fira Code" panose="020B0809050000020004" pitchFamily="49" charset="0"/>
+              </a:rPr>
+              <a:t>? </a:t>
+            </a:r>
+            <a:r>
+              <a:rPr lang="de-DE" b="0" dirty="0" err="1">
+                <a:solidFill>
+                  <a:srgbClr val="D4D4D4"/>
+                </a:solidFill>
+                <a:effectLst/>
+                <a:latin typeface="Fira Code" panose="020B0809050000020004" pitchFamily="49" charset="0"/>
+              </a:rPr>
+              <a:t>Now</a:t>
+            </a:r>
+            <a:r>
+              <a:rPr lang="de-DE" b="0" dirty="0">
+                <a:solidFill>
+                  <a:srgbClr val="D4D4D4"/>
+                </a:solidFill>
+                <a:effectLst/>
+                <a:latin typeface="Fira Code" panose="020B0809050000020004" pitchFamily="49" charset="0"/>
+              </a:rPr>
+              <a:t> </a:t>
+            </a:r>
+            <a:r>
+              <a:rPr lang="de-DE" b="0" dirty="0" err="1">
+                <a:solidFill>
+                  <a:srgbClr val="D4D4D4"/>
+                </a:solidFill>
+                <a:effectLst/>
+                <a:latin typeface="Fira Code" panose="020B0809050000020004" pitchFamily="49" charset="0"/>
+              </a:rPr>
+              <a:t>add</a:t>
+            </a:r>
+            <a:r>
+              <a:rPr lang="de-DE" b="0" dirty="0">
+                <a:solidFill>
+                  <a:srgbClr val="D4D4D4"/>
+                </a:solidFill>
+                <a:effectLst/>
+                <a:latin typeface="Fira Code" panose="020B0809050000020004" pitchFamily="49" charset="0"/>
+              </a:rPr>
+              <a:t> a </a:t>
+            </a:r>
+            <a:r>
+              <a:rPr lang="de-DE" b="0" dirty="0" err="1">
+                <a:solidFill>
+                  <a:srgbClr val="D4D4D4"/>
+                </a:solidFill>
+                <a:effectLst/>
+                <a:latin typeface="Fira Code" panose="020B0809050000020004" pitchFamily="49" charset="0"/>
+              </a:rPr>
+              <a:t>new</a:t>
+            </a:r>
+            <a:r>
+              <a:rPr lang="de-DE" b="0" dirty="0">
+                <a:solidFill>
+                  <a:srgbClr val="D4D4D4"/>
+                </a:solidFill>
+                <a:effectLst/>
+                <a:latin typeface="Fira Code" panose="020B0809050000020004" pitchFamily="49" charset="0"/>
+              </a:rPr>
+              <a:t> </a:t>
+            </a:r>
+            <a:r>
+              <a:rPr lang="de-DE" b="0" dirty="0" err="1">
+                <a:solidFill>
+                  <a:srgbClr val="D4D4D4"/>
+                </a:solidFill>
+                <a:effectLst/>
+                <a:latin typeface="Fira Code" panose="020B0809050000020004" pitchFamily="49" charset="0"/>
+              </a:rPr>
+              <a:t>element</a:t>
+            </a:r>
+            <a:r>
+              <a:rPr lang="de-DE" b="0" dirty="0">
+                <a:solidFill>
+                  <a:srgbClr val="D4D4D4"/>
+                </a:solidFill>
+                <a:effectLst/>
+                <a:latin typeface="Fira Code" panose="020B0809050000020004" pitchFamily="49" charset="0"/>
+              </a:rPr>
+              <a:t>, </a:t>
+            </a:r>
+            <a:r>
+              <a:rPr lang="de-DE" b="0" dirty="0" err="1">
+                <a:solidFill>
+                  <a:srgbClr val="D4D4D4"/>
+                </a:solidFill>
+                <a:effectLst/>
+                <a:latin typeface="Fira Code" panose="020B0809050000020004" pitchFamily="49" charset="0"/>
+              </a:rPr>
+              <a:t>what</a:t>
+            </a:r>
+            <a:r>
+              <a:rPr lang="de-DE" b="0" dirty="0">
+                <a:solidFill>
+                  <a:srgbClr val="D4D4D4"/>
+                </a:solidFill>
+                <a:effectLst/>
+                <a:latin typeface="Fira Code" panose="020B0809050000020004" pitchFamily="49" charset="0"/>
+              </a:rPr>
+              <a:t> do </a:t>
+            </a:r>
+            <a:r>
+              <a:rPr lang="de-DE" b="0" dirty="0" err="1">
+                <a:solidFill>
+                  <a:srgbClr val="D4D4D4"/>
+                </a:solidFill>
+                <a:effectLst/>
+                <a:latin typeface="Fira Code" panose="020B0809050000020004" pitchFamily="49" charset="0"/>
+              </a:rPr>
+              <a:t>you</a:t>
+            </a:r>
+            <a:r>
+              <a:rPr lang="de-DE" b="0" dirty="0">
+                <a:solidFill>
+                  <a:srgbClr val="D4D4D4"/>
+                </a:solidFill>
+                <a:effectLst/>
+                <a:latin typeface="Fira Code" panose="020B0809050000020004" pitchFamily="49" charset="0"/>
+              </a:rPr>
+              <a:t> </a:t>
+            </a:r>
+            <a:r>
+              <a:rPr lang="de-DE" b="0" dirty="0" err="1">
+                <a:solidFill>
+                  <a:srgbClr val="D4D4D4"/>
+                </a:solidFill>
+                <a:effectLst/>
+                <a:latin typeface="Fira Code" panose="020B0809050000020004" pitchFamily="49" charset="0"/>
+              </a:rPr>
+              <a:t>observe</a:t>
+            </a:r>
+            <a:r>
+              <a:rPr lang="de-DE" b="0" dirty="0">
+                <a:solidFill>
+                  <a:srgbClr val="D4D4D4"/>
+                </a:solidFill>
+                <a:effectLst/>
+                <a:latin typeface="Fira Code" panose="020B0809050000020004" pitchFamily="49" charset="0"/>
+              </a:rPr>
+              <a:t> </a:t>
+            </a:r>
+            <a:r>
+              <a:rPr lang="de-DE" b="0" dirty="0" err="1">
+                <a:solidFill>
+                  <a:srgbClr val="D4D4D4"/>
+                </a:solidFill>
+                <a:effectLst/>
+                <a:latin typeface="Fira Code" panose="020B0809050000020004" pitchFamily="49" charset="0"/>
+              </a:rPr>
+              <a:t>now</a:t>
+            </a:r>
+            <a:r>
+              <a:rPr lang="de-DE" b="0" dirty="0">
+                <a:solidFill>
+                  <a:srgbClr val="D4D4D4"/>
+                </a:solidFill>
+                <a:effectLst/>
+                <a:latin typeface="Fira Code" panose="020B0809050000020004" pitchFamily="49" charset="0"/>
+              </a:rPr>
+              <a:t>?</a:t>
+            </a:r>
             <a:endParaRPr lang="de-DE" dirty="0"/>
           </a:p>
         </p:txBody>
@@ -6074,31 +8789,1171 @@
                 <a:effectLst/>
                 <a:latin typeface="Fira Code" panose="020B0809050000020004" pitchFamily="49" charset="0"/>
               </a:rPr>
-              <a:t>Erstelle zunächst ein leeres Dictionary (Welche 2 Methoden kann man dafür anwenden? Gibt es eine, die "schöner" ist?). Füge dann 5 Vorlesungen sowie den Professor hinzu der diese hält. Gib für 2 Vorlesungen aus, von welchem Professor sie gehalten werden. </a:t>
-            </a:r>
-          </a:p>
-          <a:p>
-            <a:r>
-              <a:rPr lang="de-DE" b="0" dirty="0">
-                <a:solidFill>
-                  <a:srgbClr val="D4D4D4"/>
-                </a:solidFill>
-                <a:effectLst/>
-                <a:latin typeface="Fira Code" panose="020B0809050000020004" pitchFamily="49" charset="0"/>
-              </a:rPr>
-              <a:t>Eine Lehrveranstaltung kann ab sofort von mehreren Professoren gehalten werden. Ändere das Dictionary entsprechend ab, welche Datenstruktur eignet sich zum Ablegen mehrerer Vorlesungen?</a:t>
-            </a:r>
-          </a:p>
-          <a:p>
-            <a:r>
-              <a:rPr lang="de-DE" b="0" dirty="0">
-                <a:solidFill>
-                  <a:srgbClr val="D4D4D4"/>
-                </a:solidFill>
-                <a:effectLst/>
-                <a:latin typeface="Fira Code" panose="020B0809050000020004" pitchFamily="49" charset="0"/>
-              </a:rPr>
-              <a:t>(Zusatz:) Finde raus wie man sich alle </a:t>
+              <a:t>First, </a:t>
+            </a:r>
+            <a:r>
+              <a:rPr lang="de-DE" b="0" dirty="0" err="1">
+                <a:solidFill>
+                  <a:srgbClr val="D4D4D4"/>
+                </a:solidFill>
+                <a:effectLst/>
+                <a:latin typeface="Fira Code" panose="020B0809050000020004" pitchFamily="49" charset="0"/>
+              </a:rPr>
+              <a:t>create</a:t>
+            </a:r>
+            <a:r>
+              <a:rPr lang="de-DE" b="0" dirty="0">
+                <a:solidFill>
+                  <a:srgbClr val="D4D4D4"/>
+                </a:solidFill>
+                <a:effectLst/>
+                <a:latin typeface="Fira Code" panose="020B0809050000020004" pitchFamily="49" charset="0"/>
+              </a:rPr>
+              <a:t> an </a:t>
+            </a:r>
+            <a:r>
+              <a:rPr lang="de-DE" b="0" dirty="0" err="1">
+                <a:solidFill>
+                  <a:srgbClr val="D4D4D4"/>
+                </a:solidFill>
+                <a:effectLst/>
+                <a:latin typeface="Fira Code" panose="020B0809050000020004" pitchFamily="49" charset="0"/>
+              </a:rPr>
+              <a:t>empty</a:t>
+            </a:r>
+            <a:r>
+              <a:rPr lang="de-DE" b="0" dirty="0">
+                <a:solidFill>
+                  <a:srgbClr val="D4D4D4"/>
+                </a:solidFill>
+                <a:effectLst/>
+                <a:latin typeface="Fira Code" panose="020B0809050000020004" pitchFamily="49" charset="0"/>
+              </a:rPr>
+              <a:t> </a:t>
+            </a:r>
+            <a:r>
+              <a:rPr lang="de-DE" b="0" dirty="0" err="1">
+                <a:solidFill>
+                  <a:srgbClr val="D4D4D4"/>
+                </a:solidFill>
+                <a:effectLst/>
+                <a:latin typeface="Fira Code" panose="020B0809050000020004" pitchFamily="49" charset="0"/>
+              </a:rPr>
+              <a:t>dictionary</a:t>
+            </a:r>
+            <a:r>
+              <a:rPr lang="de-DE" b="0" dirty="0">
+                <a:solidFill>
+                  <a:srgbClr val="D4D4D4"/>
+                </a:solidFill>
+                <a:effectLst/>
+                <a:latin typeface="Fira Code" panose="020B0809050000020004" pitchFamily="49" charset="0"/>
+              </a:rPr>
+              <a:t> (</a:t>
+            </a:r>
+            <a:r>
+              <a:rPr lang="de-DE" b="0" dirty="0" err="1">
+                <a:solidFill>
+                  <a:srgbClr val="D4D4D4"/>
+                </a:solidFill>
+                <a:effectLst/>
+                <a:latin typeface="Fira Code" panose="020B0809050000020004" pitchFamily="49" charset="0"/>
+              </a:rPr>
+              <a:t>What</a:t>
+            </a:r>
+            <a:r>
+              <a:rPr lang="de-DE" b="0" dirty="0">
+                <a:solidFill>
+                  <a:srgbClr val="D4D4D4"/>
+                </a:solidFill>
+                <a:effectLst/>
+                <a:latin typeface="Fira Code" panose="020B0809050000020004" pitchFamily="49" charset="0"/>
+              </a:rPr>
+              <a:t> 2 </a:t>
+            </a:r>
+            <a:r>
+              <a:rPr lang="de-DE" b="0" dirty="0" err="1">
+                <a:solidFill>
+                  <a:srgbClr val="D4D4D4"/>
+                </a:solidFill>
+                <a:effectLst/>
+                <a:latin typeface="Fira Code" panose="020B0809050000020004" pitchFamily="49" charset="0"/>
+              </a:rPr>
+              <a:t>methods</a:t>
+            </a:r>
+            <a:r>
+              <a:rPr lang="de-DE" b="0" dirty="0">
+                <a:solidFill>
+                  <a:srgbClr val="D4D4D4"/>
+                </a:solidFill>
+                <a:effectLst/>
+                <a:latin typeface="Fira Code" panose="020B0809050000020004" pitchFamily="49" charset="0"/>
+              </a:rPr>
+              <a:t> </a:t>
+            </a:r>
+            <a:r>
+              <a:rPr lang="de-DE" b="0" dirty="0" err="1">
+                <a:solidFill>
+                  <a:srgbClr val="D4D4D4"/>
+                </a:solidFill>
+                <a:effectLst/>
+                <a:latin typeface="Fira Code" panose="020B0809050000020004" pitchFamily="49" charset="0"/>
+              </a:rPr>
+              <a:t>can</a:t>
+            </a:r>
+            <a:r>
+              <a:rPr lang="de-DE" b="0" dirty="0">
+                <a:solidFill>
+                  <a:srgbClr val="D4D4D4"/>
+                </a:solidFill>
+                <a:effectLst/>
+                <a:latin typeface="Fira Code" panose="020B0809050000020004" pitchFamily="49" charset="0"/>
+              </a:rPr>
+              <a:t> </a:t>
+            </a:r>
+            <a:r>
+              <a:rPr lang="de-DE" b="0" dirty="0" err="1">
+                <a:solidFill>
+                  <a:srgbClr val="D4D4D4"/>
+                </a:solidFill>
+                <a:effectLst/>
+                <a:latin typeface="Fira Code" panose="020B0809050000020004" pitchFamily="49" charset="0"/>
+              </a:rPr>
+              <a:t>be</a:t>
+            </a:r>
+            <a:r>
+              <a:rPr lang="de-DE" b="0" dirty="0">
+                <a:solidFill>
+                  <a:srgbClr val="D4D4D4"/>
+                </a:solidFill>
+                <a:effectLst/>
+                <a:latin typeface="Fira Code" panose="020B0809050000020004" pitchFamily="49" charset="0"/>
+              </a:rPr>
+              <a:t> </a:t>
+            </a:r>
+            <a:r>
+              <a:rPr lang="de-DE" b="0" dirty="0" err="1">
+                <a:solidFill>
+                  <a:srgbClr val="D4D4D4"/>
+                </a:solidFill>
+                <a:effectLst/>
+                <a:latin typeface="Fira Code" panose="020B0809050000020004" pitchFamily="49" charset="0"/>
+              </a:rPr>
+              <a:t>used</a:t>
+            </a:r>
+            <a:r>
+              <a:rPr lang="de-DE" b="0" dirty="0">
+                <a:solidFill>
+                  <a:srgbClr val="D4D4D4"/>
+                </a:solidFill>
+                <a:effectLst/>
+                <a:latin typeface="Fira Code" panose="020B0809050000020004" pitchFamily="49" charset="0"/>
+              </a:rPr>
+              <a:t> </a:t>
+            </a:r>
+            <a:r>
+              <a:rPr lang="de-DE" b="0" dirty="0" err="1">
+                <a:solidFill>
+                  <a:srgbClr val="D4D4D4"/>
+                </a:solidFill>
+                <a:effectLst/>
+                <a:latin typeface="Fira Code" panose="020B0809050000020004" pitchFamily="49" charset="0"/>
+              </a:rPr>
+              <a:t>for</a:t>
+            </a:r>
+            <a:r>
+              <a:rPr lang="de-DE" b="0" dirty="0">
+                <a:solidFill>
+                  <a:srgbClr val="D4D4D4"/>
+                </a:solidFill>
+                <a:effectLst/>
+                <a:latin typeface="Fira Code" panose="020B0809050000020004" pitchFamily="49" charset="0"/>
+              </a:rPr>
+              <a:t> </a:t>
+            </a:r>
+            <a:r>
+              <a:rPr lang="de-DE" b="0" dirty="0" err="1">
+                <a:solidFill>
+                  <a:srgbClr val="D4D4D4"/>
+                </a:solidFill>
+                <a:effectLst/>
+                <a:latin typeface="Fira Code" panose="020B0809050000020004" pitchFamily="49" charset="0"/>
+              </a:rPr>
+              <a:t>this</a:t>
+            </a:r>
+            <a:r>
+              <a:rPr lang="de-DE" b="0" dirty="0">
+                <a:solidFill>
+                  <a:srgbClr val="D4D4D4"/>
+                </a:solidFill>
+                <a:effectLst/>
+                <a:latin typeface="Fira Code" panose="020B0809050000020004" pitchFamily="49" charset="0"/>
+              </a:rPr>
+              <a:t>? </a:t>
+            </a:r>
+            <a:r>
+              <a:rPr lang="de-DE" b="0" dirty="0" err="1">
+                <a:solidFill>
+                  <a:srgbClr val="D4D4D4"/>
+                </a:solidFill>
+                <a:effectLst/>
+                <a:latin typeface="Fira Code" panose="020B0809050000020004" pitchFamily="49" charset="0"/>
+              </a:rPr>
+              <a:t>Is</a:t>
+            </a:r>
+            <a:r>
+              <a:rPr lang="de-DE" b="0" dirty="0">
+                <a:solidFill>
+                  <a:srgbClr val="D4D4D4"/>
+                </a:solidFill>
+                <a:effectLst/>
+                <a:latin typeface="Fira Code" panose="020B0809050000020004" pitchFamily="49" charset="0"/>
+              </a:rPr>
+              <a:t> </a:t>
+            </a:r>
+            <a:r>
+              <a:rPr lang="de-DE" b="0" dirty="0" err="1">
+                <a:solidFill>
+                  <a:srgbClr val="D4D4D4"/>
+                </a:solidFill>
+                <a:effectLst/>
+                <a:latin typeface="Fira Code" panose="020B0809050000020004" pitchFamily="49" charset="0"/>
+              </a:rPr>
+              <a:t>there</a:t>
+            </a:r>
+            <a:r>
+              <a:rPr lang="de-DE" b="0" dirty="0">
+                <a:solidFill>
+                  <a:srgbClr val="D4D4D4"/>
+                </a:solidFill>
+                <a:effectLst/>
+                <a:latin typeface="Fira Code" panose="020B0809050000020004" pitchFamily="49" charset="0"/>
+              </a:rPr>
+              <a:t> </a:t>
+            </a:r>
+            <a:r>
+              <a:rPr lang="de-DE" b="0" dirty="0" err="1">
+                <a:solidFill>
+                  <a:srgbClr val="D4D4D4"/>
+                </a:solidFill>
+                <a:effectLst/>
+                <a:latin typeface="Fira Code" panose="020B0809050000020004" pitchFamily="49" charset="0"/>
+              </a:rPr>
+              <a:t>one</a:t>
+            </a:r>
+            <a:r>
+              <a:rPr lang="de-DE" b="0" dirty="0">
+                <a:solidFill>
+                  <a:srgbClr val="D4D4D4"/>
+                </a:solidFill>
+                <a:effectLst/>
+                <a:latin typeface="Fira Code" panose="020B0809050000020004" pitchFamily="49" charset="0"/>
+              </a:rPr>
+              <a:t> </a:t>
+            </a:r>
+            <a:r>
+              <a:rPr lang="de-DE" b="0" dirty="0" err="1">
+                <a:solidFill>
+                  <a:srgbClr val="D4D4D4"/>
+                </a:solidFill>
+                <a:effectLst/>
+                <a:latin typeface="Fira Code" panose="020B0809050000020004" pitchFamily="49" charset="0"/>
+              </a:rPr>
+              <a:t>that</a:t>
+            </a:r>
+            <a:r>
+              <a:rPr lang="de-DE" b="0" dirty="0">
+                <a:solidFill>
+                  <a:srgbClr val="D4D4D4"/>
+                </a:solidFill>
+                <a:effectLst/>
+                <a:latin typeface="Fira Code" panose="020B0809050000020004" pitchFamily="49" charset="0"/>
+              </a:rPr>
+              <a:t> </a:t>
+            </a:r>
+            <a:r>
+              <a:rPr lang="de-DE" b="0" dirty="0" err="1">
+                <a:solidFill>
+                  <a:srgbClr val="D4D4D4"/>
+                </a:solidFill>
+                <a:effectLst/>
+                <a:latin typeface="Fira Code" panose="020B0809050000020004" pitchFamily="49" charset="0"/>
+              </a:rPr>
+              <a:t>is</a:t>
+            </a:r>
+            <a:r>
+              <a:rPr lang="de-DE" b="0" dirty="0">
+                <a:solidFill>
+                  <a:srgbClr val="D4D4D4"/>
+                </a:solidFill>
+                <a:effectLst/>
+                <a:latin typeface="Fira Code" panose="020B0809050000020004" pitchFamily="49" charset="0"/>
+              </a:rPr>
+              <a:t> "nicer"?). </a:t>
+            </a:r>
+            <a:r>
+              <a:rPr lang="de-DE" b="0" dirty="0" err="1">
+                <a:solidFill>
+                  <a:srgbClr val="D4D4D4"/>
+                </a:solidFill>
+                <a:effectLst/>
+                <a:latin typeface="Fira Code" panose="020B0809050000020004" pitchFamily="49" charset="0"/>
+              </a:rPr>
+              <a:t>Then</a:t>
+            </a:r>
+            <a:r>
+              <a:rPr lang="de-DE" b="0" dirty="0">
+                <a:solidFill>
+                  <a:srgbClr val="D4D4D4"/>
+                </a:solidFill>
+                <a:effectLst/>
+                <a:latin typeface="Fira Code" panose="020B0809050000020004" pitchFamily="49" charset="0"/>
+              </a:rPr>
+              <a:t>, </a:t>
+            </a:r>
+            <a:r>
+              <a:rPr lang="de-DE" b="0" dirty="0" err="1">
+                <a:solidFill>
+                  <a:srgbClr val="D4D4D4"/>
+                </a:solidFill>
+                <a:effectLst/>
+                <a:latin typeface="Fira Code" panose="020B0809050000020004" pitchFamily="49" charset="0"/>
+              </a:rPr>
+              <a:t>add</a:t>
+            </a:r>
+            <a:r>
+              <a:rPr lang="de-DE" b="0" dirty="0">
+                <a:solidFill>
+                  <a:srgbClr val="D4D4D4"/>
+                </a:solidFill>
+                <a:effectLst/>
+                <a:latin typeface="Fira Code" panose="020B0809050000020004" pitchFamily="49" charset="0"/>
+              </a:rPr>
+              <a:t> 5 </a:t>
+            </a:r>
+            <a:r>
+              <a:rPr lang="de-DE" b="0" dirty="0" err="1">
+                <a:solidFill>
+                  <a:srgbClr val="D4D4D4"/>
+                </a:solidFill>
+                <a:effectLst/>
+                <a:latin typeface="Fira Code" panose="020B0809050000020004" pitchFamily="49" charset="0"/>
+              </a:rPr>
+              <a:t>lectures</a:t>
+            </a:r>
+            <a:r>
+              <a:rPr lang="de-DE" b="0" dirty="0">
+                <a:solidFill>
+                  <a:srgbClr val="D4D4D4"/>
+                </a:solidFill>
+                <a:effectLst/>
+                <a:latin typeface="Fira Code" panose="020B0809050000020004" pitchFamily="49" charset="0"/>
+              </a:rPr>
+              <a:t> and </a:t>
+            </a:r>
+            <a:r>
+              <a:rPr lang="de-DE" b="0" dirty="0" err="1">
+                <a:solidFill>
+                  <a:srgbClr val="D4D4D4"/>
+                </a:solidFill>
+                <a:effectLst/>
+                <a:latin typeface="Fira Code" panose="020B0809050000020004" pitchFamily="49" charset="0"/>
+              </a:rPr>
+              <a:t>the</a:t>
+            </a:r>
+            <a:r>
+              <a:rPr lang="de-DE" b="0" dirty="0">
+                <a:solidFill>
+                  <a:srgbClr val="D4D4D4"/>
+                </a:solidFill>
+                <a:effectLst/>
+                <a:latin typeface="Fira Code" panose="020B0809050000020004" pitchFamily="49" charset="0"/>
+              </a:rPr>
+              <a:t> </a:t>
+            </a:r>
+            <a:r>
+              <a:rPr lang="de-DE" b="0" dirty="0" err="1">
+                <a:solidFill>
+                  <a:srgbClr val="D4D4D4"/>
+                </a:solidFill>
+                <a:effectLst/>
+                <a:latin typeface="Fira Code" panose="020B0809050000020004" pitchFamily="49" charset="0"/>
+              </a:rPr>
+              <a:t>professor</a:t>
+            </a:r>
+            <a:r>
+              <a:rPr lang="de-DE" b="0" dirty="0">
+                <a:solidFill>
+                  <a:srgbClr val="D4D4D4"/>
+                </a:solidFill>
+                <a:effectLst/>
+                <a:latin typeface="Fira Code" panose="020B0809050000020004" pitchFamily="49" charset="0"/>
+              </a:rPr>
+              <a:t> </a:t>
+            </a:r>
+            <a:r>
+              <a:rPr lang="de-DE" b="0" dirty="0" err="1">
+                <a:solidFill>
+                  <a:srgbClr val="D4D4D4"/>
+                </a:solidFill>
+                <a:effectLst/>
+                <a:latin typeface="Fira Code" panose="020B0809050000020004" pitchFamily="49" charset="0"/>
+              </a:rPr>
+              <a:t>who</a:t>
+            </a:r>
+            <a:r>
+              <a:rPr lang="de-DE" b="0" dirty="0">
+                <a:solidFill>
+                  <a:srgbClr val="D4D4D4"/>
+                </a:solidFill>
+                <a:effectLst/>
+                <a:latin typeface="Fira Code" panose="020B0809050000020004" pitchFamily="49" charset="0"/>
+              </a:rPr>
+              <a:t> </a:t>
+            </a:r>
+            <a:r>
+              <a:rPr lang="de-DE" b="0" dirty="0" err="1">
+                <a:solidFill>
+                  <a:srgbClr val="D4D4D4"/>
+                </a:solidFill>
+                <a:effectLst/>
+                <a:latin typeface="Fira Code" panose="020B0809050000020004" pitchFamily="49" charset="0"/>
+              </a:rPr>
+              <a:t>holds</a:t>
+            </a:r>
+            <a:r>
+              <a:rPr lang="de-DE" b="0" dirty="0">
+                <a:solidFill>
+                  <a:srgbClr val="D4D4D4"/>
+                </a:solidFill>
+                <a:effectLst/>
+                <a:latin typeface="Fira Code" panose="020B0809050000020004" pitchFamily="49" charset="0"/>
+              </a:rPr>
+              <a:t> </a:t>
+            </a:r>
+            <a:r>
+              <a:rPr lang="de-DE" b="0" dirty="0" err="1">
+                <a:solidFill>
+                  <a:srgbClr val="D4D4D4"/>
+                </a:solidFill>
+                <a:effectLst/>
+                <a:latin typeface="Fira Code" panose="020B0809050000020004" pitchFamily="49" charset="0"/>
+              </a:rPr>
+              <a:t>them</a:t>
+            </a:r>
+            <a:r>
+              <a:rPr lang="de-DE" b="0" dirty="0">
+                <a:solidFill>
+                  <a:srgbClr val="D4D4D4"/>
+                </a:solidFill>
+                <a:effectLst/>
+                <a:latin typeface="Fira Code" panose="020B0809050000020004" pitchFamily="49" charset="0"/>
+              </a:rPr>
+              <a:t>. </a:t>
+            </a:r>
+            <a:r>
+              <a:rPr lang="de-DE" b="0" dirty="0" err="1">
+                <a:solidFill>
+                  <a:srgbClr val="D4D4D4"/>
+                </a:solidFill>
+                <a:effectLst/>
+                <a:latin typeface="Fira Code" panose="020B0809050000020004" pitchFamily="49" charset="0"/>
+              </a:rPr>
+              <a:t>For</a:t>
+            </a:r>
+            <a:r>
+              <a:rPr lang="de-DE" b="0" dirty="0">
+                <a:solidFill>
+                  <a:srgbClr val="D4D4D4"/>
+                </a:solidFill>
+                <a:effectLst/>
+                <a:latin typeface="Fira Code" panose="020B0809050000020004" pitchFamily="49" charset="0"/>
+              </a:rPr>
+              <a:t> 2 </a:t>
+            </a:r>
+            <a:r>
+              <a:rPr lang="de-DE" b="0" dirty="0" err="1">
+                <a:solidFill>
+                  <a:srgbClr val="D4D4D4"/>
+                </a:solidFill>
+                <a:effectLst/>
+                <a:latin typeface="Fira Code" panose="020B0809050000020004" pitchFamily="49" charset="0"/>
+              </a:rPr>
+              <a:t>lectures</a:t>
+            </a:r>
+            <a:r>
+              <a:rPr lang="de-DE" b="0" dirty="0">
+                <a:solidFill>
+                  <a:srgbClr val="D4D4D4"/>
+                </a:solidFill>
+                <a:effectLst/>
+                <a:latin typeface="Fira Code" panose="020B0809050000020004" pitchFamily="49" charset="0"/>
+              </a:rPr>
+              <a:t>, </a:t>
+            </a:r>
+            <a:r>
+              <a:rPr lang="de-DE" b="0" dirty="0" err="1">
+                <a:solidFill>
+                  <a:srgbClr val="D4D4D4"/>
+                </a:solidFill>
+                <a:effectLst/>
+                <a:latin typeface="Fira Code" panose="020B0809050000020004" pitchFamily="49" charset="0"/>
+              </a:rPr>
+              <a:t>indicate</a:t>
+            </a:r>
+            <a:r>
+              <a:rPr lang="de-DE" b="0" dirty="0">
+                <a:solidFill>
+                  <a:srgbClr val="D4D4D4"/>
+                </a:solidFill>
+                <a:effectLst/>
+                <a:latin typeface="Fira Code" panose="020B0809050000020004" pitchFamily="49" charset="0"/>
+              </a:rPr>
+              <a:t> </a:t>
+            </a:r>
+            <a:r>
+              <a:rPr lang="de-DE" b="0" dirty="0" err="1">
+                <a:solidFill>
+                  <a:srgbClr val="D4D4D4"/>
+                </a:solidFill>
+                <a:effectLst/>
+                <a:latin typeface="Fira Code" panose="020B0809050000020004" pitchFamily="49" charset="0"/>
+              </a:rPr>
+              <a:t>by</a:t>
+            </a:r>
+            <a:r>
+              <a:rPr lang="de-DE" b="0" dirty="0">
+                <a:solidFill>
+                  <a:srgbClr val="D4D4D4"/>
+                </a:solidFill>
+                <a:effectLst/>
+                <a:latin typeface="Fira Code" panose="020B0809050000020004" pitchFamily="49" charset="0"/>
+              </a:rPr>
+              <a:t> </a:t>
+            </a:r>
+            <a:r>
+              <a:rPr lang="de-DE" b="0" dirty="0" err="1">
+                <a:solidFill>
+                  <a:srgbClr val="D4D4D4"/>
+                </a:solidFill>
+                <a:effectLst/>
+                <a:latin typeface="Fira Code" panose="020B0809050000020004" pitchFamily="49" charset="0"/>
+              </a:rPr>
+              <a:t>which</a:t>
+            </a:r>
+            <a:r>
+              <a:rPr lang="de-DE" b="0" dirty="0">
+                <a:solidFill>
+                  <a:srgbClr val="D4D4D4"/>
+                </a:solidFill>
+                <a:effectLst/>
+                <a:latin typeface="Fira Code" panose="020B0809050000020004" pitchFamily="49" charset="0"/>
+              </a:rPr>
+              <a:t> </a:t>
+            </a:r>
+            <a:r>
+              <a:rPr lang="de-DE" b="0" dirty="0" err="1">
+                <a:solidFill>
+                  <a:srgbClr val="D4D4D4"/>
+                </a:solidFill>
+                <a:effectLst/>
+                <a:latin typeface="Fira Code" panose="020B0809050000020004" pitchFamily="49" charset="0"/>
+              </a:rPr>
+              <a:t>professor</a:t>
+            </a:r>
+            <a:r>
+              <a:rPr lang="de-DE" b="0" dirty="0">
+                <a:solidFill>
+                  <a:srgbClr val="D4D4D4"/>
+                </a:solidFill>
+                <a:effectLst/>
+                <a:latin typeface="Fira Code" panose="020B0809050000020004" pitchFamily="49" charset="0"/>
+              </a:rPr>
+              <a:t> </a:t>
+            </a:r>
+            <a:r>
+              <a:rPr lang="de-DE" b="0" dirty="0" err="1">
+                <a:solidFill>
+                  <a:srgbClr val="D4D4D4"/>
+                </a:solidFill>
+                <a:effectLst/>
+                <a:latin typeface="Fira Code" panose="020B0809050000020004" pitchFamily="49" charset="0"/>
+              </a:rPr>
+              <a:t>they</a:t>
+            </a:r>
+            <a:r>
+              <a:rPr lang="de-DE" b="0" dirty="0">
+                <a:solidFill>
+                  <a:srgbClr val="D4D4D4"/>
+                </a:solidFill>
+                <a:effectLst/>
+                <a:latin typeface="Fira Code" panose="020B0809050000020004" pitchFamily="49" charset="0"/>
+              </a:rPr>
+              <a:t> </a:t>
+            </a:r>
+            <a:r>
+              <a:rPr lang="de-DE" b="0" dirty="0" err="1">
+                <a:solidFill>
+                  <a:srgbClr val="D4D4D4"/>
+                </a:solidFill>
+                <a:effectLst/>
+                <a:latin typeface="Fira Code" panose="020B0809050000020004" pitchFamily="49" charset="0"/>
+              </a:rPr>
+              <a:t>are</a:t>
+            </a:r>
+            <a:r>
+              <a:rPr lang="de-DE" b="0" dirty="0">
+                <a:solidFill>
+                  <a:srgbClr val="D4D4D4"/>
+                </a:solidFill>
+                <a:effectLst/>
+                <a:latin typeface="Fira Code" panose="020B0809050000020004" pitchFamily="49" charset="0"/>
+              </a:rPr>
+              <a:t> </a:t>
+            </a:r>
+            <a:r>
+              <a:rPr lang="de-DE" b="0" dirty="0" err="1">
+                <a:solidFill>
+                  <a:srgbClr val="D4D4D4"/>
+                </a:solidFill>
+                <a:effectLst/>
+                <a:latin typeface="Fira Code" panose="020B0809050000020004" pitchFamily="49" charset="0"/>
+              </a:rPr>
+              <a:t>held</a:t>
+            </a:r>
+            <a:r>
+              <a:rPr lang="de-DE" b="0" dirty="0">
+                <a:solidFill>
+                  <a:srgbClr val="D4D4D4"/>
+                </a:solidFill>
+                <a:effectLst/>
+                <a:latin typeface="Fira Code" panose="020B0809050000020004" pitchFamily="49" charset="0"/>
+              </a:rPr>
+              <a:t>. </a:t>
+            </a:r>
+          </a:p>
+          <a:p>
+            <a:r>
+              <a:rPr lang="de-DE" b="0" dirty="0">
+                <a:solidFill>
+                  <a:srgbClr val="D4D4D4"/>
+                </a:solidFill>
+                <a:effectLst/>
+                <a:latin typeface="Fira Code" panose="020B0809050000020004" pitchFamily="49" charset="0"/>
+              </a:rPr>
+              <a:t>A </a:t>
+            </a:r>
+            <a:r>
+              <a:rPr lang="de-DE" b="0" dirty="0" err="1">
+                <a:solidFill>
+                  <a:srgbClr val="D4D4D4"/>
+                </a:solidFill>
+                <a:effectLst/>
+                <a:latin typeface="Fira Code" panose="020B0809050000020004" pitchFamily="49" charset="0"/>
+              </a:rPr>
+              <a:t>lecture</a:t>
+            </a:r>
+            <a:r>
+              <a:rPr lang="de-DE" b="0" dirty="0">
+                <a:solidFill>
+                  <a:srgbClr val="D4D4D4"/>
+                </a:solidFill>
+                <a:effectLst/>
+                <a:latin typeface="Fira Code" panose="020B0809050000020004" pitchFamily="49" charset="0"/>
+              </a:rPr>
+              <a:t> </a:t>
+            </a:r>
+            <a:r>
+              <a:rPr lang="de-DE" b="0" dirty="0" err="1">
+                <a:solidFill>
+                  <a:srgbClr val="D4D4D4"/>
+                </a:solidFill>
+                <a:effectLst/>
+                <a:latin typeface="Fira Code" panose="020B0809050000020004" pitchFamily="49" charset="0"/>
+              </a:rPr>
+              <a:t>can</a:t>
+            </a:r>
+            <a:r>
+              <a:rPr lang="de-DE" b="0" dirty="0">
+                <a:solidFill>
+                  <a:srgbClr val="D4D4D4"/>
+                </a:solidFill>
+                <a:effectLst/>
+                <a:latin typeface="Fira Code" panose="020B0809050000020004" pitchFamily="49" charset="0"/>
+              </a:rPr>
+              <a:t> </a:t>
+            </a:r>
+            <a:r>
+              <a:rPr lang="de-DE" b="0" dirty="0" err="1">
+                <a:solidFill>
+                  <a:srgbClr val="D4D4D4"/>
+                </a:solidFill>
+                <a:effectLst/>
+                <a:latin typeface="Fira Code" panose="020B0809050000020004" pitchFamily="49" charset="0"/>
+              </a:rPr>
+              <a:t>now</a:t>
+            </a:r>
+            <a:r>
+              <a:rPr lang="de-DE" b="0" dirty="0">
+                <a:solidFill>
+                  <a:srgbClr val="D4D4D4"/>
+                </a:solidFill>
+                <a:effectLst/>
+                <a:latin typeface="Fira Code" panose="020B0809050000020004" pitchFamily="49" charset="0"/>
+              </a:rPr>
+              <a:t> </a:t>
+            </a:r>
+            <a:r>
+              <a:rPr lang="de-DE" b="0" dirty="0" err="1">
+                <a:solidFill>
+                  <a:srgbClr val="D4D4D4"/>
+                </a:solidFill>
+                <a:effectLst/>
+                <a:latin typeface="Fira Code" panose="020B0809050000020004" pitchFamily="49" charset="0"/>
+              </a:rPr>
+              <a:t>be</a:t>
+            </a:r>
+            <a:r>
+              <a:rPr lang="de-DE" b="0" dirty="0">
+                <a:solidFill>
+                  <a:srgbClr val="D4D4D4"/>
+                </a:solidFill>
+                <a:effectLst/>
+                <a:latin typeface="Fira Code" panose="020B0809050000020004" pitchFamily="49" charset="0"/>
+              </a:rPr>
+              <a:t> </a:t>
+            </a:r>
+            <a:r>
+              <a:rPr lang="de-DE" b="0" dirty="0" err="1">
+                <a:solidFill>
+                  <a:srgbClr val="D4D4D4"/>
+                </a:solidFill>
+                <a:effectLst/>
+                <a:latin typeface="Fira Code" panose="020B0809050000020004" pitchFamily="49" charset="0"/>
+              </a:rPr>
+              <a:t>held</a:t>
+            </a:r>
+            <a:r>
+              <a:rPr lang="de-DE" b="0" dirty="0">
+                <a:solidFill>
+                  <a:srgbClr val="D4D4D4"/>
+                </a:solidFill>
+                <a:effectLst/>
+                <a:latin typeface="Fira Code" panose="020B0809050000020004" pitchFamily="49" charset="0"/>
+              </a:rPr>
+              <a:t> </a:t>
+            </a:r>
+            <a:r>
+              <a:rPr lang="de-DE" b="0" dirty="0" err="1">
+                <a:solidFill>
+                  <a:srgbClr val="D4D4D4"/>
+                </a:solidFill>
+                <a:effectLst/>
+                <a:latin typeface="Fira Code" panose="020B0809050000020004" pitchFamily="49" charset="0"/>
+              </a:rPr>
+              <a:t>by</a:t>
+            </a:r>
+            <a:r>
+              <a:rPr lang="de-DE" b="0" dirty="0">
+                <a:solidFill>
+                  <a:srgbClr val="D4D4D4"/>
+                </a:solidFill>
+                <a:effectLst/>
+                <a:latin typeface="Fira Code" panose="020B0809050000020004" pitchFamily="49" charset="0"/>
+              </a:rPr>
+              <a:t> </a:t>
+            </a:r>
+            <a:r>
+              <a:rPr lang="de-DE" b="0" dirty="0" err="1">
+                <a:solidFill>
+                  <a:srgbClr val="D4D4D4"/>
+                </a:solidFill>
+                <a:effectLst/>
+                <a:latin typeface="Fira Code" panose="020B0809050000020004" pitchFamily="49" charset="0"/>
+              </a:rPr>
+              <a:t>more</a:t>
+            </a:r>
+            <a:r>
+              <a:rPr lang="de-DE" b="0" dirty="0">
+                <a:solidFill>
+                  <a:srgbClr val="D4D4D4"/>
+                </a:solidFill>
+                <a:effectLst/>
+                <a:latin typeface="Fira Code" panose="020B0809050000020004" pitchFamily="49" charset="0"/>
+              </a:rPr>
+              <a:t> </a:t>
+            </a:r>
+            <a:r>
+              <a:rPr lang="de-DE" b="0" dirty="0" err="1">
+                <a:solidFill>
+                  <a:srgbClr val="D4D4D4"/>
+                </a:solidFill>
+                <a:effectLst/>
+                <a:latin typeface="Fira Code" panose="020B0809050000020004" pitchFamily="49" charset="0"/>
+              </a:rPr>
+              <a:t>than</a:t>
+            </a:r>
+            <a:r>
+              <a:rPr lang="de-DE" b="0" dirty="0">
+                <a:solidFill>
+                  <a:srgbClr val="D4D4D4"/>
+                </a:solidFill>
+                <a:effectLst/>
+                <a:latin typeface="Fira Code" panose="020B0809050000020004" pitchFamily="49" charset="0"/>
+              </a:rPr>
+              <a:t> </a:t>
+            </a:r>
+            <a:r>
+              <a:rPr lang="de-DE" b="0" dirty="0" err="1">
+                <a:solidFill>
+                  <a:srgbClr val="D4D4D4"/>
+                </a:solidFill>
+                <a:effectLst/>
+                <a:latin typeface="Fira Code" panose="020B0809050000020004" pitchFamily="49" charset="0"/>
+              </a:rPr>
+              <a:t>one</a:t>
+            </a:r>
+            <a:r>
+              <a:rPr lang="de-DE" b="0" dirty="0">
+                <a:solidFill>
+                  <a:srgbClr val="D4D4D4"/>
+                </a:solidFill>
+                <a:effectLst/>
+                <a:latin typeface="Fira Code" panose="020B0809050000020004" pitchFamily="49" charset="0"/>
+              </a:rPr>
+              <a:t> </a:t>
+            </a:r>
+            <a:r>
+              <a:rPr lang="de-DE" b="0" dirty="0" err="1">
+                <a:solidFill>
+                  <a:srgbClr val="D4D4D4"/>
+                </a:solidFill>
+                <a:effectLst/>
+                <a:latin typeface="Fira Code" panose="020B0809050000020004" pitchFamily="49" charset="0"/>
+              </a:rPr>
+              <a:t>professor</a:t>
+            </a:r>
+            <a:r>
+              <a:rPr lang="de-DE" b="0" dirty="0">
+                <a:solidFill>
+                  <a:srgbClr val="D4D4D4"/>
+                </a:solidFill>
+                <a:effectLst/>
+                <a:latin typeface="Fira Code" panose="020B0809050000020004" pitchFamily="49" charset="0"/>
+              </a:rPr>
+              <a:t>. Change </a:t>
+            </a:r>
+            <a:r>
+              <a:rPr lang="de-DE" b="0" dirty="0" err="1">
+                <a:solidFill>
+                  <a:srgbClr val="D4D4D4"/>
+                </a:solidFill>
+                <a:effectLst/>
+                <a:latin typeface="Fira Code" panose="020B0809050000020004" pitchFamily="49" charset="0"/>
+              </a:rPr>
+              <a:t>the</a:t>
+            </a:r>
+            <a:r>
+              <a:rPr lang="de-DE" b="0" dirty="0">
+                <a:solidFill>
+                  <a:srgbClr val="D4D4D4"/>
+                </a:solidFill>
+                <a:effectLst/>
+                <a:latin typeface="Fira Code" panose="020B0809050000020004" pitchFamily="49" charset="0"/>
+              </a:rPr>
+              <a:t> </a:t>
+            </a:r>
+            <a:r>
+              <a:rPr lang="de-DE" b="0" dirty="0" err="1">
+                <a:solidFill>
+                  <a:srgbClr val="D4D4D4"/>
+                </a:solidFill>
+                <a:effectLst/>
+                <a:latin typeface="Fira Code" panose="020B0809050000020004" pitchFamily="49" charset="0"/>
+              </a:rPr>
+              <a:t>dictionary</a:t>
+            </a:r>
+            <a:r>
+              <a:rPr lang="de-DE" b="0" dirty="0">
+                <a:solidFill>
+                  <a:srgbClr val="D4D4D4"/>
+                </a:solidFill>
+                <a:effectLst/>
+                <a:latin typeface="Fira Code" panose="020B0809050000020004" pitchFamily="49" charset="0"/>
+              </a:rPr>
+              <a:t> </a:t>
+            </a:r>
+            <a:r>
+              <a:rPr lang="de-DE" b="0" dirty="0" err="1">
+                <a:solidFill>
+                  <a:srgbClr val="D4D4D4"/>
+                </a:solidFill>
+                <a:effectLst/>
+                <a:latin typeface="Fira Code" panose="020B0809050000020004" pitchFamily="49" charset="0"/>
+              </a:rPr>
+              <a:t>accordingly</a:t>
+            </a:r>
+            <a:r>
+              <a:rPr lang="de-DE" b="0" dirty="0">
+                <a:solidFill>
+                  <a:srgbClr val="D4D4D4"/>
+                </a:solidFill>
+                <a:effectLst/>
+                <a:latin typeface="Fira Code" panose="020B0809050000020004" pitchFamily="49" charset="0"/>
+              </a:rPr>
+              <a:t>, </a:t>
+            </a:r>
+            <a:r>
+              <a:rPr lang="de-DE" b="0" dirty="0" err="1">
+                <a:solidFill>
+                  <a:srgbClr val="D4D4D4"/>
+                </a:solidFill>
+                <a:effectLst/>
+                <a:latin typeface="Fira Code" panose="020B0809050000020004" pitchFamily="49" charset="0"/>
+              </a:rPr>
+              <a:t>which</a:t>
+            </a:r>
+            <a:r>
+              <a:rPr lang="de-DE" b="0" dirty="0">
+                <a:solidFill>
+                  <a:srgbClr val="D4D4D4"/>
+                </a:solidFill>
+                <a:effectLst/>
+                <a:latin typeface="Fira Code" panose="020B0809050000020004" pitchFamily="49" charset="0"/>
+              </a:rPr>
+              <a:t> </a:t>
+            </a:r>
+            <a:r>
+              <a:rPr lang="de-DE" b="0" dirty="0" err="1">
+                <a:solidFill>
+                  <a:srgbClr val="D4D4D4"/>
+                </a:solidFill>
+                <a:effectLst/>
+                <a:latin typeface="Fira Code" panose="020B0809050000020004" pitchFamily="49" charset="0"/>
+              </a:rPr>
+              <a:t>data</a:t>
+            </a:r>
+            <a:r>
+              <a:rPr lang="de-DE" b="0" dirty="0">
+                <a:solidFill>
+                  <a:srgbClr val="D4D4D4"/>
+                </a:solidFill>
+                <a:effectLst/>
+                <a:latin typeface="Fira Code" panose="020B0809050000020004" pitchFamily="49" charset="0"/>
+              </a:rPr>
+              <a:t> </a:t>
+            </a:r>
+            <a:r>
+              <a:rPr lang="de-DE" b="0" dirty="0" err="1">
+                <a:solidFill>
+                  <a:srgbClr val="D4D4D4"/>
+                </a:solidFill>
+                <a:effectLst/>
+                <a:latin typeface="Fira Code" panose="020B0809050000020004" pitchFamily="49" charset="0"/>
+              </a:rPr>
+              <a:t>structure</a:t>
+            </a:r>
+            <a:r>
+              <a:rPr lang="de-DE" b="0" dirty="0">
+                <a:solidFill>
+                  <a:srgbClr val="D4D4D4"/>
+                </a:solidFill>
+                <a:effectLst/>
+                <a:latin typeface="Fira Code" panose="020B0809050000020004" pitchFamily="49" charset="0"/>
+              </a:rPr>
+              <a:t> </a:t>
+            </a:r>
+            <a:r>
+              <a:rPr lang="de-DE" b="0" dirty="0" err="1">
+                <a:solidFill>
+                  <a:srgbClr val="D4D4D4"/>
+                </a:solidFill>
+                <a:effectLst/>
+                <a:latin typeface="Fira Code" panose="020B0809050000020004" pitchFamily="49" charset="0"/>
+              </a:rPr>
+              <a:t>is</a:t>
+            </a:r>
+            <a:r>
+              <a:rPr lang="de-DE" b="0" dirty="0">
+                <a:solidFill>
+                  <a:srgbClr val="D4D4D4"/>
+                </a:solidFill>
+                <a:effectLst/>
+                <a:latin typeface="Fira Code" panose="020B0809050000020004" pitchFamily="49" charset="0"/>
+              </a:rPr>
+              <a:t> </a:t>
+            </a:r>
+            <a:r>
+              <a:rPr lang="de-DE" b="0" dirty="0" err="1">
+                <a:solidFill>
+                  <a:srgbClr val="D4D4D4"/>
+                </a:solidFill>
+                <a:effectLst/>
+                <a:latin typeface="Fira Code" panose="020B0809050000020004" pitchFamily="49" charset="0"/>
+              </a:rPr>
+              <a:t>suitable</a:t>
+            </a:r>
+            <a:r>
+              <a:rPr lang="de-DE" b="0" dirty="0">
+                <a:solidFill>
+                  <a:srgbClr val="D4D4D4"/>
+                </a:solidFill>
+                <a:effectLst/>
+                <a:latin typeface="Fira Code" panose="020B0809050000020004" pitchFamily="49" charset="0"/>
+              </a:rPr>
+              <a:t> </a:t>
+            </a:r>
+            <a:r>
+              <a:rPr lang="de-DE" b="0" dirty="0" err="1">
+                <a:solidFill>
+                  <a:srgbClr val="D4D4D4"/>
+                </a:solidFill>
+                <a:effectLst/>
+                <a:latin typeface="Fira Code" panose="020B0809050000020004" pitchFamily="49" charset="0"/>
+              </a:rPr>
+              <a:t>for</a:t>
+            </a:r>
+            <a:r>
+              <a:rPr lang="de-DE" b="0" dirty="0">
+                <a:solidFill>
+                  <a:srgbClr val="D4D4D4"/>
+                </a:solidFill>
+                <a:effectLst/>
+                <a:latin typeface="Fira Code" panose="020B0809050000020004" pitchFamily="49" charset="0"/>
+              </a:rPr>
+              <a:t> </a:t>
+            </a:r>
+            <a:r>
+              <a:rPr lang="de-DE" b="0" dirty="0" err="1">
+                <a:solidFill>
+                  <a:srgbClr val="D4D4D4"/>
+                </a:solidFill>
+                <a:effectLst/>
+                <a:latin typeface="Fira Code" panose="020B0809050000020004" pitchFamily="49" charset="0"/>
+              </a:rPr>
+              <a:t>storing</a:t>
+            </a:r>
+            <a:r>
+              <a:rPr lang="de-DE" b="0" dirty="0">
+                <a:solidFill>
+                  <a:srgbClr val="D4D4D4"/>
+                </a:solidFill>
+                <a:effectLst/>
+                <a:latin typeface="Fira Code" panose="020B0809050000020004" pitchFamily="49" charset="0"/>
+              </a:rPr>
+              <a:t> </a:t>
+            </a:r>
+            <a:r>
+              <a:rPr lang="de-DE" b="0" dirty="0" err="1">
+                <a:solidFill>
+                  <a:srgbClr val="D4D4D4"/>
+                </a:solidFill>
+                <a:effectLst/>
+                <a:latin typeface="Fira Code" panose="020B0809050000020004" pitchFamily="49" charset="0"/>
+              </a:rPr>
+              <a:t>several</a:t>
+            </a:r>
+            <a:r>
+              <a:rPr lang="de-DE" b="0" dirty="0">
+                <a:solidFill>
+                  <a:srgbClr val="D4D4D4"/>
+                </a:solidFill>
+                <a:effectLst/>
+                <a:latin typeface="Fira Code" panose="020B0809050000020004" pitchFamily="49" charset="0"/>
+              </a:rPr>
+              <a:t> </a:t>
+            </a:r>
+            <a:r>
+              <a:rPr lang="de-DE" b="0" dirty="0" err="1">
+                <a:solidFill>
+                  <a:srgbClr val="D4D4D4"/>
+                </a:solidFill>
+                <a:effectLst/>
+                <a:latin typeface="Fira Code" panose="020B0809050000020004" pitchFamily="49" charset="0"/>
+              </a:rPr>
+              <a:t>lectures</a:t>
+            </a:r>
+            <a:r>
+              <a:rPr lang="de-DE" b="0" dirty="0">
+                <a:solidFill>
+                  <a:srgbClr val="D4D4D4"/>
+                </a:solidFill>
+                <a:effectLst/>
+                <a:latin typeface="Fira Code" panose="020B0809050000020004" pitchFamily="49" charset="0"/>
+              </a:rPr>
+              <a:t>?</a:t>
+            </a:r>
+          </a:p>
+          <a:p>
+            <a:r>
+              <a:rPr lang="de-DE" b="0" dirty="0">
+                <a:solidFill>
+                  <a:srgbClr val="D4D4D4"/>
+                </a:solidFill>
+                <a:effectLst/>
+                <a:latin typeface="Fira Code" panose="020B0809050000020004" pitchFamily="49" charset="0"/>
+              </a:rPr>
+              <a:t>(Addition:) Find out </a:t>
+            </a:r>
+            <a:r>
+              <a:rPr lang="de-DE" b="0" dirty="0" err="1">
+                <a:solidFill>
+                  <a:srgbClr val="D4D4D4"/>
+                </a:solidFill>
+                <a:effectLst/>
+                <a:latin typeface="Fira Code" panose="020B0809050000020004" pitchFamily="49" charset="0"/>
+              </a:rPr>
+              <a:t>how</a:t>
+            </a:r>
+            <a:r>
+              <a:rPr lang="de-DE" b="0" dirty="0">
+                <a:solidFill>
+                  <a:srgbClr val="D4D4D4"/>
+                </a:solidFill>
+                <a:effectLst/>
+                <a:latin typeface="Fira Code" panose="020B0809050000020004" pitchFamily="49" charset="0"/>
+              </a:rPr>
+              <a:t> </a:t>
+            </a:r>
+            <a:r>
+              <a:rPr lang="de-DE" b="0" dirty="0" err="1">
+                <a:solidFill>
+                  <a:srgbClr val="D4D4D4"/>
+                </a:solidFill>
+                <a:effectLst/>
+                <a:latin typeface="Fira Code" panose="020B0809050000020004" pitchFamily="49" charset="0"/>
+              </a:rPr>
+              <a:t>to</a:t>
+            </a:r>
+            <a:r>
+              <a:rPr lang="de-DE" b="0" dirty="0">
+                <a:solidFill>
+                  <a:srgbClr val="D4D4D4"/>
+                </a:solidFill>
+                <a:effectLst/>
+                <a:latin typeface="Fira Code" panose="020B0809050000020004" pitchFamily="49" charset="0"/>
+              </a:rPr>
+              <a:t> </a:t>
+            </a:r>
+            <a:r>
+              <a:rPr lang="de-DE" b="0" dirty="0" err="1">
+                <a:solidFill>
+                  <a:srgbClr val="D4D4D4"/>
+                </a:solidFill>
+                <a:effectLst/>
+                <a:latin typeface="Fira Code" panose="020B0809050000020004" pitchFamily="49" charset="0"/>
+              </a:rPr>
+              <a:t>display</a:t>
+            </a:r>
+            <a:r>
+              <a:rPr lang="de-DE" b="0" dirty="0">
+                <a:solidFill>
+                  <a:srgbClr val="D4D4D4"/>
+                </a:solidFill>
+                <a:effectLst/>
+                <a:latin typeface="Fira Code" panose="020B0809050000020004" pitchFamily="49" charset="0"/>
+              </a:rPr>
+              <a:t> all </a:t>
             </a:r>
             <a:r>
               <a:rPr lang="de-DE" b="0" dirty="0" err="1">
@@ -6118,7 +9973,7 @@
                 <a:effectLst/>
                 <a:latin typeface="Fira Code" panose="020B0809050000020004" pitchFamily="49" charset="0"/>
               </a:rPr>
-              <a:t> und alle </a:t>
+              <a:t> and all </a:t>
             </a:r>
             <a:r>
               <a:rPr lang="de-DE" b="0" dirty="0" err="1">
@@ -6138,30 +9993,148 @@
                 <a:effectLst/>
                 <a:latin typeface="Fira Code" panose="020B0809050000020004" pitchFamily="49" charset="0"/>
               </a:rPr>
-              <a:t> eines vorhanden </a:t>
-            </a:r>
-            <a:r>
-              <a:rPr lang="de-DE" b="0" dirty="0" err="1">
-                <a:solidFill>
-                  <a:srgbClr val="D4D4D4"/>
-                </a:solidFill>
-                <a:effectLst/>
-                <a:latin typeface="Fira Code" panose="020B0809050000020004" pitchFamily="49" charset="0"/>
-              </a:rPr>
-              <a:t>Dictionarys</a:t>
-            </a:r>
-            <a:r>
-              <a:rPr lang="de-DE" b="0" dirty="0">
-                <a:solidFill>
-                  <a:srgbClr val="D4D4D4"/>
-                </a:solidFill>
-                <a:effectLst/>
-                <a:latin typeface="Fira Code" panose="020B0809050000020004" pitchFamily="49" charset="0"/>
-              </a:rPr>
-              <a:t> ausgeben lassen kann und teste es an deinem eigenen Beispiel.</a:t>
-            </a:r>
-          </a:p>
-          <a:p>
+              <a:t> </a:t>
+            </a:r>
+            <a:r>
+              <a:rPr lang="de-DE" b="0" dirty="0" err="1">
+                <a:solidFill>
+                  <a:srgbClr val="D4D4D4"/>
+                </a:solidFill>
+                <a:effectLst/>
+                <a:latin typeface="Fira Code" panose="020B0809050000020004" pitchFamily="49" charset="0"/>
+              </a:rPr>
+              <a:t>of</a:t>
+            </a:r>
+            <a:r>
+              <a:rPr lang="de-DE" b="0" dirty="0">
+                <a:solidFill>
+                  <a:srgbClr val="D4D4D4"/>
+                </a:solidFill>
+                <a:effectLst/>
+                <a:latin typeface="Fira Code" panose="020B0809050000020004" pitchFamily="49" charset="0"/>
+              </a:rPr>
+              <a:t> an </a:t>
+            </a:r>
+            <a:r>
+              <a:rPr lang="de-DE" b="0" dirty="0" err="1">
+                <a:solidFill>
+                  <a:srgbClr val="D4D4D4"/>
+                </a:solidFill>
+                <a:effectLst/>
+                <a:latin typeface="Fira Code" panose="020B0809050000020004" pitchFamily="49" charset="0"/>
+              </a:rPr>
+              <a:t>existing</a:t>
+            </a:r>
+            <a:r>
+              <a:rPr lang="de-DE" b="0" dirty="0">
+                <a:solidFill>
+                  <a:srgbClr val="D4D4D4"/>
+                </a:solidFill>
+                <a:effectLst/>
+                <a:latin typeface="Fira Code" panose="020B0809050000020004" pitchFamily="49" charset="0"/>
+              </a:rPr>
+              <a:t> </a:t>
+            </a:r>
+            <a:r>
+              <a:rPr lang="de-DE" b="0" dirty="0" err="1">
+                <a:solidFill>
+                  <a:srgbClr val="D4D4D4"/>
+                </a:solidFill>
+                <a:effectLst/>
+                <a:latin typeface="Fira Code" panose="020B0809050000020004" pitchFamily="49" charset="0"/>
+              </a:rPr>
+              <a:t>dictionary</a:t>
+            </a:r>
+            <a:r>
+              <a:rPr lang="de-DE" b="0" dirty="0">
+                <a:solidFill>
+                  <a:srgbClr val="D4D4D4"/>
+                </a:solidFill>
+                <a:effectLst/>
+                <a:latin typeface="Fira Code" panose="020B0809050000020004" pitchFamily="49" charset="0"/>
+              </a:rPr>
+              <a:t> and </a:t>
+            </a:r>
+            <a:r>
+              <a:rPr lang="de-DE" b="0" dirty="0" err="1">
+                <a:solidFill>
+                  <a:srgbClr val="D4D4D4"/>
+                </a:solidFill>
+                <a:effectLst/>
+                <a:latin typeface="Fira Code" panose="020B0809050000020004" pitchFamily="49" charset="0"/>
+              </a:rPr>
+              <a:t>test</a:t>
+            </a:r>
+            <a:r>
+              <a:rPr lang="de-DE" b="0" dirty="0">
+                <a:solidFill>
+                  <a:srgbClr val="D4D4D4"/>
+                </a:solidFill>
+                <a:effectLst/>
+                <a:latin typeface="Fira Code" panose="020B0809050000020004" pitchFamily="49" charset="0"/>
+              </a:rPr>
+              <a:t> </a:t>
+            </a:r>
+            <a:r>
+              <a:rPr lang="de-DE" b="0" dirty="0" err="1">
+                <a:solidFill>
+                  <a:srgbClr val="D4D4D4"/>
+                </a:solidFill>
+                <a:effectLst/>
+                <a:latin typeface="Fira Code" panose="020B0809050000020004" pitchFamily="49" charset="0"/>
+              </a:rPr>
+              <a:t>it</a:t>
+            </a:r>
+            <a:r>
+              <a:rPr lang="de-DE" b="0" dirty="0">
+                <a:solidFill>
+                  <a:srgbClr val="D4D4D4"/>
+                </a:solidFill>
+                <a:effectLst/>
+                <a:latin typeface="Fira Code" panose="020B0809050000020004" pitchFamily="49" charset="0"/>
+              </a:rPr>
+              <a:t> on </a:t>
+            </a:r>
+            <a:r>
+              <a:rPr lang="de-DE" b="0" dirty="0" err="1">
+                <a:solidFill>
+                  <a:srgbClr val="D4D4D4"/>
+                </a:solidFill>
+                <a:effectLst/>
+                <a:latin typeface="Fira Code" panose="020B0809050000020004" pitchFamily="49" charset="0"/>
+              </a:rPr>
+              <a:t>your</a:t>
+            </a:r>
+            <a:r>
+              <a:rPr lang="de-DE" b="0" dirty="0">
+                <a:solidFill>
+                  <a:srgbClr val="D4D4D4"/>
+                </a:solidFill>
+                <a:effectLst/>
+                <a:latin typeface="Fira Code" panose="020B0809050000020004" pitchFamily="49" charset="0"/>
+              </a:rPr>
+              <a:t> own </a:t>
+            </a:r>
+            <a:r>
+              <a:rPr lang="de-DE" b="0" dirty="0" err="1">
+                <a:solidFill>
+                  <a:srgbClr val="D4D4D4"/>
+                </a:solidFill>
+                <a:effectLst/>
+                <a:latin typeface="Fira Code" panose="020B0809050000020004" pitchFamily="49" charset="0"/>
+              </a:rPr>
+              <a:t>example</a:t>
+            </a:r>
+            <a:r>
+              <a:rPr lang="de-DE" b="0" dirty="0">
+                <a:solidFill>
+                  <a:srgbClr val="D4D4D4"/>
+                </a:solidFill>
+                <a:effectLst/>
+                <a:latin typeface="Fira Code" panose="020B0809050000020004" pitchFamily="49" charset="0"/>
+              </a:rPr>
+              <a:t>.</a:t>
+            </a:r>
             <a:endParaRPr lang="de-DE" dirty="0"/>
           </a:p>
         </p:txBody>
@@ -9040,71 +13013,809 @@
         </p:nvSpPr>
         <p:spPr/>
         <p:txBody>
-          <a:bodyPr/>
+          <a:bodyPr>
+            <a:normAutofit/>
+          </a:bodyPr>
           <a:lstStyle/>
           <a:p>
-            <a:r>
-              <a:rPr lang="de-DE" b="0" dirty="0">
-                <a:solidFill>
-                  <a:srgbClr val="D4D4D4"/>
-                </a:solidFill>
-                <a:effectLst/>
+            <a:pPr>
+              <a:buFont typeface="+mj-lt"/>
+              <a:buAutoNum type="arabicPeriod"/>
+            </a:pPr>
+            <a:r>
+              <a:rPr lang="de-DE" dirty="0">
+                <a:solidFill>
+                  <a:srgbClr val="D4D4D4"/>
+                </a:solidFill>
                 <a:latin typeface="Fira Code" panose="020F0502020204030204" pitchFamily="34" charset="0"/>
               </a:rPr>
-              <a:t>Schreibe ein Programm, dass zwei Zahlen addiert und ausgibt. Versuche auch die Datentypen </a:t>
-            </a:r>
-            <a:r>
-              <a:rPr lang="de-DE" b="0" dirty="0" err="1">
-                <a:solidFill>
-                  <a:srgbClr val="D4D4D4"/>
-                </a:solidFill>
-                <a:effectLst/>
+              <a:t>Write a </a:t>
+            </a:r>
+            <a:r>
+              <a:rPr lang="de-DE" dirty="0" err="1">
+                <a:solidFill>
+                  <a:srgbClr val="D4D4D4"/>
+                </a:solidFill>
                 <a:latin typeface="Fira Code" panose="020F0502020204030204" pitchFamily="34" charset="0"/>
               </a:rPr>
-              <a:t>int</a:t>
-            </a:r>
-            <a:r>
-              <a:rPr lang="de-DE" b="0" dirty="0">
-                <a:solidFill>
-                  <a:srgbClr val="D4D4D4"/>
-                </a:solidFill>
-                <a:effectLst/>
+              <a:t>programm</a:t>
+            </a:r>
+            <a:r>
+              <a:rPr lang="de-DE" dirty="0">
+                <a:solidFill>
+                  <a:srgbClr val="D4D4D4"/>
+                </a:solidFill>
                 <a:latin typeface="Fira Code" panose="020F0502020204030204" pitchFamily="34" charset="0"/>
               </a:rPr>
-              <a:t> und </a:t>
-            </a:r>
-            <a:r>
-              <a:rPr lang="de-DE" b="0" dirty="0" err="1">
-                <a:solidFill>
-                  <a:srgbClr val="D4D4D4"/>
-                </a:solidFill>
-                <a:effectLst/>
+              <a:t> </a:t>
+            </a:r>
+            <a:r>
+              <a:rPr lang="de-DE" dirty="0" err="1">
+                <a:solidFill>
+                  <a:srgbClr val="D4D4D4"/>
+                </a:solidFill>
                 <a:latin typeface="Fira Code" panose="020F0502020204030204" pitchFamily="34" charset="0"/>
               </a:rPr>
-              <a:t>float</a:t>
-            </a:r>
-            <a:r>
-              <a:rPr lang="de-DE" b="0" dirty="0">
-                <a:solidFill>
-                  <a:srgbClr val="D4D4D4"/>
-                </a:solidFill>
-                <a:effectLst/>
+              <a:t>that</a:t>
+            </a:r>
+            <a:r>
+              <a:rPr lang="de-DE" dirty="0">
+                <a:solidFill>
+                  <a:srgbClr val="D4D4D4"/>
+                </a:solidFill>
                 <a:latin typeface="Fira Code" panose="020F0502020204030204" pitchFamily="34" charset="0"/>
               </a:rPr>
-              <a:t> zu mischen, von welchem Datentyp ist das Ergebnis?</a:t>
-            </a:r>
-          </a:p>
-          <a:p>
-            <a:r>
-              <a:rPr lang="de-DE" b="0" dirty="0">
-                <a:solidFill>
-                  <a:srgbClr val="D4D4D4"/>
-                </a:solidFill>
-                <a:effectLst/>
+              <a:t> </a:t>
+            </a:r>
+            <a:r>
+              <a:rPr lang="de-DE" dirty="0" err="1">
+                <a:solidFill>
+                  <a:srgbClr val="D4D4D4"/>
+                </a:solidFill>
                 <a:latin typeface="Fira Code" panose="020F0502020204030204" pitchFamily="34" charset="0"/>
               </a:rPr>
-              <a:t>Schreibe ein Programm, dass zwei Gleitkommazahlen addiert und das Ergebnis als Ganzzahl ausgibt. Probiere ob du es gezielt schaffst die Zahl einmal abgerundet und einmal aufgerundet auszugeben. Recherchiere nach den passenden Funktionen.</a:t>
-            </a:r>
+              <a:t>adds</a:t>
+            </a:r>
+            <a:r>
+              <a:rPr lang="de-DE" dirty="0">
+                <a:solidFill>
+                  <a:srgbClr val="D4D4D4"/>
+                </a:solidFill>
+                <a:latin typeface="Fira Code" panose="020F0502020204030204" pitchFamily="34" charset="0"/>
+              </a:rPr>
+              <a:t> </a:t>
+            </a:r>
+            <a:r>
+              <a:rPr lang="de-DE" dirty="0" err="1">
+                <a:solidFill>
+                  <a:srgbClr val="D4D4D4"/>
+                </a:solidFill>
+                <a:latin typeface="Fira Code" panose="020F0502020204030204" pitchFamily="34" charset="0"/>
+              </a:rPr>
+              <a:t>up</a:t>
+            </a:r>
+            <a:r>
+              <a:rPr lang="de-DE" dirty="0">
+                <a:solidFill>
+                  <a:srgbClr val="D4D4D4"/>
+                </a:solidFill>
+                <a:latin typeface="Fira Code" panose="020F0502020204030204" pitchFamily="34" charset="0"/>
+              </a:rPr>
+              <a:t> </a:t>
+            </a:r>
+            <a:r>
+              <a:rPr lang="de-DE" dirty="0" err="1">
+                <a:solidFill>
+                  <a:srgbClr val="D4D4D4"/>
+                </a:solidFill>
+                <a:latin typeface="Fira Code" panose="020F0502020204030204" pitchFamily="34" charset="0"/>
+              </a:rPr>
+              <a:t>two</a:t>
+            </a:r>
+            <a:r>
+              <a:rPr lang="de-DE" dirty="0">
+                <a:solidFill>
+                  <a:srgbClr val="D4D4D4"/>
+                </a:solidFill>
+                <a:latin typeface="Fira Code" panose="020F0502020204030204" pitchFamily="34" charset="0"/>
+              </a:rPr>
+              <a:t> </a:t>
+            </a:r>
+            <a:r>
+              <a:rPr lang="de-DE" dirty="0" err="1">
+                <a:solidFill>
+                  <a:srgbClr val="D4D4D4"/>
+                </a:solidFill>
+                <a:latin typeface="Fira Code" panose="020F0502020204030204" pitchFamily="34" charset="0"/>
+              </a:rPr>
+              <a:t>numbers</a:t>
+            </a:r>
+            <a:r>
+              <a:rPr lang="de-DE" dirty="0">
+                <a:solidFill>
+                  <a:srgbClr val="D4D4D4"/>
+                </a:solidFill>
+                <a:latin typeface="Fira Code" panose="020F0502020204030204" pitchFamily="34" charset="0"/>
+              </a:rPr>
+              <a:t> and </a:t>
+            </a:r>
+            <a:r>
+              <a:rPr lang="de-DE" dirty="0" err="1">
+                <a:solidFill>
+                  <a:srgbClr val="D4D4D4"/>
+                </a:solidFill>
+                <a:latin typeface="Fira Code" panose="020F0502020204030204" pitchFamily="34" charset="0"/>
+              </a:rPr>
+              <a:t>displays</a:t>
+            </a:r>
+            <a:r>
+              <a:rPr lang="de-DE" dirty="0">
+                <a:solidFill>
+                  <a:srgbClr val="D4D4D4"/>
+                </a:solidFill>
+                <a:latin typeface="Fira Code" panose="020F0502020204030204" pitchFamily="34" charset="0"/>
+              </a:rPr>
+              <a:t> </a:t>
+            </a:r>
+            <a:r>
+              <a:rPr lang="de-DE" dirty="0" err="1">
+                <a:solidFill>
+                  <a:srgbClr val="D4D4D4"/>
+                </a:solidFill>
+                <a:latin typeface="Fira Code" panose="020F0502020204030204" pitchFamily="34" charset="0"/>
+              </a:rPr>
+              <a:t>the</a:t>
+            </a:r>
+            <a:r>
+              <a:rPr lang="de-DE" dirty="0">
+                <a:solidFill>
+                  <a:srgbClr val="D4D4D4"/>
+                </a:solidFill>
+                <a:latin typeface="Fira Code" panose="020F0502020204030204" pitchFamily="34" charset="0"/>
+              </a:rPr>
+              <a:t> </a:t>
+            </a:r>
+            <a:r>
+              <a:rPr lang="de-DE" dirty="0" err="1">
+                <a:solidFill>
+                  <a:srgbClr val="D4D4D4"/>
+                </a:solidFill>
+                <a:latin typeface="Fira Code" panose="020F0502020204030204" pitchFamily="34" charset="0"/>
+              </a:rPr>
+              <a:t>result</a:t>
+            </a:r>
+            <a:r>
+              <a:rPr lang="de-DE" dirty="0">
+                <a:solidFill>
+                  <a:srgbClr val="D4D4D4"/>
+                </a:solidFill>
+                <a:latin typeface="Fira Code" panose="020F0502020204030204" pitchFamily="34" charset="0"/>
+              </a:rPr>
+              <a:t>. Try </a:t>
+            </a:r>
+            <a:r>
+              <a:rPr lang="de-DE" dirty="0" err="1">
+                <a:solidFill>
+                  <a:srgbClr val="D4D4D4"/>
+                </a:solidFill>
+                <a:latin typeface="Fira Code" panose="020F0502020204030204" pitchFamily="34" charset="0"/>
+              </a:rPr>
+              <a:t>to</a:t>
+            </a:r>
+            <a:r>
+              <a:rPr lang="de-DE" dirty="0">
+                <a:solidFill>
+                  <a:srgbClr val="D4D4D4"/>
+                </a:solidFill>
+                <a:latin typeface="Fira Code" panose="020F0502020204030204" pitchFamily="34" charset="0"/>
+              </a:rPr>
+              <a:t> mix </a:t>
+            </a:r>
+            <a:r>
+              <a:rPr lang="de-DE" dirty="0" err="1">
+                <a:solidFill>
+                  <a:srgbClr val="D4D4D4"/>
+                </a:solidFill>
+                <a:latin typeface="Fira Code" panose="020F0502020204030204" pitchFamily="34" charset="0"/>
+              </a:rPr>
+              <a:t>up</a:t>
+            </a:r>
+            <a:r>
+              <a:rPr lang="de-DE" dirty="0">
+                <a:solidFill>
+                  <a:srgbClr val="D4D4D4"/>
+                </a:solidFill>
+                <a:latin typeface="Fira Code" panose="020F0502020204030204" pitchFamily="34" charset="0"/>
+              </a:rPr>
+              <a:t> integer and </a:t>
+            </a:r>
+            <a:r>
+              <a:rPr lang="de-DE" dirty="0" err="1">
+                <a:solidFill>
+                  <a:srgbClr val="D4D4D4"/>
+                </a:solidFill>
+                <a:latin typeface="Fira Code" panose="020F0502020204030204" pitchFamily="34" charset="0"/>
+              </a:rPr>
+              <a:t>floating</a:t>
+            </a:r>
+            <a:r>
+              <a:rPr lang="de-DE" dirty="0">
+                <a:solidFill>
+                  <a:srgbClr val="D4D4D4"/>
+                </a:solidFill>
+                <a:latin typeface="Fira Code" panose="020F0502020204030204" pitchFamily="34" charset="0"/>
+              </a:rPr>
+              <a:t> </a:t>
+            </a:r>
+            <a:r>
+              <a:rPr lang="de-DE" dirty="0" err="1">
+                <a:solidFill>
+                  <a:srgbClr val="D4D4D4"/>
+                </a:solidFill>
+                <a:latin typeface="Fira Code" panose="020F0502020204030204" pitchFamily="34" charset="0"/>
+              </a:rPr>
+              <a:t>point</a:t>
+            </a:r>
+            <a:r>
+              <a:rPr lang="de-DE" dirty="0">
+                <a:solidFill>
+                  <a:srgbClr val="D4D4D4"/>
+                </a:solidFill>
+                <a:latin typeface="Fira Code" panose="020F0502020204030204" pitchFamily="34" charset="0"/>
+              </a:rPr>
+              <a:t> </a:t>
+            </a:r>
+            <a:r>
+              <a:rPr lang="de-DE" dirty="0" err="1">
+                <a:solidFill>
+                  <a:srgbClr val="D4D4D4"/>
+                </a:solidFill>
+                <a:latin typeface="Fira Code" panose="020F0502020204030204" pitchFamily="34" charset="0"/>
+              </a:rPr>
+              <a:t>numbers</a:t>
+            </a:r>
+            <a:r>
+              <a:rPr lang="de-DE" dirty="0">
+                <a:solidFill>
+                  <a:srgbClr val="D4D4D4"/>
+                </a:solidFill>
+                <a:latin typeface="Fira Code" panose="020F0502020204030204" pitchFamily="34" charset="0"/>
+              </a:rPr>
+              <a:t>. </a:t>
+            </a:r>
+            <a:r>
+              <a:rPr lang="de-DE" dirty="0" err="1">
+                <a:solidFill>
+                  <a:srgbClr val="D4D4D4"/>
+                </a:solidFill>
+                <a:latin typeface="Fira Code" panose="020F0502020204030204" pitchFamily="34" charset="0"/>
+              </a:rPr>
+              <a:t>What</a:t>
+            </a:r>
+            <a:r>
+              <a:rPr lang="de-DE" dirty="0">
+                <a:solidFill>
+                  <a:srgbClr val="D4D4D4"/>
+                </a:solidFill>
+                <a:latin typeface="Fira Code" panose="020F0502020204030204" pitchFamily="34" charset="0"/>
+              </a:rPr>
+              <a:t> type </a:t>
+            </a:r>
+            <a:r>
+              <a:rPr lang="de-DE" dirty="0" err="1">
+                <a:solidFill>
+                  <a:srgbClr val="D4D4D4"/>
+                </a:solidFill>
+                <a:latin typeface="Fira Code" panose="020F0502020204030204" pitchFamily="34" charset="0"/>
+              </a:rPr>
+              <a:t>is</a:t>
+            </a:r>
+            <a:r>
+              <a:rPr lang="de-DE" dirty="0">
+                <a:solidFill>
+                  <a:srgbClr val="D4D4D4"/>
+                </a:solidFill>
+                <a:latin typeface="Fira Code" panose="020F0502020204030204" pitchFamily="34" charset="0"/>
+              </a:rPr>
+              <a:t> </a:t>
+            </a:r>
+            <a:r>
+              <a:rPr lang="de-DE" dirty="0" err="1">
+                <a:solidFill>
+                  <a:srgbClr val="D4D4D4"/>
+                </a:solidFill>
+                <a:latin typeface="Fira Code" panose="020F0502020204030204" pitchFamily="34" charset="0"/>
+              </a:rPr>
+              <a:t>the</a:t>
+            </a:r>
+            <a:r>
+              <a:rPr lang="de-DE" dirty="0">
+                <a:solidFill>
+                  <a:srgbClr val="D4D4D4"/>
+                </a:solidFill>
+                <a:latin typeface="Fira Code" panose="020F0502020204030204" pitchFamily="34" charset="0"/>
+              </a:rPr>
+              <a:t> </a:t>
+            </a:r>
+            <a:r>
+              <a:rPr lang="de-DE" dirty="0" err="1">
+                <a:solidFill>
+                  <a:srgbClr val="D4D4D4"/>
+                </a:solidFill>
+                <a:latin typeface="Fira Code" panose="020F0502020204030204" pitchFamily="34" charset="0"/>
+              </a:rPr>
+              <a:t>result</a:t>
+            </a:r>
+            <a:r>
+              <a:rPr lang="de-DE" dirty="0">
+                <a:solidFill>
+                  <a:srgbClr val="D4D4D4"/>
+                </a:solidFill>
+                <a:latin typeface="Fira Code" panose="020F0502020204030204" pitchFamily="34" charset="0"/>
+              </a:rPr>
+              <a:t> </a:t>
+            </a:r>
+            <a:r>
+              <a:rPr lang="de-DE" dirty="0" err="1">
+                <a:solidFill>
+                  <a:srgbClr val="D4D4D4"/>
+                </a:solidFill>
+                <a:latin typeface="Fira Code" panose="020F0502020204030204" pitchFamily="34" charset="0"/>
+              </a:rPr>
+              <a:t>of</a:t>
+            </a:r>
+            <a:r>
+              <a:rPr lang="de-DE" dirty="0">
+                <a:solidFill>
+                  <a:srgbClr val="D4D4D4"/>
+                </a:solidFill>
+                <a:latin typeface="Fira Code" panose="020F0502020204030204" pitchFamily="34" charset="0"/>
+              </a:rPr>
+              <a:t>?</a:t>
+            </a:r>
+            <a:endParaRPr lang="de-DE" b="0" dirty="0">
+              <a:solidFill>
+                <a:srgbClr val="D4D4D4"/>
+              </a:solidFill>
+              <a:effectLst/>
+              <a:latin typeface="Fira Code" panose="020F0502020204030204" pitchFamily="34" charset="0"/>
+            </a:endParaRPr>
+          </a:p>
+          <a:p>
+            <a:pPr>
+              <a:buFont typeface="+mj-lt"/>
+              <a:buAutoNum type="arabicPeriod"/>
+            </a:pPr>
+            <a:r>
+              <a:rPr lang="de-DE" dirty="0">
+                <a:solidFill>
+                  <a:srgbClr val="D4D4D4"/>
+                </a:solidFill>
+                <a:latin typeface="Fira Code" panose="020F0502020204030204" pitchFamily="34" charset="0"/>
+              </a:rPr>
+              <a:t>Write a </a:t>
+            </a:r>
+            <a:r>
+              <a:rPr lang="de-DE" dirty="0" err="1">
+                <a:solidFill>
+                  <a:srgbClr val="D4D4D4"/>
+                </a:solidFill>
+                <a:latin typeface="Fira Code" panose="020F0502020204030204" pitchFamily="34" charset="0"/>
+              </a:rPr>
+              <a:t>programm</a:t>
+            </a:r>
+            <a:r>
+              <a:rPr lang="de-DE" dirty="0">
+                <a:solidFill>
+                  <a:srgbClr val="D4D4D4"/>
+                </a:solidFill>
+                <a:latin typeface="Fira Code" panose="020F0502020204030204" pitchFamily="34" charset="0"/>
+              </a:rPr>
+              <a:t> </a:t>
+            </a:r>
+            <a:r>
+              <a:rPr lang="de-DE" dirty="0" err="1">
+                <a:solidFill>
+                  <a:srgbClr val="D4D4D4"/>
+                </a:solidFill>
+                <a:latin typeface="Fira Code" panose="020F0502020204030204" pitchFamily="34" charset="0"/>
+              </a:rPr>
+              <a:t>that</a:t>
+            </a:r>
+            <a:r>
+              <a:rPr lang="de-DE" dirty="0">
+                <a:solidFill>
+                  <a:srgbClr val="D4D4D4"/>
+                </a:solidFill>
+                <a:latin typeface="Fira Code" panose="020F0502020204030204" pitchFamily="34" charset="0"/>
+              </a:rPr>
+              <a:t> </a:t>
+            </a:r>
+            <a:r>
+              <a:rPr lang="de-DE" dirty="0" err="1">
+                <a:solidFill>
+                  <a:srgbClr val="D4D4D4"/>
+                </a:solidFill>
+                <a:latin typeface="Fira Code" panose="020F0502020204030204" pitchFamily="34" charset="0"/>
+              </a:rPr>
+              <a:t>adds</a:t>
+            </a:r>
+            <a:r>
+              <a:rPr lang="de-DE" dirty="0">
+                <a:solidFill>
+                  <a:srgbClr val="D4D4D4"/>
+                </a:solidFill>
+                <a:latin typeface="Fira Code" panose="020F0502020204030204" pitchFamily="34" charset="0"/>
+              </a:rPr>
+              <a:t> </a:t>
+            </a:r>
+            <a:r>
+              <a:rPr lang="de-DE" dirty="0" err="1">
+                <a:solidFill>
+                  <a:srgbClr val="D4D4D4"/>
+                </a:solidFill>
+                <a:latin typeface="Fira Code" panose="020F0502020204030204" pitchFamily="34" charset="0"/>
+              </a:rPr>
+              <a:t>two</a:t>
+            </a:r>
+            <a:r>
+              <a:rPr lang="de-DE" dirty="0">
+                <a:solidFill>
+                  <a:srgbClr val="D4D4D4"/>
+                </a:solidFill>
+                <a:latin typeface="Fira Code" panose="020F0502020204030204" pitchFamily="34" charset="0"/>
+              </a:rPr>
+              <a:t> </a:t>
+            </a:r>
+            <a:r>
+              <a:rPr lang="de-DE" dirty="0" err="1">
+                <a:solidFill>
+                  <a:srgbClr val="D4D4D4"/>
+                </a:solidFill>
+                <a:latin typeface="Fira Code" panose="020F0502020204030204" pitchFamily="34" charset="0"/>
+              </a:rPr>
+              <a:t>floating</a:t>
+            </a:r>
+            <a:r>
+              <a:rPr lang="de-DE" dirty="0">
+                <a:solidFill>
+                  <a:srgbClr val="D4D4D4"/>
+                </a:solidFill>
+                <a:latin typeface="Fira Code" panose="020F0502020204030204" pitchFamily="34" charset="0"/>
+              </a:rPr>
+              <a:t> </a:t>
+            </a:r>
+            <a:r>
+              <a:rPr lang="de-DE" dirty="0" err="1">
+                <a:solidFill>
+                  <a:srgbClr val="D4D4D4"/>
+                </a:solidFill>
+                <a:latin typeface="Fira Code" panose="020F0502020204030204" pitchFamily="34" charset="0"/>
+              </a:rPr>
+              <a:t>point</a:t>
+            </a:r>
+            <a:r>
+              <a:rPr lang="de-DE" dirty="0">
+                <a:solidFill>
+                  <a:srgbClr val="D4D4D4"/>
+                </a:solidFill>
+                <a:latin typeface="Fira Code" panose="020F0502020204030204" pitchFamily="34" charset="0"/>
+              </a:rPr>
+              <a:t> </a:t>
+            </a:r>
+            <a:r>
+              <a:rPr lang="de-DE" dirty="0" err="1">
+                <a:solidFill>
+                  <a:srgbClr val="D4D4D4"/>
+                </a:solidFill>
+                <a:latin typeface="Fira Code" panose="020F0502020204030204" pitchFamily="34" charset="0"/>
+              </a:rPr>
+              <a:t>numbers</a:t>
+            </a:r>
+            <a:r>
+              <a:rPr lang="de-DE" dirty="0">
+                <a:solidFill>
+                  <a:srgbClr val="D4D4D4"/>
+                </a:solidFill>
+                <a:latin typeface="Fira Code" panose="020F0502020204030204" pitchFamily="34" charset="0"/>
+              </a:rPr>
+              <a:t> and </a:t>
+            </a:r>
+            <a:r>
+              <a:rPr lang="de-DE" dirty="0" err="1">
+                <a:solidFill>
+                  <a:srgbClr val="D4D4D4"/>
+                </a:solidFill>
+                <a:latin typeface="Fira Code" panose="020F0502020204030204" pitchFamily="34" charset="0"/>
+              </a:rPr>
+              <a:t>displays</a:t>
+            </a:r>
+            <a:r>
+              <a:rPr lang="de-DE" dirty="0">
+                <a:solidFill>
+                  <a:srgbClr val="D4D4D4"/>
+                </a:solidFill>
+                <a:latin typeface="Fira Code" panose="020F0502020204030204" pitchFamily="34" charset="0"/>
+              </a:rPr>
+              <a:t> </a:t>
+            </a:r>
+            <a:r>
+              <a:rPr lang="de-DE" dirty="0" err="1">
+                <a:solidFill>
+                  <a:srgbClr val="D4D4D4"/>
+                </a:solidFill>
+                <a:latin typeface="Fira Code" panose="020F0502020204030204" pitchFamily="34" charset="0"/>
+              </a:rPr>
+              <a:t>the</a:t>
+            </a:r>
+            <a:r>
+              <a:rPr lang="de-DE" dirty="0">
+                <a:solidFill>
+                  <a:srgbClr val="D4D4D4"/>
+                </a:solidFill>
+                <a:latin typeface="Fira Code" panose="020F0502020204030204" pitchFamily="34" charset="0"/>
+              </a:rPr>
+              <a:t> </a:t>
+            </a:r>
+            <a:r>
+              <a:rPr lang="de-DE" dirty="0" err="1">
+                <a:solidFill>
+                  <a:srgbClr val="D4D4D4"/>
+                </a:solidFill>
+                <a:latin typeface="Fira Code" panose="020F0502020204030204" pitchFamily="34" charset="0"/>
+              </a:rPr>
+              <a:t>result</a:t>
+            </a:r>
+            <a:r>
+              <a:rPr lang="de-DE" dirty="0">
+                <a:solidFill>
+                  <a:srgbClr val="D4D4D4"/>
+                </a:solidFill>
+                <a:latin typeface="Fira Code" panose="020F0502020204030204" pitchFamily="34" charset="0"/>
+              </a:rPr>
+              <a:t> </a:t>
+            </a:r>
+            <a:r>
+              <a:rPr lang="de-DE" dirty="0" err="1">
+                <a:solidFill>
+                  <a:srgbClr val="D4D4D4"/>
+                </a:solidFill>
+                <a:latin typeface="Fira Code" panose="020F0502020204030204" pitchFamily="34" charset="0"/>
+              </a:rPr>
+              <a:t>as</a:t>
+            </a:r>
+            <a:r>
+              <a:rPr lang="de-DE" dirty="0">
+                <a:solidFill>
+                  <a:srgbClr val="D4D4D4"/>
+                </a:solidFill>
+                <a:latin typeface="Fira Code" panose="020F0502020204030204" pitchFamily="34" charset="0"/>
+              </a:rPr>
+              <a:t> an integer. Try </a:t>
+            </a:r>
+            <a:r>
+              <a:rPr lang="de-DE" dirty="0" err="1">
+                <a:solidFill>
+                  <a:srgbClr val="D4D4D4"/>
+                </a:solidFill>
+                <a:latin typeface="Fira Code" panose="020F0502020204030204" pitchFamily="34" charset="0"/>
+              </a:rPr>
+              <a:t>to</a:t>
+            </a:r>
+            <a:r>
+              <a:rPr lang="de-DE" dirty="0">
+                <a:solidFill>
+                  <a:srgbClr val="D4D4D4"/>
+                </a:solidFill>
+                <a:latin typeface="Fira Code" panose="020F0502020204030204" pitchFamily="34" charset="0"/>
+              </a:rPr>
+              <a:t> </a:t>
+            </a:r>
+            <a:r>
+              <a:rPr lang="de-DE" dirty="0" err="1">
+                <a:solidFill>
+                  <a:srgbClr val="D4D4D4"/>
+                </a:solidFill>
+                <a:latin typeface="Fira Code" panose="020F0502020204030204" pitchFamily="34" charset="0"/>
+              </a:rPr>
+              <a:t>round</a:t>
+            </a:r>
+            <a:r>
+              <a:rPr lang="de-DE" dirty="0">
+                <a:solidFill>
+                  <a:srgbClr val="D4D4D4"/>
+                </a:solidFill>
+                <a:latin typeface="Fira Code" panose="020F0502020204030204" pitchFamily="34" charset="0"/>
+              </a:rPr>
+              <a:t> </a:t>
+            </a:r>
+            <a:r>
+              <a:rPr lang="de-DE" dirty="0" err="1">
+                <a:solidFill>
+                  <a:srgbClr val="D4D4D4"/>
+                </a:solidFill>
+                <a:latin typeface="Fira Code" panose="020F0502020204030204" pitchFamily="34" charset="0"/>
+              </a:rPr>
+              <a:t>up</a:t>
+            </a:r>
+            <a:r>
+              <a:rPr lang="de-DE" dirty="0">
+                <a:solidFill>
+                  <a:srgbClr val="D4D4D4"/>
+                </a:solidFill>
+                <a:latin typeface="Fira Code" panose="020F0502020204030204" pitchFamily="34" charset="0"/>
+              </a:rPr>
+              <a:t> </a:t>
+            </a:r>
+            <a:r>
+              <a:rPr lang="de-DE" dirty="0" err="1">
+                <a:solidFill>
+                  <a:srgbClr val="D4D4D4"/>
+                </a:solidFill>
+                <a:latin typeface="Fira Code" panose="020F0502020204030204" pitchFamily="34" charset="0"/>
+              </a:rPr>
+              <a:t>or</a:t>
+            </a:r>
+            <a:r>
+              <a:rPr lang="de-DE" dirty="0">
+                <a:solidFill>
+                  <a:srgbClr val="D4D4D4"/>
+                </a:solidFill>
+                <a:latin typeface="Fira Code" panose="020F0502020204030204" pitchFamily="34" charset="0"/>
+              </a:rPr>
+              <a:t> down </a:t>
+            </a:r>
+            <a:r>
+              <a:rPr lang="de-DE" dirty="0" err="1">
+                <a:solidFill>
+                  <a:srgbClr val="D4D4D4"/>
+                </a:solidFill>
+                <a:latin typeface="Fira Code" panose="020F0502020204030204" pitchFamily="34" charset="0"/>
+              </a:rPr>
+              <a:t>explicitly</a:t>
+            </a:r>
+            <a:r>
+              <a:rPr lang="de-DE" dirty="0">
+                <a:solidFill>
+                  <a:srgbClr val="D4D4D4"/>
+                </a:solidFill>
+                <a:latin typeface="Fira Code" panose="020F0502020204030204" pitchFamily="34" charset="0"/>
+              </a:rPr>
+              <a:t>. (Research </a:t>
+            </a:r>
+            <a:r>
+              <a:rPr lang="de-DE" dirty="0" err="1">
+                <a:solidFill>
+                  <a:srgbClr val="D4D4D4"/>
+                </a:solidFill>
+                <a:latin typeface="Fira Code" panose="020F0502020204030204" pitchFamily="34" charset="0"/>
+              </a:rPr>
+              <a:t>for</a:t>
+            </a:r>
+            <a:r>
+              <a:rPr lang="de-DE" dirty="0">
+                <a:solidFill>
+                  <a:srgbClr val="D4D4D4"/>
+                </a:solidFill>
+                <a:latin typeface="Fira Code" panose="020F0502020204030204" pitchFamily="34" charset="0"/>
+              </a:rPr>
+              <a:t> </a:t>
+            </a:r>
+            <a:r>
+              <a:rPr lang="de-DE" dirty="0" err="1">
+                <a:solidFill>
+                  <a:srgbClr val="D4D4D4"/>
+                </a:solidFill>
+                <a:latin typeface="Fira Code" panose="020F0502020204030204" pitchFamily="34" charset="0"/>
+              </a:rPr>
+              <a:t>the</a:t>
+            </a:r>
+            <a:r>
+              <a:rPr lang="de-DE" dirty="0">
+                <a:solidFill>
+                  <a:srgbClr val="D4D4D4"/>
+                </a:solidFill>
+                <a:latin typeface="Fira Code" panose="020F0502020204030204" pitchFamily="34" charset="0"/>
+              </a:rPr>
+              <a:t> </a:t>
+            </a:r>
+            <a:r>
+              <a:rPr lang="de-DE" dirty="0" err="1">
+                <a:solidFill>
+                  <a:srgbClr val="D4D4D4"/>
+                </a:solidFill>
+                <a:latin typeface="Fira Code" panose="020F0502020204030204" pitchFamily="34" charset="0"/>
+              </a:rPr>
+              <a:t>functions</a:t>
+            </a:r>
+            <a:r>
+              <a:rPr lang="de-DE" dirty="0">
+                <a:solidFill>
+                  <a:srgbClr val="D4D4D4"/>
+                </a:solidFill>
+                <a:latin typeface="Fira Code" panose="020F0502020204030204" pitchFamily="34" charset="0"/>
+              </a:rPr>
+              <a:t> </a:t>
+            </a:r>
+            <a:r>
+              <a:rPr lang="de-DE" dirty="0" err="1">
+                <a:solidFill>
+                  <a:srgbClr val="D4D4D4"/>
+                </a:solidFill>
+                <a:latin typeface="Fira Code" panose="020F0502020204030204" pitchFamily="34" charset="0"/>
+              </a:rPr>
+              <a:t>or</a:t>
+            </a:r>
+            <a:r>
+              <a:rPr lang="de-DE" dirty="0">
+                <a:solidFill>
+                  <a:srgbClr val="D4D4D4"/>
+                </a:solidFill>
+                <a:latin typeface="Fira Code" panose="020F0502020204030204" pitchFamily="34" charset="0"/>
+              </a:rPr>
+              <a:t> </a:t>
+            </a:r>
+            <a:r>
+              <a:rPr lang="de-DE" dirty="0" err="1">
+                <a:solidFill>
+                  <a:srgbClr val="D4D4D4"/>
+                </a:solidFill>
+                <a:latin typeface="Fira Code" panose="020F0502020204030204" pitchFamily="34" charset="0"/>
+              </a:rPr>
+              <a:t>packages</a:t>
+            </a:r>
+            <a:r>
+              <a:rPr lang="de-DE" dirty="0">
+                <a:solidFill>
+                  <a:srgbClr val="D4D4D4"/>
+                </a:solidFill>
+                <a:latin typeface="Fira Code" panose="020F0502020204030204" pitchFamily="34" charset="0"/>
+              </a:rPr>
+              <a:t> </a:t>
+            </a:r>
+            <a:r>
+              <a:rPr lang="de-DE" dirty="0" err="1">
+                <a:solidFill>
+                  <a:srgbClr val="D4D4D4"/>
+                </a:solidFill>
+                <a:latin typeface="Fira Code" panose="020F0502020204030204" pitchFamily="34" charset="0"/>
+              </a:rPr>
+              <a:t>you</a:t>
+            </a:r>
+            <a:r>
+              <a:rPr lang="de-DE" dirty="0">
+                <a:solidFill>
+                  <a:srgbClr val="D4D4D4"/>
+                </a:solidFill>
+                <a:latin typeface="Fira Code" panose="020F0502020204030204" pitchFamily="34" charset="0"/>
+              </a:rPr>
+              <a:t> </a:t>
+            </a:r>
+            <a:r>
+              <a:rPr lang="de-DE" dirty="0" err="1">
+                <a:solidFill>
+                  <a:srgbClr val="D4D4D4"/>
+                </a:solidFill>
+                <a:latin typeface="Fira Code" panose="020F0502020204030204" pitchFamily="34" charset="0"/>
+              </a:rPr>
+              <a:t>need</a:t>
+            </a:r>
+            <a:r>
+              <a:rPr lang="de-DE" dirty="0">
+                <a:solidFill>
+                  <a:srgbClr val="D4D4D4"/>
+                </a:solidFill>
+                <a:latin typeface="Fira Code" panose="020F0502020204030204" pitchFamily="34" charset="0"/>
+              </a:rPr>
+              <a:t>) </a:t>
+            </a:r>
+            <a:endParaRPr lang="de-DE" b="0" dirty="0">
+              <a:solidFill>
+                <a:srgbClr val="D4D4D4"/>
+              </a:solidFill>
+              <a:effectLst/>
+              <a:latin typeface="Fira Code" panose="020F0502020204030204" pitchFamily="34" charset="0"/>
+            </a:endParaRPr>
           </a:p>
           <a:p>
             <a:endParaRPr lang="de-DE" dirty="0"/>
